--- a/2. Clasificacion_y_regresion/2-3. Regresion Clasificación, y Metricas.pptx
+++ b/2. Clasificacion_y_regresion/2-3. Regresion Clasificación, y Metricas.pptx
@@ -3,40 +3,41 @@
 <p:presentation xmlns:a="http://schemas.openxmlformats.org/drawingml/2006/main" xmlns:r="http://schemas.openxmlformats.org/officeDocument/2006/relationships" xmlns:p="http://schemas.openxmlformats.org/presentationml/2006/main" saveSubsetFonts="1">
   <p:sldMasterIdLst>
     <p:sldMasterId id="2147483648" r:id="rId1"/>
+    <p:sldMasterId id="2147483660" r:id="rId2"/>
   </p:sldMasterIdLst>
   <p:notesMasterIdLst>
-    <p:notesMasterId r:id="rId31"/>
+    <p:notesMasterId r:id="rId32"/>
   </p:notesMasterIdLst>
   <p:sldIdLst>
-    <p:sldId id="256" r:id="rId2"/>
-    <p:sldId id="258" r:id="rId3"/>
-    <p:sldId id="259" r:id="rId4"/>
-    <p:sldId id="260" r:id="rId5"/>
-    <p:sldId id="261" r:id="rId6"/>
-    <p:sldId id="266" r:id="rId7"/>
-    <p:sldId id="257" r:id="rId8"/>
-    <p:sldId id="263" r:id="rId9"/>
-    <p:sldId id="262" r:id="rId10"/>
-    <p:sldId id="264" r:id="rId11"/>
-    <p:sldId id="269" r:id="rId12"/>
-    <p:sldId id="271" r:id="rId13"/>
-    <p:sldId id="267" r:id="rId14"/>
-    <p:sldId id="268" r:id="rId15"/>
-    <p:sldId id="272" r:id="rId16"/>
-    <p:sldId id="273" r:id="rId17"/>
-    <p:sldId id="274" r:id="rId18"/>
-    <p:sldId id="275" r:id="rId19"/>
-    <p:sldId id="276" r:id="rId20"/>
-    <p:sldId id="277" r:id="rId21"/>
-    <p:sldId id="278" r:id="rId22"/>
-    <p:sldId id="279" r:id="rId23"/>
-    <p:sldId id="280" r:id="rId24"/>
-    <p:sldId id="281" r:id="rId25"/>
-    <p:sldId id="285" r:id="rId26"/>
-    <p:sldId id="286" r:id="rId27"/>
-    <p:sldId id="282" r:id="rId28"/>
-    <p:sldId id="283" r:id="rId29"/>
-    <p:sldId id="287" r:id="rId30"/>
+    <p:sldId id="288" r:id="rId3"/>
+    <p:sldId id="258" r:id="rId4"/>
+    <p:sldId id="259" r:id="rId5"/>
+    <p:sldId id="260" r:id="rId6"/>
+    <p:sldId id="261" r:id="rId7"/>
+    <p:sldId id="266" r:id="rId8"/>
+    <p:sldId id="257" r:id="rId9"/>
+    <p:sldId id="263" r:id="rId10"/>
+    <p:sldId id="262" r:id="rId11"/>
+    <p:sldId id="264" r:id="rId12"/>
+    <p:sldId id="269" r:id="rId13"/>
+    <p:sldId id="271" r:id="rId14"/>
+    <p:sldId id="267" r:id="rId15"/>
+    <p:sldId id="268" r:id="rId16"/>
+    <p:sldId id="272" r:id="rId17"/>
+    <p:sldId id="273" r:id="rId18"/>
+    <p:sldId id="274" r:id="rId19"/>
+    <p:sldId id="275" r:id="rId20"/>
+    <p:sldId id="276" r:id="rId21"/>
+    <p:sldId id="277" r:id="rId22"/>
+    <p:sldId id="278" r:id="rId23"/>
+    <p:sldId id="279" r:id="rId24"/>
+    <p:sldId id="280" r:id="rId25"/>
+    <p:sldId id="281" r:id="rId26"/>
+    <p:sldId id="285" r:id="rId27"/>
+    <p:sldId id="286" r:id="rId28"/>
+    <p:sldId id="282" r:id="rId29"/>
+    <p:sldId id="283" r:id="rId30"/>
+    <p:sldId id="287" r:id="rId31"/>
   </p:sldIdLst>
   <p:sldSz cx="12192000" cy="6858000"/>
   <p:notesSz cx="6858000" cy="9144000"/>
@@ -135,6 +136,11 @@
       </a:defRPr>
     </a:lvl9pPr>
   </p:defaultTextStyle>
+  <p:extLst>
+    <p:ext uri="{EFAFB233-063F-42B5-8137-9DF3F51BA10A}">
+      <p15:sldGuideLst xmlns:p15="http://schemas.microsoft.com/office/powerpoint/2012/main"/>
+    </p:ext>
+  </p:extLst>
 </p:presentation>
 </file>
 
@@ -935,10 +941,14 @@
         <a:lstStyle/>
         <a:p>
           <a:r>
-            <a:rPr lang="es-MX" dirty="0"/>
+            <a:rPr lang="es-MX" dirty="0">
+              <a:latin typeface="+mj-lt"/>
+            </a:rPr>
             <a:t>Selección de los datos</a:t>
           </a:r>
-          <a:endParaRPr lang="es-CO" dirty="0"/>
+          <a:endParaRPr lang="es-CO" dirty="0">
+            <a:latin typeface="+mj-lt"/>
+          </a:endParaRPr>
         </a:p>
       </dgm:t>
     </dgm:pt>
@@ -949,7 +959,9 @@
         <a:bodyPr/>
         <a:lstStyle/>
         <a:p>
-          <a:endParaRPr lang="es-CO"/>
+          <a:endParaRPr lang="es-CO">
+            <a:latin typeface="+mj-lt"/>
+          </a:endParaRPr>
         </a:p>
       </dgm:t>
     </dgm:pt>
@@ -960,7 +972,9 @@
         <a:bodyPr/>
         <a:lstStyle/>
         <a:p>
-          <a:endParaRPr lang="es-CO"/>
+          <a:endParaRPr lang="es-CO">
+            <a:latin typeface="+mj-lt"/>
+          </a:endParaRPr>
         </a:p>
       </dgm:t>
     </dgm:pt>
@@ -972,10 +986,14 @@
         <a:lstStyle/>
         <a:p>
           <a:r>
-            <a:rPr lang="es-MX" dirty="0"/>
+            <a:rPr lang="es-MX" dirty="0">
+              <a:latin typeface="+mj-lt"/>
+            </a:rPr>
             <a:t>Procesamiento (limpieza y manejo de nulos)</a:t>
           </a:r>
-          <a:endParaRPr lang="es-CO" dirty="0"/>
+          <a:endParaRPr lang="es-CO" dirty="0">
+            <a:latin typeface="+mj-lt"/>
+          </a:endParaRPr>
         </a:p>
       </dgm:t>
     </dgm:pt>
@@ -986,7 +1004,9 @@
         <a:bodyPr/>
         <a:lstStyle/>
         <a:p>
-          <a:endParaRPr lang="es-CO"/>
+          <a:endParaRPr lang="es-CO">
+            <a:latin typeface="+mj-lt"/>
+          </a:endParaRPr>
         </a:p>
       </dgm:t>
     </dgm:pt>
@@ -997,7 +1017,9 @@
         <a:bodyPr/>
         <a:lstStyle/>
         <a:p>
-          <a:endParaRPr lang="es-CO"/>
+          <a:endParaRPr lang="es-CO">
+            <a:latin typeface="+mj-lt"/>
+          </a:endParaRPr>
         </a:p>
       </dgm:t>
     </dgm:pt>
@@ -1009,10 +1031,14 @@
         <a:lstStyle/>
         <a:p>
           <a:r>
-            <a:rPr lang="es-MX" dirty="0"/>
+            <a:rPr lang="es-MX" dirty="0">
+              <a:latin typeface="+mj-lt"/>
+            </a:rPr>
             <a:t>Selección del modelo</a:t>
           </a:r>
-          <a:endParaRPr lang="es-CO" dirty="0"/>
+          <a:endParaRPr lang="es-CO" dirty="0">
+            <a:latin typeface="+mj-lt"/>
+          </a:endParaRPr>
         </a:p>
       </dgm:t>
     </dgm:pt>
@@ -1023,7 +1049,9 @@
         <a:bodyPr/>
         <a:lstStyle/>
         <a:p>
-          <a:endParaRPr lang="es-CO"/>
+          <a:endParaRPr lang="es-CO">
+            <a:latin typeface="+mj-lt"/>
+          </a:endParaRPr>
         </a:p>
       </dgm:t>
     </dgm:pt>
@@ -1034,7 +1062,9 @@
         <a:bodyPr/>
         <a:lstStyle/>
         <a:p>
-          <a:endParaRPr lang="es-CO"/>
+          <a:endParaRPr lang="es-CO">
+            <a:latin typeface="+mj-lt"/>
+          </a:endParaRPr>
         </a:p>
       </dgm:t>
     </dgm:pt>
@@ -1046,10 +1076,14 @@
         <a:lstStyle/>
         <a:p>
           <a:r>
-            <a:rPr lang="es-MX" dirty="0"/>
+            <a:rPr lang="es-MX" dirty="0">
+              <a:latin typeface="+mj-lt"/>
+            </a:rPr>
             <a:t>Evaluación del modelo</a:t>
           </a:r>
-          <a:endParaRPr lang="es-CO" dirty="0"/>
+          <a:endParaRPr lang="es-CO" dirty="0">
+            <a:latin typeface="+mj-lt"/>
+          </a:endParaRPr>
         </a:p>
       </dgm:t>
     </dgm:pt>
@@ -1060,7 +1094,9 @@
         <a:bodyPr/>
         <a:lstStyle/>
         <a:p>
-          <a:endParaRPr lang="es-CO"/>
+          <a:endParaRPr lang="es-CO">
+            <a:latin typeface="+mj-lt"/>
+          </a:endParaRPr>
         </a:p>
       </dgm:t>
     </dgm:pt>
@@ -1071,7 +1107,9 @@
         <a:bodyPr/>
         <a:lstStyle/>
         <a:p>
-          <a:endParaRPr lang="es-CO"/>
+          <a:endParaRPr lang="es-CO">
+            <a:latin typeface="+mj-lt"/>
+          </a:endParaRPr>
         </a:p>
       </dgm:t>
     </dgm:pt>
@@ -1083,14 +1121,20 @@
         <a:lstStyle/>
         <a:p>
           <a:r>
-            <a:rPr lang="es-MX" dirty="0"/>
+            <a:rPr lang="es-MX" dirty="0">
+              <a:latin typeface="+mj-lt"/>
+            </a:rPr>
             <a:t>Selección/ajuste de los </a:t>
           </a:r>
           <a:r>
-            <a:rPr lang="es-MX" dirty="0" err="1"/>
+            <a:rPr lang="es-MX" dirty="0" err="1">
+              <a:latin typeface="+mj-lt"/>
+            </a:rPr>
             <a:t>hiper-parámetros</a:t>
           </a:r>
-          <a:endParaRPr lang="es-CO" dirty="0"/>
+          <a:endParaRPr lang="es-CO" dirty="0">
+            <a:latin typeface="+mj-lt"/>
+          </a:endParaRPr>
         </a:p>
       </dgm:t>
     </dgm:pt>
@@ -1101,7 +1145,9 @@
         <a:bodyPr/>
         <a:lstStyle/>
         <a:p>
-          <a:endParaRPr lang="es-CO"/>
+          <a:endParaRPr lang="es-CO">
+            <a:latin typeface="+mj-lt"/>
+          </a:endParaRPr>
         </a:p>
       </dgm:t>
     </dgm:pt>
@@ -1112,7 +1158,9 @@
         <a:bodyPr/>
         <a:lstStyle/>
         <a:p>
-          <a:endParaRPr lang="es-CO"/>
+          <a:endParaRPr lang="es-CO">
+            <a:latin typeface="+mj-lt"/>
+          </a:endParaRPr>
         </a:p>
       </dgm:t>
     </dgm:pt>
@@ -1124,10 +1172,14 @@
         <a:lstStyle/>
         <a:p>
           <a:r>
-            <a:rPr lang="es-MX" dirty="0"/>
+            <a:rPr lang="es-MX" dirty="0">
+              <a:latin typeface="+mj-lt"/>
+            </a:rPr>
             <a:t>Entrenamiento del modelo</a:t>
           </a:r>
-          <a:endParaRPr lang="es-CO" dirty="0"/>
+          <a:endParaRPr lang="es-CO" dirty="0">
+            <a:latin typeface="+mj-lt"/>
+          </a:endParaRPr>
         </a:p>
       </dgm:t>
     </dgm:pt>
@@ -1138,7 +1190,9 @@
         <a:bodyPr/>
         <a:lstStyle/>
         <a:p>
-          <a:endParaRPr lang="es-CO"/>
+          <a:endParaRPr lang="es-CO">
+            <a:latin typeface="+mj-lt"/>
+          </a:endParaRPr>
         </a:p>
       </dgm:t>
     </dgm:pt>
@@ -1149,7 +1203,9 @@
         <a:bodyPr/>
         <a:lstStyle/>
         <a:p>
-          <a:endParaRPr lang="es-CO"/>
+          <a:endParaRPr lang="es-CO">
+            <a:latin typeface="+mj-lt"/>
+          </a:endParaRPr>
         </a:p>
       </dgm:t>
     </dgm:pt>
@@ -1183,7 +1239,7 @@
       <dgm:spPr/>
     </dgm:pt>
     <dgm:pt modelId="{01AB36FB-03B9-4F3B-882F-280EAE148BC3}" type="pres">
-      <dgm:prSet presAssocID="{B4F8B7C1-75D7-4739-807A-C28971095B63}" presName="textNode" presStyleLbl="node1" presStyleIdx="1" presStyleCnt="6">
+      <dgm:prSet presAssocID="{B4F8B7C1-75D7-4739-807A-C28971095B63}" presName="textNode" presStyleLbl="node1" presStyleIdx="1" presStyleCnt="6" custLinFactNeighborY="975">
         <dgm:presLayoutVars>
           <dgm:bulletEnabled val="1"/>
         </dgm:presLayoutVars>
@@ -1393,10 +1449,14 @@
             <a:buNone/>
           </a:pPr>
           <a:r>
-            <a:rPr lang="es-MX" sz="1600" kern="1200" dirty="0"/>
+            <a:rPr lang="es-MX" sz="1600" kern="1200" dirty="0">
+              <a:latin typeface="+mj-lt"/>
+            </a:rPr>
             <a:t>Selección de los datos</a:t>
           </a:r>
-          <a:endParaRPr lang="es-CO" sz="1600" kern="1200" dirty="0"/>
+          <a:endParaRPr lang="es-CO" sz="1600" kern="1200" dirty="0">
+            <a:latin typeface="+mj-lt"/>
+          </a:endParaRPr>
         </a:p>
       </dsp:txBody>
       <dsp:txXfrm>
@@ -1411,7 +1471,7 @@
       </dsp:nvSpPr>
       <dsp:spPr>
         <a:xfrm>
-          <a:off x="1768538" y="1303020"/>
+          <a:off x="1768538" y="1319959"/>
           <a:ext cx="1681571" cy="1737360"/>
         </a:xfrm>
         <a:prstGeom prst="roundRect">
@@ -1472,14 +1532,18 @@
             <a:buNone/>
           </a:pPr>
           <a:r>
-            <a:rPr lang="es-MX" sz="1600" kern="1200" dirty="0"/>
+            <a:rPr lang="es-MX" sz="1600" kern="1200" dirty="0">
+              <a:latin typeface="+mj-lt"/>
+            </a:rPr>
             <a:t>Procesamiento (limpieza y manejo de nulos)</a:t>
           </a:r>
-          <a:endParaRPr lang="es-CO" sz="1600" kern="1200" dirty="0"/>
+          <a:endParaRPr lang="es-CO" sz="1600" kern="1200" dirty="0">
+            <a:latin typeface="+mj-lt"/>
+          </a:endParaRPr>
         </a:p>
       </dsp:txBody>
       <dsp:txXfrm>
-        <a:off x="1850626" y="1385108"/>
+        <a:off x="1850626" y="1402047"/>
         <a:ext cx="1517395" cy="1573184"/>
       </dsp:txXfrm>
     </dsp:sp>
@@ -1551,10 +1615,14 @@
             <a:buNone/>
           </a:pPr>
           <a:r>
-            <a:rPr lang="es-MX" sz="1600" kern="1200" dirty="0"/>
+            <a:rPr lang="es-MX" sz="1600" kern="1200" dirty="0">
+              <a:latin typeface="+mj-lt"/>
+            </a:rPr>
             <a:t>Selección del modelo</a:t>
           </a:r>
-          <a:endParaRPr lang="es-CO" sz="1600" kern="1200" dirty="0"/>
+          <a:endParaRPr lang="es-CO" sz="1600" kern="1200" dirty="0">
+            <a:latin typeface="+mj-lt"/>
+          </a:endParaRPr>
         </a:p>
       </dsp:txBody>
       <dsp:txXfrm>
@@ -1630,14 +1698,20 @@
             <a:buNone/>
           </a:pPr>
           <a:r>
-            <a:rPr lang="es-MX" sz="1600" kern="1200" dirty="0"/>
+            <a:rPr lang="es-MX" sz="1600" kern="1200" dirty="0">
+              <a:latin typeface="+mj-lt"/>
+            </a:rPr>
             <a:t>Selección/ajuste de los </a:t>
           </a:r>
           <a:r>
-            <a:rPr lang="es-MX" sz="1600" kern="1200" dirty="0" err="1"/>
+            <a:rPr lang="es-MX" sz="1600" kern="1200" dirty="0" err="1">
+              <a:latin typeface="+mj-lt"/>
+            </a:rPr>
             <a:t>hiper-parámetros</a:t>
           </a:r>
-          <a:endParaRPr lang="es-CO" sz="1600" kern="1200" dirty="0"/>
+          <a:endParaRPr lang="es-CO" sz="1600" kern="1200" dirty="0">
+            <a:latin typeface="+mj-lt"/>
+          </a:endParaRPr>
         </a:p>
       </dsp:txBody>
       <dsp:txXfrm>
@@ -1713,10 +1787,14 @@
             <a:buNone/>
           </a:pPr>
           <a:r>
-            <a:rPr lang="es-MX" sz="1600" kern="1200" dirty="0"/>
+            <a:rPr lang="es-MX" sz="1600" kern="1200" dirty="0">
+              <a:latin typeface="+mj-lt"/>
+            </a:rPr>
             <a:t>Entrenamiento del modelo</a:t>
           </a:r>
-          <a:endParaRPr lang="es-CO" sz="1600" kern="1200" dirty="0"/>
+          <a:endParaRPr lang="es-CO" sz="1600" kern="1200" dirty="0">
+            <a:latin typeface="+mj-lt"/>
+          </a:endParaRPr>
         </a:p>
       </dsp:txBody>
       <dsp:txXfrm>
@@ -1792,10 +1870,14 @@
             <a:buNone/>
           </a:pPr>
           <a:r>
-            <a:rPr lang="es-MX" sz="1600" kern="1200" dirty="0"/>
+            <a:rPr lang="es-MX" sz="1600" kern="1200" dirty="0">
+              <a:latin typeface="+mj-lt"/>
+            </a:rPr>
             <a:t>Evaluación del modelo</a:t>
           </a:r>
-          <a:endParaRPr lang="es-CO" sz="1600" kern="1200" dirty="0"/>
+          <a:endParaRPr lang="es-CO" sz="1600" kern="1200" dirty="0">
+            <a:latin typeface="+mj-lt"/>
+          </a:endParaRPr>
         </a:p>
       </dsp:txBody>
       <dsp:txXfrm>
@@ -3077,7 +3159,7 @@
           <a:p>
             <a:fld id="{589422C2-00F7-4E22-B795-F03EEC17F683}" type="datetimeFigureOut">
               <a:rPr lang="es-CO" smtClean="0"/>
-              <a:t>16/10/2024</a:t>
+              <a:t>17/10/2024</a:t>
             </a:fld>
             <a:endParaRPr lang="es-CO"/>
           </a:p>
@@ -3578,7 +3660,7 @@
           <a:p>
             <a:fld id="{E94D2546-A383-4A30-90D5-987814BFF6D6}" type="datetimeFigureOut">
               <a:rPr lang="es-CO" smtClean="0"/>
-              <a:t>15/10/2024</a:t>
+              <a:t>17/10/2024</a:t>
             </a:fld>
             <a:endParaRPr lang="es-CO"/>
           </a:p>
@@ -3778,7 +3860,7 @@
           <a:p>
             <a:fld id="{E94D2546-A383-4A30-90D5-987814BFF6D6}" type="datetimeFigureOut">
               <a:rPr lang="es-CO" smtClean="0"/>
-              <a:t>15/10/2024</a:t>
+              <a:t>17/10/2024</a:t>
             </a:fld>
             <a:endParaRPr lang="es-CO"/>
           </a:p>
@@ -3988,7 +4070,7 @@
           <a:p>
             <a:fld id="{E94D2546-A383-4A30-90D5-987814BFF6D6}" type="datetimeFigureOut">
               <a:rPr lang="es-CO" smtClean="0"/>
-              <a:t>15/10/2024</a:t>
+              <a:t>17/10/2024</a:t>
             </a:fld>
             <a:endParaRPr lang="es-CO"/>
           </a:p>
@@ -4052,6 +4134,2299 @@
     <p:extLst>
       <p:ext uri="{BB962C8B-B14F-4D97-AF65-F5344CB8AC3E}">
         <p14:creationId xmlns:p14="http://schemas.microsoft.com/office/powerpoint/2010/main" val="3219034260"/>
+      </p:ext>
+    </p:extLst>
+  </p:cSld>
+  <p:clrMapOvr>
+    <a:masterClrMapping/>
+  </p:clrMapOvr>
+</p:sldLayout>
+</file>
+
+<file path=ppt/slideLayouts/slideLayout12.xml><?xml version="1.0" encoding="utf-8"?>
+<p:sldLayout xmlns:a="http://schemas.openxmlformats.org/drawingml/2006/main" xmlns:r="http://schemas.openxmlformats.org/officeDocument/2006/relationships" xmlns:p="http://schemas.openxmlformats.org/presentationml/2006/main" type="title" preserve="1">
+  <p:cSld name="Diapositiva de título">
+    <p:bg>
+      <p:bgPr>
+        <a:blipFill dpi="0" rotWithShape="1">
+          <a:blip r:embed="rId2">
+            <a:lum/>
+          </a:blip>
+          <a:srcRect/>
+          <a:stretch>
+            <a:fillRect/>
+          </a:stretch>
+        </a:blipFill>
+        <a:effectLst/>
+      </p:bgPr>
+    </p:bg>
+    <p:spTree>
+      <p:nvGrpSpPr>
+        <p:cNvPr id="1" name=""/>
+        <p:cNvGrpSpPr/>
+        <p:nvPr/>
+      </p:nvGrpSpPr>
+      <p:grpSpPr>
+        <a:xfrm>
+          <a:off x="0" y="0"/>
+          <a:ext cx="0" cy="0"/>
+          <a:chOff x="0" y="0"/>
+          <a:chExt cx="0" cy="0"/>
+        </a:xfrm>
+      </p:grpSpPr>
+      <p:sp>
+        <p:nvSpPr>
+          <p:cNvPr id="2" name="Título 1">
+            <a:extLst>
+              <a:ext uri="{FF2B5EF4-FFF2-40B4-BE49-F238E27FC236}">
+                <a16:creationId xmlns:a16="http://schemas.microsoft.com/office/drawing/2014/main" id="{6CF946F9-BE7B-9B83-A4AD-4291CEF847F9}"/>
+              </a:ext>
+            </a:extLst>
+          </p:cNvPr>
+          <p:cNvSpPr>
+            <a:spLocks noGrp="1"/>
+          </p:cNvSpPr>
+          <p:nvPr>
+            <p:ph type="ctrTitle"/>
+          </p:nvPr>
+        </p:nvSpPr>
+        <p:spPr>
+          <a:xfrm>
+            <a:off x="1524000" y="2487561"/>
+            <a:ext cx="9144000" cy="941439"/>
+          </a:xfrm>
+          <a:solidFill>
+            <a:srgbClr val="FFFFFF"/>
+          </a:solidFill>
+          <a:ln w="34925" cap="flat" cmpd="thickThin">
+            <a:solidFill>
+              <a:schemeClr val="accent3">
+                <a:alpha val="17000"/>
+              </a:schemeClr>
+            </a:solidFill>
+            <a:bevel/>
+          </a:ln>
+        </p:spPr>
+        <p:txBody>
+          <a:bodyPr anchor="b">
+            <a:normAutofit/>
+          </a:bodyPr>
+          <a:lstStyle>
+            <a:lvl1pPr algn="ctr">
+              <a:defRPr sz="5400">
+                <a:effectLst>
+                  <a:outerShdw blurRad="38100" dist="38100" dir="2700000" algn="tl">
+                    <a:srgbClr val="000000">
+                      <a:alpha val="43137"/>
+                    </a:srgbClr>
+                  </a:outerShdw>
+                </a:effectLst>
+              </a:defRPr>
+            </a:lvl1pPr>
+          </a:lstStyle>
+          <a:p>
+            <a:r>
+              <a:rPr lang="es-ES"/>
+              <a:t>Haga clic para modificar el estilo de título del patrón</a:t>
+            </a:r>
+            <a:endParaRPr lang="es-CO" dirty="0"/>
+          </a:p>
+        </p:txBody>
+      </p:sp>
+      <p:sp>
+        <p:nvSpPr>
+          <p:cNvPr id="3" name="Subtítulo 2">
+            <a:extLst>
+              <a:ext uri="{FF2B5EF4-FFF2-40B4-BE49-F238E27FC236}">
+                <a16:creationId xmlns:a16="http://schemas.microsoft.com/office/drawing/2014/main" id="{01CCFAEC-2195-E240-24FC-44D8E472CBB1}"/>
+              </a:ext>
+            </a:extLst>
+          </p:cNvPr>
+          <p:cNvSpPr>
+            <a:spLocks noGrp="1"/>
+          </p:cNvSpPr>
+          <p:nvPr>
+            <p:ph type="subTitle" idx="1"/>
+          </p:nvPr>
+        </p:nvSpPr>
+        <p:spPr>
+          <a:xfrm>
+            <a:off x="1524000" y="4488374"/>
+            <a:ext cx="9144000" cy="365125"/>
+          </a:xfrm>
+          <a:ln w="6350">
+            <a:solidFill>
+              <a:schemeClr val="accent3">
+                <a:alpha val="20000"/>
+              </a:schemeClr>
+            </a:solidFill>
+          </a:ln>
+        </p:spPr>
+        <p:txBody>
+          <a:bodyPr/>
+          <a:lstStyle>
+            <a:lvl1pPr marL="0" indent="0" algn="ctr">
+              <a:spcBef>
+                <a:spcPts val="0"/>
+              </a:spcBef>
+              <a:buNone/>
+              <a:defRPr sz="2400" i="1"/>
+            </a:lvl1pPr>
+            <a:lvl2pPr marL="457200" indent="0" algn="ctr">
+              <a:buNone/>
+              <a:defRPr sz="2000"/>
+            </a:lvl2pPr>
+            <a:lvl3pPr marL="914400" indent="0" algn="ctr">
+              <a:buNone/>
+              <a:defRPr sz="1800"/>
+            </a:lvl3pPr>
+            <a:lvl4pPr marL="1371600" indent="0" algn="ctr">
+              <a:buNone/>
+              <a:defRPr sz="1600"/>
+            </a:lvl4pPr>
+            <a:lvl5pPr marL="1828800" indent="0" algn="ctr">
+              <a:buNone/>
+              <a:defRPr sz="1600"/>
+            </a:lvl5pPr>
+            <a:lvl6pPr marL="2286000" indent="0" algn="ctr">
+              <a:buNone/>
+              <a:defRPr sz="1600"/>
+            </a:lvl6pPr>
+            <a:lvl7pPr marL="2743200" indent="0" algn="ctr">
+              <a:buNone/>
+              <a:defRPr sz="1600"/>
+            </a:lvl7pPr>
+            <a:lvl8pPr marL="3200400" indent="0" algn="ctr">
+              <a:buNone/>
+              <a:defRPr sz="1600"/>
+            </a:lvl8pPr>
+            <a:lvl9pPr marL="3657600" indent="0" algn="ctr">
+              <a:buNone/>
+              <a:defRPr sz="1600"/>
+            </a:lvl9pPr>
+          </a:lstStyle>
+          <a:p>
+            <a:r>
+              <a:rPr lang="es-ES"/>
+              <a:t>Haga clic para modificar el estilo de subtítulo del patrón</a:t>
+            </a:r>
+            <a:endParaRPr lang="es-CO" dirty="0"/>
+          </a:p>
+        </p:txBody>
+      </p:sp>
+      <p:sp>
+        <p:nvSpPr>
+          <p:cNvPr id="7" name="Marcador de fecha 6">
+            <a:extLst>
+              <a:ext uri="{FF2B5EF4-FFF2-40B4-BE49-F238E27FC236}">
+                <a16:creationId xmlns:a16="http://schemas.microsoft.com/office/drawing/2014/main" id="{02AFFBE3-8236-B0D5-21A5-A74A27BB8242}"/>
+              </a:ext>
+            </a:extLst>
+          </p:cNvPr>
+          <p:cNvSpPr>
+            <a:spLocks noGrp="1"/>
+          </p:cNvSpPr>
+          <p:nvPr>
+            <p:ph type="dt" sz="half" idx="10"/>
+          </p:nvPr>
+        </p:nvSpPr>
+        <p:spPr/>
+        <p:txBody>
+          <a:bodyPr/>
+          <a:lstStyle/>
+          <a:p>
+            <a:fld id="{04487210-C3B0-44AB-9478-8E13CD145314}" type="datetimeFigureOut">
+              <a:rPr lang="es-CO" smtClean="0"/>
+              <a:t>17/10/2024</a:t>
+            </a:fld>
+            <a:endParaRPr lang="es-CO"/>
+          </a:p>
+        </p:txBody>
+      </p:sp>
+      <p:sp>
+        <p:nvSpPr>
+          <p:cNvPr id="8" name="Marcador de pie de página 7">
+            <a:extLst>
+              <a:ext uri="{FF2B5EF4-FFF2-40B4-BE49-F238E27FC236}">
+                <a16:creationId xmlns:a16="http://schemas.microsoft.com/office/drawing/2014/main" id="{DFDCC699-BBB8-F573-27FA-5258A66DE813}"/>
+              </a:ext>
+            </a:extLst>
+          </p:cNvPr>
+          <p:cNvSpPr>
+            <a:spLocks noGrp="1"/>
+          </p:cNvSpPr>
+          <p:nvPr>
+            <p:ph type="ftr" sz="quarter" idx="11"/>
+          </p:nvPr>
+        </p:nvSpPr>
+        <p:spPr/>
+        <p:txBody>
+          <a:bodyPr/>
+          <a:lstStyle/>
+          <a:p>
+            <a:endParaRPr lang="es-CO" dirty="0"/>
+          </a:p>
+        </p:txBody>
+      </p:sp>
+      <p:sp>
+        <p:nvSpPr>
+          <p:cNvPr id="9" name="Marcador de número de diapositiva 8">
+            <a:extLst>
+              <a:ext uri="{FF2B5EF4-FFF2-40B4-BE49-F238E27FC236}">
+                <a16:creationId xmlns:a16="http://schemas.microsoft.com/office/drawing/2014/main" id="{B3A475B8-C87C-7EA6-7E25-4427B2A4AFDA}"/>
+              </a:ext>
+            </a:extLst>
+          </p:cNvPr>
+          <p:cNvSpPr>
+            <a:spLocks noGrp="1"/>
+          </p:cNvSpPr>
+          <p:nvPr>
+            <p:ph type="sldNum" sz="quarter" idx="12"/>
+          </p:nvPr>
+        </p:nvSpPr>
+        <p:spPr/>
+        <p:txBody>
+          <a:bodyPr/>
+          <a:lstStyle/>
+          <a:p>
+            <a:fld id="{AF371FB5-FFE7-4195-B64C-1112C38C2E11}" type="slidenum">
+              <a:rPr lang="es-CO" smtClean="0"/>
+              <a:t>‹Nº›</a:t>
+            </a:fld>
+            <a:endParaRPr lang="es-CO"/>
+          </a:p>
+        </p:txBody>
+      </p:sp>
+    </p:spTree>
+    <p:extLst>
+      <p:ext uri="{BB962C8B-B14F-4D97-AF65-F5344CB8AC3E}">
+        <p14:creationId xmlns:p14="http://schemas.microsoft.com/office/powerpoint/2010/main" val="1838795664"/>
+      </p:ext>
+    </p:extLst>
+  </p:cSld>
+  <p:clrMapOvr>
+    <a:masterClrMapping/>
+  </p:clrMapOvr>
+  <mc:AlternateContent xmlns:mc="http://schemas.openxmlformats.org/markup-compatibility/2006" xmlns:p159="http://schemas.microsoft.com/office/powerpoint/2015/09/main">
+    <mc:Choice Requires="p159">
+      <p:transition>
+        <p159:morph option="byObject"/>
+      </p:transition>
+    </mc:Choice>
+    <mc:Fallback xmlns="">
+      <p:transition>
+        <p:fade/>
+      </p:transition>
+    </mc:Fallback>
+  </mc:AlternateContent>
+</p:sldLayout>
+</file>
+
+<file path=ppt/slideLayouts/slideLayout13.xml><?xml version="1.0" encoding="utf-8"?>
+<p:sldLayout xmlns:a="http://schemas.openxmlformats.org/drawingml/2006/main" xmlns:r="http://schemas.openxmlformats.org/officeDocument/2006/relationships" xmlns:p="http://schemas.openxmlformats.org/presentationml/2006/main" type="obj" preserve="1">
+  <p:cSld name="Título y objetos">
+    <p:bg>
+      <p:bgPr>
+        <a:blipFill dpi="0" rotWithShape="1">
+          <a:blip r:embed="rId2">
+            <a:alphaModFix amt="55000"/>
+            <a:lum/>
+          </a:blip>
+          <a:srcRect/>
+          <a:stretch>
+            <a:fillRect/>
+          </a:stretch>
+        </a:blipFill>
+        <a:effectLst/>
+      </p:bgPr>
+    </p:bg>
+    <p:spTree>
+      <p:nvGrpSpPr>
+        <p:cNvPr id="1" name=""/>
+        <p:cNvGrpSpPr/>
+        <p:nvPr/>
+      </p:nvGrpSpPr>
+      <p:grpSpPr>
+        <a:xfrm>
+          <a:off x="0" y="0"/>
+          <a:ext cx="0" cy="0"/>
+          <a:chOff x="0" y="0"/>
+          <a:chExt cx="0" cy="0"/>
+        </a:xfrm>
+      </p:grpSpPr>
+      <p:sp>
+        <p:nvSpPr>
+          <p:cNvPr id="2" name="Título 1">
+            <a:extLst>
+              <a:ext uri="{FF2B5EF4-FFF2-40B4-BE49-F238E27FC236}">
+                <a16:creationId xmlns:a16="http://schemas.microsoft.com/office/drawing/2014/main" id="{939E00E4-4623-3829-D7C8-F12C9836E3C7}"/>
+              </a:ext>
+            </a:extLst>
+          </p:cNvPr>
+          <p:cNvSpPr>
+            <a:spLocks noGrp="1"/>
+          </p:cNvSpPr>
+          <p:nvPr>
+            <p:ph type="title"/>
+          </p:nvPr>
+        </p:nvSpPr>
+        <p:spPr/>
+        <p:txBody>
+          <a:bodyPr/>
+          <a:lstStyle/>
+          <a:p>
+            <a:r>
+              <a:rPr lang="es-ES"/>
+              <a:t>Haga clic para modificar el estilo de título del patrón</a:t>
+            </a:r>
+            <a:endParaRPr lang="es-CO" dirty="0"/>
+          </a:p>
+        </p:txBody>
+      </p:sp>
+      <p:sp>
+        <p:nvSpPr>
+          <p:cNvPr id="3" name="Marcador de contenido 2">
+            <a:extLst>
+              <a:ext uri="{FF2B5EF4-FFF2-40B4-BE49-F238E27FC236}">
+                <a16:creationId xmlns:a16="http://schemas.microsoft.com/office/drawing/2014/main" id="{ADF2F0F5-2C7E-C3F3-8102-87BE63DB552E}"/>
+              </a:ext>
+            </a:extLst>
+          </p:cNvPr>
+          <p:cNvSpPr>
+            <a:spLocks noGrp="1"/>
+          </p:cNvSpPr>
+          <p:nvPr>
+            <p:ph idx="1"/>
+          </p:nvPr>
+        </p:nvSpPr>
+        <p:spPr>
+          <a:xfrm>
+            <a:off x="838200" y="1825625"/>
+            <a:ext cx="10515600" cy="4457188"/>
+          </a:xfrm>
+          <a:ln>
+            <a:solidFill>
+              <a:schemeClr val="accent4">
+                <a:alpha val="17000"/>
+              </a:schemeClr>
+            </a:solidFill>
+          </a:ln>
+        </p:spPr>
+        <p:txBody>
+          <a:bodyPr/>
+          <a:lstStyle/>
+          <a:p>
+            <a:pPr lvl="0"/>
+            <a:r>
+              <a:rPr lang="es-ES"/>
+              <a:t>Haga clic para modificar los estilos de texto del patrón</a:t>
+            </a:r>
+          </a:p>
+          <a:p>
+            <a:pPr lvl="1"/>
+            <a:r>
+              <a:rPr lang="es-ES"/>
+              <a:t>Segundo nivel</a:t>
+            </a:r>
+          </a:p>
+          <a:p>
+            <a:pPr lvl="2"/>
+            <a:r>
+              <a:rPr lang="es-ES"/>
+              <a:t>Tercer nivel</a:t>
+            </a:r>
+          </a:p>
+          <a:p>
+            <a:pPr lvl="3"/>
+            <a:r>
+              <a:rPr lang="es-ES"/>
+              <a:t>Cuarto nivel</a:t>
+            </a:r>
+          </a:p>
+          <a:p>
+            <a:pPr lvl="4"/>
+            <a:r>
+              <a:rPr lang="es-ES"/>
+              <a:t>Quinto nivel</a:t>
+            </a:r>
+            <a:endParaRPr lang="es-CO" dirty="0"/>
+          </a:p>
+        </p:txBody>
+      </p:sp>
+    </p:spTree>
+    <p:extLst>
+      <p:ext uri="{BB962C8B-B14F-4D97-AF65-F5344CB8AC3E}">
+        <p14:creationId xmlns:p14="http://schemas.microsoft.com/office/powerpoint/2010/main" val="2638643899"/>
+      </p:ext>
+    </p:extLst>
+  </p:cSld>
+  <p:clrMapOvr>
+    <a:masterClrMapping/>
+  </p:clrMapOvr>
+</p:sldLayout>
+</file>
+
+<file path=ppt/slideLayouts/slideLayout14.xml><?xml version="1.0" encoding="utf-8"?>
+<p:sldLayout xmlns:a="http://schemas.openxmlformats.org/drawingml/2006/main" xmlns:r="http://schemas.openxmlformats.org/officeDocument/2006/relationships" xmlns:p="http://schemas.openxmlformats.org/presentationml/2006/main" preserve="1" userDrawn="1">
+  <p:cSld name="Encabezado de sección">
+    <p:spTree>
+      <p:nvGrpSpPr>
+        <p:cNvPr id="1" name=""/>
+        <p:cNvGrpSpPr/>
+        <p:nvPr/>
+      </p:nvGrpSpPr>
+      <p:grpSpPr>
+        <a:xfrm>
+          <a:off x="0" y="0"/>
+          <a:ext cx="0" cy="0"/>
+          <a:chOff x="0" y="0"/>
+          <a:chExt cx="0" cy="0"/>
+        </a:xfrm>
+      </p:grpSpPr>
+      <p:sp>
+        <p:nvSpPr>
+          <p:cNvPr id="2" name="Título 1">
+            <a:extLst>
+              <a:ext uri="{FF2B5EF4-FFF2-40B4-BE49-F238E27FC236}">
+                <a16:creationId xmlns:a16="http://schemas.microsoft.com/office/drawing/2014/main" id="{545A5D25-D19F-F726-6B6F-A929BD58E6E1}"/>
+              </a:ext>
+            </a:extLst>
+          </p:cNvPr>
+          <p:cNvSpPr>
+            <a:spLocks noGrp="1"/>
+          </p:cNvSpPr>
+          <p:nvPr>
+            <p:ph type="title"/>
+          </p:nvPr>
+        </p:nvSpPr>
+        <p:spPr>
+          <a:xfrm>
+            <a:off x="838200" y="3268041"/>
+            <a:ext cx="10515600" cy="786168"/>
+          </a:xfrm>
+        </p:spPr>
+        <p:txBody>
+          <a:bodyPr anchor="b"/>
+          <a:lstStyle>
+            <a:lvl1pPr>
+              <a:defRPr sz="6000"/>
+            </a:lvl1pPr>
+          </a:lstStyle>
+          <a:p>
+            <a:r>
+              <a:rPr lang="es-ES"/>
+              <a:t>Haga clic para modificar el estilo de título del patrón</a:t>
+            </a:r>
+            <a:endParaRPr lang="es-CO" dirty="0"/>
+          </a:p>
+        </p:txBody>
+      </p:sp>
+      <p:sp>
+        <p:nvSpPr>
+          <p:cNvPr id="3" name="Marcador de texto 2">
+            <a:extLst>
+              <a:ext uri="{FF2B5EF4-FFF2-40B4-BE49-F238E27FC236}">
+                <a16:creationId xmlns:a16="http://schemas.microsoft.com/office/drawing/2014/main" id="{1D102A48-3DFF-6240-02F9-1AFAF8A106A5}"/>
+              </a:ext>
+            </a:extLst>
+          </p:cNvPr>
+          <p:cNvSpPr>
+            <a:spLocks noGrp="1"/>
+          </p:cNvSpPr>
+          <p:nvPr>
+            <p:ph type="body" idx="1"/>
+          </p:nvPr>
+        </p:nvSpPr>
+        <p:spPr>
+          <a:xfrm>
+            <a:off x="7896224" y="4675189"/>
+            <a:ext cx="3457575" cy="365125"/>
+          </a:xfrm>
+        </p:spPr>
+        <p:txBody>
+          <a:bodyPr/>
+          <a:lstStyle>
+            <a:lvl1pPr marL="0" indent="0">
+              <a:buNone/>
+              <a:defRPr sz="2400">
+                <a:solidFill>
+                  <a:schemeClr val="tx1">
+                    <a:tint val="82000"/>
+                  </a:schemeClr>
+                </a:solidFill>
+              </a:defRPr>
+            </a:lvl1pPr>
+            <a:lvl2pPr marL="457200" indent="0">
+              <a:buNone/>
+              <a:defRPr sz="2000">
+                <a:solidFill>
+                  <a:schemeClr val="tx1">
+                    <a:tint val="82000"/>
+                  </a:schemeClr>
+                </a:solidFill>
+              </a:defRPr>
+            </a:lvl2pPr>
+            <a:lvl3pPr marL="914400" indent="0">
+              <a:buNone/>
+              <a:defRPr sz="1800">
+                <a:solidFill>
+                  <a:schemeClr val="tx1">
+                    <a:tint val="82000"/>
+                  </a:schemeClr>
+                </a:solidFill>
+              </a:defRPr>
+            </a:lvl3pPr>
+            <a:lvl4pPr marL="1371600" indent="0">
+              <a:buNone/>
+              <a:defRPr sz="1600">
+                <a:solidFill>
+                  <a:schemeClr val="tx1">
+                    <a:tint val="82000"/>
+                  </a:schemeClr>
+                </a:solidFill>
+              </a:defRPr>
+            </a:lvl4pPr>
+            <a:lvl5pPr marL="1828800" indent="0">
+              <a:buNone/>
+              <a:defRPr sz="1600">
+                <a:solidFill>
+                  <a:schemeClr val="tx1">
+                    <a:tint val="82000"/>
+                  </a:schemeClr>
+                </a:solidFill>
+              </a:defRPr>
+            </a:lvl5pPr>
+            <a:lvl6pPr marL="2286000" indent="0">
+              <a:buNone/>
+              <a:defRPr sz="1600">
+                <a:solidFill>
+                  <a:schemeClr val="tx1">
+                    <a:tint val="82000"/>
+                  </a:schemeClr>
+                </a:solidFill>
+              </a:defRPr>
+            </a:lvl6pPr>
+            <a:lvl7pPr marL="2743200" indent="0">
+              <a:buNone/>
+              <a:defRPr sz="1600">
+                <a:solidFill>
+                  <a:schemeClr val="tx1">
+                    <a:tint val="82000"/>
+                  </a:schemeClr>
+                </a:solidFill>
+              </a:defRPr>
+            </a:lvl7pPr>
+            <a:lvl8pPr marL="3200400" indent="0">
+              <a:buNone/>
+              <a:defRPr sz="1600">
+                <a:solidFill>
+                  <a:schemeClr val="tx1">
+                    <a:tint val="82000"/>
+                  </a:schemeClr>
+                </a:solidFill>
+              </a:defRPr>
+            </a:lvl8pPr>
+            <a:lvl9pPr marL="3657600" indent="0">
+              <a:buNone/>
+              <a:defRPr sz="1600">
+                <a:solidFill>
+                  <a:schemeClr val="tx1">
+                    <a:tint val="82000"/>
+                  </a:schemeClr>
+                </a:solidFill>
+              </a:defRPr>
+            </a:lvl9pPr>
+          </a:lstStyle>
+          <a:p>
+            <a:pPr lvl="0"/>
+            <a:r>
+              <a:rPr lang="es-ES"/>
+              <a:t>Haga clic para modificar los estilos de texto del patrón</a:t>
+            </a:r>
+          </a:p>
+        </p:txBody>
+      </p:sp>
+      <p:sp>
+        <p:nvSpPr>
+          <p:cNvPr id="4" name="Marcador de fecha 3">
+            <a:extLst>
+              <a:ext uri="{FF2B5EF4-FFF2-40B4-BE49-F238E27FC236}">
+                <a16:creationId xmlns:a16="http://schemas.microsoft.com/office/drawing/2014/main" id="{D1E8524A-087F-BE21-33DD-F3A56F1F16DD}"/>
+              </a:ext>
+            </a:extLst>
+          </p:cNvPr>
+          <p:cNvSpPr>
+            <a:spLocks noGrp="1"/>
+          </p:cNvSpPr>
+          <p:nvPr>
+            <p:ph type="dt" sz="half" idx="10"/>
+          </p:nvPr>
+        </p:nvSpPr>
+        <p:spPr/>
+        <p:txBody>
+          <a:bodyPr/>
+          <a:lstStyle/>
+          <a:p>
+            <a:fld id="{04487210-C3B0-44AB-9478-8E13CD145314}" type="datetimeFigureOut">
+              <a:rPr lang="es-CO" smtClean="0"/>
+              <a:t>17/10/2024</a:t>
+            </a:fld>
+            <a:endParaRPr lang="es-CO"/>
+          </a:p>
+        </p:txBody>
+      </p:sp>
+      <p:sp>
+        <p:nvSpPr>
+          <p:cNvPr id="5" name="Marcador de pie de página 4">
+            <a:extLst>
+              <a:ext uri="{FF2B5EF4-FFF2-40B4-BE49-F238E27FC236}">
+                <a16:creationId xmlns:a16="http://schemas.microsoft.com/office/drawing/2014/main" id="{9FB8D5C0-60F5-8BED-13C2-78A4366680F1}"/>
+              </a:ext>
+            </a:extLst>
+          </p:cNvPr>
+          <p:cNvSpPr>
+            <a:spLocks noGrp="1"/>
+          </p:cNvSpPr>
+          <p:nvPr>
+            <p:ph type="ftr" sz="quarter" idx="11"/>
+          </p:nvPr>
+        </p:nvSpPr>
+        <p:spPr/>
+        <p:txBody>
+          <a:bodyPr/>
+          <a:lstStyle/>
+          <a:p>
+            <a:endParaRPr lang="es-CO"/>
+          </a:p>
+        </p:txBody>
+      </p:sp>
+      <p:sp>
+        <p:nvSpPr>
+          <p:cNvPr id="6" name="Marcador de número de diapositiva 5">
+            <a:extLst>
+              <a:ext uri="{FF2B5EF4-FFF2-40B4-BE49-F238E27FC236}">
+                <a16:creationId xmlns:a16="http://schemas.microsoft.com/office/drawing/2014/main" id="{429D0F17-0BA4-0C11-2E0D-995E774C5AF7}"/>
+              </a:ext>
+            </a:extLst>
+          </p:cNvPr>
+          <p:cNvSpPr>
+            <a:spLocks noGrp="1"/>
+          </p:cNvSpPr>
+          <p:nvPr>
+            <p:ph type="sldNum" sz="quarter" idx="12"/>
+          </p:nvPr>
+        </p:nvSpPr>
+        <p:spPr/>
+        <p:txBody>
+          <a:bodyPr/>
+          <a:lstStyle/>
+          <a:p>
+            <a:fld id="{AF371FB5-FFE7-4195-B64C-1112C38C2E11}" type="slidenum">
+              <a:rPr lang="es-CO" smtClean="0"/>
+              <a:t>‹Nº›</a:t>
+            </a:fld>
+            <a:endParaRPr lang="es-CO"/>
+          </a:p>
+        </p:txBody>
+      </p:sp>
+      <p:sp>
+        <p:nvSpPr>
+          <p:cNvPr id="8" name="Marcador de posición de imagen 7">
+            <a:extLst>
+              <a:ext uri="{FF2B5EF4-FFF2-40B4-BE49-F238E27FC236}">
+                <a16:creationId xmlns:a16="http://schemas.microsoft.com/office/drawing/2014/main" id="{033C99F4-4E92-F680-EC0E-542AAB1ED14A}"/>
+              </a:ext>
+            </a:extLst>
+          </p:cNvPr>
+          <p:cNvSpPr>
+            <a:spLocks noGrp="1"/>
+          </p:cNvSpPr>
+          <p:nvPr>
+            <p:ph type="pic" sz="quarter" idx="13"/>
+          </p:nvPr>
+        </p:nvSpPr>
+        <p:spPr>
+          <a:xfrm>
+            <a:off x="838200" y="600075"/>
+            <a:ext cx="4857750" cy="1938161"/>
+          </a:xfrm>
+        </p:spPr>
+        <p:txBody>
+          <a:bodyPr/>
+          <a:lstStyle/>
+          <a:p>
+            <a:r>
+              <a:rPr lang="es-ES"/>
+              <a:t>Haga clic en el icono para agregar una imagen</a:t>
+            </a:r>
+            <a:endParaRPr lang="es-CO"/>
+          </a:p>
+        </p:txBody>
+      </p:sp>
+    </p:spTree>
+    <p:extLst>
+      <p:ext uri="{BB962C8B-B14F-4D97-AF65-F5344CB8AC3E}">
+        <p14:creationId xmlns:p14="http://schemas.microsoft.com/office/powerpoint/2010/main" val="215962641"/>
+      </p:ext>
+    </p:extLst>
+  </p:cSld>
+  <p:clrMapOvr>
+    <a:masterClrMapping/>
+  </p:clrMapOvr>
+</p:sldLayout>
+</file>
+
+<file path=ppt/slideLayouts/slideLayout15.xml><?xml version="1.0" encoding="utf-8"?>
+<p:sldLayout xmlns:a="http://schemas.openxmlformats.org/drawingml/2006/main" xmlns:r="http://schemas.openxmlformats.org/officeDocument/2006/relationships" xmlns:p="http://schemas.openxmlformats.org/presentationml/2006/main" type="twoObj" preserve="1">
+  <p:cSld name="Dos objetos">
+    <p:bg>
+      <p:bgPr>
+        <a:blipFill dpi="0" rotWithShape="1">
+          <a:blip r:embed="rId2">
+            <a:alphaModFix amt="55000"/>
+            <a:lum/>
+          </a:blip>
+          <a:srcRect/>
+          <a:stretch>
+            <a:fillRect/>
+          </a:stretch>
+        </a:blipFill>
+        <a:effectLst/>
+      </p:bgPr>
+    </p:bg>
+    <p:spTree>
+      <p:nvGrpSpPr>
+        <p:cNvPr id="1" name=""/>
+        <p:cNvGrpSpPr/>
+        <p:nvPr/>
+      </p:nvGrpSpPr>
+      <p:grpSpPr>
+        <a:xfrm>
+          <a:off x="0" y="0"/>
+          <a:ext cx="0" cy="0"/>
+          <a:chOff x="0" y="0"/>
+          <a:chExt cx="0" cy="0"/>
+        </a:xfrm>
+      </p:grpSpPr>
+      <p:sp>
+        <p:nvSpPr>
+          <p:cNvPr id="2" name="Título 1">
+            <a:extLst>
+              <a:ext uri="{FF2B5EF4-FFF2-40B4-BE49-F238E27FC236}">
+                <a16:creationId xmlns:a16="http://schemas.microsoft.com/office/drawing/2014/main" id="{5E86120D-064B-9D06-1A60-8C8D14A04924}"/>
+              </a:ext>
+            </a:extLst>
+          </p:cNvPr>
+          <p:cNvSpPr>
+            <a:spLocks noGrp="1"/>
+          </p:cNvSpPr>
+          <p:nvPr>
+            <p:ph type="title"/>
+          </p:nvPr>
+        </p:nvSpPr>
+        <p:spPr/>
+        <p:txBody>
+          <a:bodyPr/>
+          <a:lstStyle/>
+          <a:p>
+            <a:r>
+              <a:rPr lang="es-ES"/>
+              <a:t>Haga clic para modificar el estilo de título del patrón</a:t>
+            </a:r>
+            <a:endParaRPr lang="es-CO"/>
+          </a:p>
+        </p:txBody>
+      </p:sp>
+      <p:sp>
+        <p:nvSpPr>
+          <p:cNvPr id="3" name="Marcador de contenido 2">
+            <a:extLst>
+              <a:ext uri="{FF2B5EF4-FFF2-40B4-BE49-F238E27FC236}">
+                <a16:creationId xmlns:a16="http://schemas.microsoft.com/office/drawing/2014/main" id="{DFAA4B55-F632-D4EB-99FC-D1BA88C03753}"/>
+              </a:ext>
+            </a:extLst>
+          </p:cNvPr>
+          <p:cNvSpPr>
+            <a:spLocks noGrp="1"/>
+          </p:cNvSpPr>
+          <p:nvPr>
+            <p:ph sz="half" idx="1"/>
+          </p:nvPr>
+        </p:nvSpPr>
+        <p:spPr>
+          <a:xfrm>
+            <a:off x="838200" y="1825625"/>
+            <a:ext cx="5181600" cy="4351338"/>
+          </a:xfrm>
+          <a:ln w="25400">
+            <a:solidFill>
+              <a:schemeClr val="accent1">
+                <a:alpha val="37000"/>
+              </a:schemeClr>
+            </a:solidFill>
+          </a:ln>
+        </p:spPr>
+        <p:txBody>
+          <a:bodyPr/>
+          <a:lstStyle/>
+          <a:p>
+            <a:pPr lvl="0"/>
+            <a:r>
+              <a:rPr lang="es-ES"/>
+              <a:t>Haga clic para modificar los estilos de texto del patrón</a:t>
+            </a:r>
+          </a:p>
+          <a:p>
+            <a:pPr lvl="1"/>
+            <a:r>
+              <a:rPr lang="es-ES"/>
+              <a:t>Segundo nivel</a:t>
+            </a:r>
+          </a:p>
+          <a:p>
+            <a:pPr lvl="2"/>
+            <a:r>
+              <a:rPr lang="es-ES"/>
+              <a:t>Tercer nivel</a:t>
+            </a:r>
+          </a:p>
+          <a:p>
+            <a:pPr lvl="3"/>
+            <a:r>
+              <a:rPr lang="es-ES"/>
+              <a:t>Cuarto nivel</a:t>
+            </a:r>
+          </a:p>
+          <a:p>
+            <a:pPr lvl="4"/>
+            <a:r>
+              <a:rPr lang="es-ES"/>
+              <a:t>Quinto nivel</a:t>
+            </a:r>
+            <a:endParaRPr lang="es-CO" dirty="0"/>
+          </a:p>
+        </p:txBody>
+      </p:sp>
+      <p:sp>
+        <p:nvSpPr>
+          <p:cNvPr id="4" name="Marcador de contenido 3">
+            <a:extLst>
+              <a:ext uri="{FF2B5EF4-FFF2-40B4-BE49-F238E27FC236}">
+                <a16:creationId xmlns:a16="http://schemas.microsoft.com/office/drawing/2014/main" id="{BBE9310D-DD61-1A6B-F331-3EEEFADDA1ED}"/>
+              </a:ext>
+            </a:extLst>
+          </p:cNvPr>
+          <p:cNvSpPr>
+            <a:spLocks noGrp="1"/>
+          </p:cNvSpPr>
+          <p:nvPr>
+            <p:ph sz="half" idx="2"/>
+          </p:nvPr>
+        </p:nvSpPr>
+        <p:spPr>
+          <a:xfrm>
+            <a:off x="6172200" y="1825625"/>
+            <a:ext cx="5181600" cy="4351338"/>
+          </a:xfrm>
+          <a:ln w="25400">
+            <a:solidFill>
+              <a:schemeClr val="accent1">
+                <a:alpha val="37000"/>
+              </a:schemeClr>
+            </a:solidFill>
+          </a:ln>
+        </p:spPr>
+        <p:txBody>
+          <a:bodyPr/>
+          <a:lstStyle/>
+          <a:p>
+            <a:pPr lvl="0"/>
+            <a:r>
+              <a:rPr lang="es-ES"/>
+              <a:t>Haga clic para modificar los estilos de texto del patrón</a:t>
+            </a:r>
+          </a:p>
+          <a:p>
+            <a:pPr lvl="1"/>
+            <a:r>
+              <a:rPr lang="es-ES"/>
+              <a:t>Segundo nivel</a:t>
+            </a:r>
+          </a:p>
+          <a:p>
+            <a:pPr lvl="2"/>
+            <a:r>
+              <a:rPr lang="es-ES"/>
+              <a:t>Tercer nivel</a:t>
+            </a:r>
+          </a:p>
+          <a:p>
+            <a:pPr lvl="3"/>
+            <a:r>
+              <a:rPr lang="es-ES"/>
+              <a:t>Cuarto nivel</a:t>
+            </a:r>
+          </a:p>
+          <a:p>
+            <a:pPr lvl="4"/>
+            <a:r>
+              <a:rPr lang="es-ES"/>
+              <a:t>Quinto nivel</a:t>
+            </a:r>
+            <a:endParaRPr lang="es-CO" dirty="0"/>
+          </a:p>
+        </p:txBody>
+      </p:sp>
+      <p:sp>
+        <p:nvSpPr>
+          <p:cNvPr id="5" name="Marcador de fecha 4">
+            <a:extLst>
+              <a:ext uri="{FF2B5EF4-FFF2-40B4-BE49-F238E27FC236}">
+                <a16:creationId xmlns:a16="http://schemas.microsoft.com/office/drawing/2014/main" id="{80390D67-76E7-727C-1581-5139657E7817}"/>
+              </a:ext>
+            </a:extLst>
+          </p:cNvPr>
+          <p:cNvSpPr>
+            <a:spLocks noGrp="1"/>
+          </p:cNvSpPr>
+          <p:nvPr>
+            <p:ph type="dt" sz="half" idx="10"/>
+          </p:nvPr>
+        </p:nvSpPr>
+        <p:spPr/>
+        <p:txBody>
+          <a:bodyPr/>
+          <a:lstStyle/>
+          <a:p>
+            <a:fld id="{04487210-C3B0-44AB-9478-8E13CD145314}" type="datetimeFigureOut">
+              <a:rPr lang="es-CO" smtClean="0"/>
+              <a:t>17/10/2024</a:t>
+            </a:fld>
+            <a:endParaRPr lang="es-CO"/>
+          </a:p>
+        </p:txBody>
+      </p:sp>
+      <p:sp>
+        <p:nvSpPr>
+          <p:cNvPr id="6" name="Marcador de pie de página 5">
+            <a:extLst>
+              <a:ext uri="{FF2B5EF4-FFF2-40B4-BE49-F238E27FC236}">
+                <a16:creationId xmlns:a16="http://schemas.microsoft.com/office/drawing/2014/main" id="{4B7507B8-283D-1913-F943-984D1134B6BD}"/>
+              </a:ext>
+            </a:extLst>
+          </p:cNvPr>
+          <p:cNvSpPr>
+            <a:spLocks noGrp="1"/>
+          </p:cNvSpPr>
+          <p:nvPr>
+            <p:ph type="ftr" sz="quarter" idx="11"/>
+          </p:nvPr>
+        </p:nvSpPr>
+        <p:spPr/>
+        <p:txBody>
+          <a:bodyPr/>
+          <a:lstStyle/>
+          <a:p>
+            <a:endParaRPr lang="es-CO"/>
+          </a:p>
+        </p:txBody>
+      </p:sp>
+      <p:sp>
+        <p:nvSpPr>
+          <p:cNvPr id="7" name="Marcador de número de diapositiva 6">
+            <a:extLst>
+              <a:ext uri="{FF2B5EF4-FFF2-40B4-BE49-F238E27FC236}">
+                <a16:creationId xmlns:a16="http://schemas.microsoft.com/office/drawing/2014/main" id="{94CF23C0-2B6F-C705-79F4-0CE0422528FD}"/>
+              </a:ext>
+            </a:extLst>
+          </p:cNvPr>
+          <p:cNvSpPr>
+            <a:spLocks noGrp="1"/>
+          </p:cNvSpPr>
+          <p:nvPr>
+            <p:ph type="sldNum" sz="quarter" idx="12"/>
+          </p:nvPr>
+        </p:nvSpPr>
+        <p:spPr/>
+        <p:txBody>
+          <a:bodyPr/>
+          <a:lstStyle/>
+          <a:p>
+            <a:fld id="{AF371FB5-FFE7-4195-B64C-1112C38C2E11}" type="slidenum">
+              <a:rPr lang="es-CO" smtClean="0"/>
+              <a:t>‹Nº›</a:t>
+            </a:fld>
+            <a:endParaRPr lang="es-CO"/>
+          </a:p>
+        </p:txBody>
+      </p:sp>
+    </p:spTree>
+    <p:extLst>
+      <p:ext uri="{BB962C8B-B14F-4D97-AF65-F5344CB8AC3E}">
+        <p14:creationId xmlns:p14="http://schemas.microsoft.com/office/powerpoint/2010/main" val="1157079615"/>
+      </p:ext>
+    </p:extLst>
+  </p:cSld>
+  <p:clrMapOvr>
+    <a:masterClrMapping/>
+  </p:clrMapOvr>
+</p:sldLayout>
+</file>
+
+<file path=ppt/slideLayouts/slideLayout16.xml><?xml version="1.0" encoding="utf-8"?>
+<p:sldLayout xmlns:a="http://schemas.openxmlformats.org/drawingml/2006/main" xmlns:r="http://schemas.openxmlformats.org/officeDocument/2006/relationships" xmlns:p="http://schemas.openxmlformats.org/presentationml/2006/main" showMasterPhAnim="0" type="twoTxTwoObj" preserve="1">
+  <p:cSld name="Comparación">
+    <p:bg>
+      <p:bgPr>
+        <a:blipFill dpi="0" rotWithShape="1">
+          <a:blip r:embed="rId2">
+            <a:alphaModFix amt="55000"/>
+            <a:lum/>
+          </a:blip>
+          <a:srcRect/>
+          <a:stretch>
+            <a:fillRect/>
+          </a:stretch>
+        </a:blipFill>
+        <a:effectLst/>
+      </p:bgPr>
+    </p:bg>
+    <p:spTree>
+      <p:nvGrpSpPr>
+        <p:cNvPr id="1" name=""/>
+        <p:cNvGrpSpPr/>
+        <p:nvPr/>
+      </p:nvGrpSpPr>
+      <p:grpSpPr>
+        <a:xfrm>
+          <a:off x="0" y="0"/>
+          <a:ext cx="0" cy="0"/>
+          <a:chOff x="0" y="0"/>
+          <a:chExt cx="0" cy="0"/>
+        </a:xfrm>
+      </p:grpSpPr>
+      <p:sp>
+        <p:nvSpPr>
+          <p:cNvPr id="2" name="Título 1">
+            <a:extLst>
+              <a:ext uri="{FF2B5EF4-FFF2-40B4-BE49-F238E27FC236}">
+                <a16:creationId xmlns:a16="http://schemas.microsoft.com/office/drawing/2014/main" id="{4C07AFFD-C157-D5A7-DA64-278B7E9267AB}"/>
+              </a:ext>
+            </a:extLst>
+          </p:cNvPr>
+          <p:cNvSpPr>
+            <a:spLocks noGrp="1"/>
+          </p:cNvSpPr>
+          <p:nvPr>
+            <p:ph type="title"/>
+          </p:nvPr>
+        </p:nvSpPr>
+        <p:spPr>
+          <a:xfrm>
+            <a:off x="838200" y="515529"/>
+            <a:ext cx="10515600" cy="1031056"/>
+          </a:xfrm>
+        </p:spPr>
+        <p:txBody>
+          <a:bodyPr/>
+          <a:lstStyle/>
+          <a:p>
+            <a:r>
+              <a:rPr lang="es-ES"/>
+              <a:t>Haga clic para modificar el estilo de título del patrón</a:t>
+            </a:r>
+            <a:endParaRPr lang="es-CO"/>
+          </a:p>
+        </p:txBody>
+      </p:sp>
+      <p:sp>
+        <p:nvSpPr>
+          <p:cNvPr id="3" name="Marcador de texto 2">
+            <a:extLst>
+              <a:ext uri="{FF2B5EF4-FFF2-40B4-BE49-F238E27FC236}">
+                <a16:creationId xmlns:a16="http://schemas.microsoft.com/office/drawing/2014/main" id="{D1E7425D-1291-2050-8B3E-1ABE9AD6016A}"/>
+              </a:ext>
+            </a:extLst>
+          </p:cNvPr>
+          <p:cNvSpPr>
+            <a:spLocks noGrp="1"/>
+          </p:cNvSpPr>
+          <p:nvPr>
+            <p:ph type="body" idx="1"/>
+          </p:nvPr>
+        </p:nvSpPr>
+        <p:spPr>
+          <a:xfrm>
+            <a:off x="836611" y="1915319"/>
+            <a:ext cx="5157787" cy="423069"/>
+          </a:xfrm>
+        </p:spPr>
+        <p:style>
+          <a:lnRef idx="2">
+            <a:schemeClr val="accent2"/>
+          </a:lnRef>
+          <a:fillRef idx="1">
+            <a:schemeClr val="lt1"/>
+          </a:fillRef>
+          <a:effectRef idx="0">
+            <a:schemeClr val="accent2"/>
+          </a:effectRef>
+          <a:fontRef idx="minor">
+            <a:schemeClr val="dk1"/>
+          </a:fontRef>
+        </p:style>
+        <p:txBody>
+          <a:bodyPr anchor="b"/>
+          <a:lstStyle>
+            <a:lvl1pPr marL="0" indent="0">
+              <a:buNone/>
+              <a:defRPr sz="2400" b="1"/>
+            </a:lvl1pPr>
+            <a:lvl2pPr marL="457200" indent="0">
+              <a:buNone/>
+              <a:defRPr sz="2000" b="1"/>
+            </a:lvl2pPr>
+            <a:lvl3pPr marL="914400" indent="0">
+              <a:buNone/>
+              <a:defRPr sz="1800" b="1"/>
+            </a:lvl3pPr>
+            <a:lvl4pPr marL="1371600" indent="0">
+              <a:buNone/>
+              <a:defRPr sz="1600" b="1"/>
+            </a:lvl4pPr>
+            <a:lvl5pPr marL="1828800" indent="0">
+              <a:buNone/>
+              <a:defRPr sz="1600" b="1"/>
+            </a:lvl5pPr>
+            <a:lvl6pPr marL="2286000" indent="0">
+              <a:buNone/>
+              <a:defRPr sz="1600" b="1"/>
+            </a:lvl6pPr>
+            <a:lvl7pPr marL="2743200" indent="0">
+              <a:buNone/>
+              <a:defRPr sz="1600" b="1"/>
+            </a:lvl7pPr>
+            <a:lvl8pPr marL="3200400" indent="0">
+              <a:buNone/>
+              <a:defRPr sz="1600" b="1"/>
+            </a:lvl8pPr>
+            <a:lvl9pPr marL="3657600" indent="0">
+              <a:buNone/>
+              <a:defRPr sz="1600" b="1"/>
+            </a:lvl9pPr>
+          </a:lstStyle>
+          <a:p>
+            <a:pPr lvl="0"/>
+            <a:r>
+              <a:rPr lang="es-ES"/>
+              <a:t>Haga clic para modificar los estilos de texto del patrón</a:t>
+            </a:r>
+          </a:p>
+        </p:txBody>
+      </p:sp>
+      <p:sp>
+        <p:nvSpPr>
+          <p:cNvPr id="4" name="Marcador de contenido 3">
+            <a:extLst>
+              <a:ext uri="{FF2B5EF4-FFF2-40B4-BE49-F238E27FC236}">
+                <a16:creationId xmlns:a16="http://schemas.microsoft.com/office/drawing/2014/main" id="{F7DD965D-67FC-4EF4-3402-BA71D66A43D8}"/>
+              </a:ext>
+            </a:extLst>
+          </p:cNvPr>
+          <p:cNvSpPr>
+            <a:spLocks noGrp="1"/>
+          </p:cNvSpPr>
+          <p:nvPr>
+            <p:ph sz="half" idx="2"/>
+          </p:nvPr>
+        </p:nvSpPr>
+        <p:spPr>
+          <a:xfrm>
+            <a:off x="836612" y="2505075"/>
+            <a:ext cx="5157787" cy="3684588"/>
+          </a:xfrm>
+          <a:noFill/>
+          <a:ln w="22225">
+            <a:solidFill>
+              <a:schemeClr val="accent4">
+                <a:alpha val="15000"/>
+              </a:schemeClr>
+            </a:solidFill>
+          </a:ln>
+        </p:spPr>
+        <p:txBody>
+          <a:bodyPr/>
+          <a:lstStyle/>
+          <a:p>
+            <a:pPr lvl="0"/>
+            <a:r>
+              <a:rPr lang="es-ES"/>
+              <a:t>Haga clic para modificar los estilos de texto del patrón</a:t>
+            </a:r>
+          </a:p>
+          <a:p>
+            <a:pPr lvl="1"/>
+            <a:r>
+              <a:rPr lang="es-ES"/>
+              <a:t>Segundo nivel</a:t>
+            </a:r>
+          </a:p>
+          <a:p>
+            <a:pPr lvl="2"/>
+            <a:r>
+              <a:rPr lang="es-ES"/>
+              <a:t>Tercer nivel</a:t>
+            </a:r>
+          </a:p>
+          <a:p>
+            <a:pPr lvl="3"/>
+            <a:r>
+              <a:rPr lang="es-ES"/>
+              <a:t>Cuarto nivel</a:t>
+            </a:r>
+          </a:p>
+          <a:p>
+            <a:pPr lvl="4"/>
+            <a:r>
+              <a:rPr lang="es-ES"/>
+              <a:t>Quinto nivel</a:t>
+            </a:r>
+            <a:endParaRPr lang="es-CO" dirty="0"/>
+          </a:p>
+        </p:txBody>
+      </p:sp>
+      <p:sp>
+        <p:nvSpPr>
+          <p:cNvPr id="5" name="Marcador de texto 4">
+            <a:extLst>
+              <a:ext uri="{FF2B5EF4-FFF2-40B4-BE49-F238E27FC236}">
+                <a16:creationId xmlns:a16="http://schemas.microsoft.com/office/drawing/2014/main" id="{B6A5AA82-40DA-2D96-1EA3-2A4436E51979}"/>
+              </a:ext>
+            </a:extLst>
+          </p:cNvPr>
+          <p:cNvSpPr>
+            <a:spLocks noGrp="1"/>
+          </p:cNvSpPr>
+          <p:nvPr>
+            <p:ph type="body" sz="quarter" idx="3"/>
+          </p:nvPr>
+        </p:nvSpPr>
+        <p:spPr>
+          <a:xfrm>
+            <a:off x="6172200" y="1915318"/>
+            <a:ext cx="5183188" cy="423069"/>
+          </a:xfrm>
+        </p:spPr>
+        <p:style>
+          <a:lnRef idx="2">
+            <a:schemeClr val="accent2"/>
+          </a:lnRef>
+          <a:fillRef idx="1">
+            <a:schemeClr val="lt1"/>
+          </a:fillRef>
+          <a:effectRef idx="0">
+            <a:schemeClr val="accent2"/>
+          </a:effectRef>
+          <a:fontRef idx="minor">
+            <a:schemeClr val="dk1"/>
+          </a:fontRef>
+        </p:style>
+        <p:txBody>
+          <a:bodyPr anchor="b"/>
+          <a:lstStyle>
+            <a:lvl1pPr marL="0" indent="0">
+              <a:buNone/>
+              <a:defRPr sz="2400" b="1"/>
+            </a:lvl1pPr>
+            <a:lvl2pPr marL="457200" indent="0">
+              <a:buNone/>
+              <a:defRPr sz="2000" b="1"/>
+            </a:lvl2pPr>
+            <a:lvl3pPr marL="914400" indent="0">
+              <a:buNone/>
+              <a:defRPr sz="1800" b="1"/>
+            </a:lvl3pPr>
+            <a:lvl4pPr marL="1371600" indent="0">
+              <a:buNone/>
+              <a:defRPr sz="1600" b="1"/>
+            </a:lvl4pPr>
+            <a:lvl5pPr marL="1828800" indent="0">
+              <a:buNone/>
+              <a:defRPr sz="1600" b="1"/>
+            </a:lvl5pPr>
+            <a:lvl6pPr marL="2286000" indent="0">
+              <a:buNone/>
+              <a:defRPr sz="1600" b="1"/>
+            </a:lvl6pPr>
+            <a:lvl7pPr marL="2743200" indent="0">
+              <a:buNone/>
+              <a:defRPr sz="1600" b="1"/>
+            </a:lvl7pPr>
+            <a:lvl8pPr marL="3200400" indent="0">
+              <a:buNone/>
+              <a:defRPr sz="1600" b="1"/>
+            </a:lvl8pPr>
+            <a:lvl9pPr marL="3657600" indent="0">
+              <a:buNone/>
+              <a:defRPr sz="1600" b="1"/>
+            </a:lvl9pPr>
+          </a:lstStyle>
+          <a:p>
+            <a:pPr lvl="0"/>
+            <a:r>
+              <a:rPr lang="es-ES"/>
+              <a:t>Haga clic para modificar los estilos de texto del patrón</a:t>
+            </a:r>
+          </a:p>
+        </p:txBody>
+      </p:sp>
+      <p:sp>
+        <p:nvSpPr>
+          <p:cNvPr id="6" name="Marcador de contenido 5">
+            <a:extLst>
+              <a:ext uri="{FF2B5EF4-FFF2-40B4-BE49-F238E27FC236}">
+                <a16:creationId xmlns:a16="http://schemas.microsoft.com/office/drawing/2014/main" id="{8215C33B-882E-2466-D1BB-646569372A76}"/>
+              </a:ext>
+            </a:extLst>
+          </p:cNvPr>
+          <p:cNvSpPr>
+            <a:spLocks noGrp="1"/>
+          </p:cNvSpPr>
+          <p:nvPr>
+            <p:ph sz="quarter" idx="4"/>
+          </p:nvPr>
+        </p:nvSpPr>
+        <p:spPr>
+          <a:xfrm>
+            <a:off x="6172200" y="2505075"/>
+            <a:ext cx="5183188" cy="3684588"/>
+          </a:xfrm>
+          <a:noFill/>
+          <a:ln w="22225">
+            <a:solidFill>
+              <a:schemeClr val="accent4">
+                <a:alpha val="15000"/>
+              </a:schemeClr>
+            </a:solidFill>
+          </a:ln>
+        </p:spPr>
+        <p:txBody>
+          <a:bodyPr/>
+          <a:lstStyle/>
+          <a:p>
+            <a:pPr lvl="0"/>
+            <a:r>
+              <a:rPr lang="es-ES"/>
+              <a:t>Haga clic para modificar los estilos de texto del patrón</a:t>
+            </a:r>
+          </a:p>
+          <a:p>
+            <a:pPr lvl="1"/>
+            <a:r>
+              <a:rPr lang="es-ES"/>
+              <a:t>Segundo nivel</a:t>
+            </a:r>
+          </a:p>
+          <a:p>
+            <a:pPr lvl="2"/>
+            <a:r>
+              <a:rPr lang="es-ES"/>
+              <a:t>Tercer nivel</a:t>
+            </a:r>
+          </a:p>
+          <a:p>
+            <a:pPr lvl="3"/>
+            <a:r>
+              <a:rPr lang="es-ES"/>
+              <a:t>Cuarto nivel</a:t>
+            </a:r>
+          </a:p>
+          <a:p>
+            <a:pPr lvl="4"/>
+            <a:r>
+              <a:rPr lang="es-ES"/>
+              <a:t>Quinto nivel</a:t>
+            </a:r>
+            <a:endParaRPr lang="es-CO" dirty="0"/>
+          </a:p>
+        </p:txBody>
+      </p:sp>
+      <p:sp>
+        <p:nvSpPr>
+          <p:cNvPr id="7" name="Marcador de fecha 6">
+            <a:extLst>
+              <a:ext uri="{FF2B5EF4-FFF2-40B4-BE49-F238E27FC236}">
+                <a16:creationId xmlns:a16="http://schemas.microsoft.com/office/drawing/2014/main" id="{CB34E45A-85A3-8CEF-FA52-B37DE701ECF8}"/>
+              </a:ext>
+            </a:extLst>
+          </p:cNvPr>
+          <p:cNvSpPr>
+            <a:spLocks noGrp="1"/>
+          </p:cNvSpPr>
+          <p:nvPr>
+            <p:ph type="dt" sz="half" idx="10"/>
+          </p:nvPr>
+        </p:nvSpPr>
+        <p:spPr/>
+        <p:txBody>
+          <a:bodyPr/>
+          <a:lstStyle/>
+          <a:p>
+            <a:fld id="{04487210-C3B0-44AB-9478-8E13CD145314}" type="datetimeFigureOut">
+              <a:rPr lang="es-CO" smtClean="0"/>
+              <a:t>17/10/2024</a:t>
+            </a:fld>
+            <a:endParaRPr lang="es-CO"/>
+          </a:p>
+        </p:txBody>
+      </p:sp>
+      <p:sp>
+        <p:nvSpPr>
+          <p:cNvPr id="8" name="Marcador de pie de página 7">
+            <a:extLst>
+              <a:ext uri="{FF2B5EF4-FFF2-40B4-BE49-F238E27FC236}">
+                <a16:creationId xmlns:a16="http://schemas.microsoft.com/office/drawing/2014/main" id="{219F98F6-9C84-6EF4-4C51-501D0E3BB4A0}"/>
+              </a:ext>
+            </a:extLst>
+          </p:cNvPr>
+          <p:cNvSpPr>
+            <a:spLocks noGrp="1"/>
+          </p:cNvSpPr>
+          <p:nvPr>
+            <p:ph type="ftr" sz="quarter" idx="11"/>
+          </p:nvPr>
+        </p:nvSpPr>
+        <p:spPr/>
+        <p:txBody>
+          <a:bodyPr/>
+          <a:lstStyle/>
+          <a:p>
+            <a:endParaRPr lang="es-CO"/>
+          </a:p>
+        </p:txBody>
+      </p:sp>
+      <p:sp>
+        <p:nvSpPr>
+          <p:cNvPr id="9" name="Marcador de número de diapositiva 8">
+            <a:extLst>
+              <a:ext uri="{FF2B5EF4-FFF2-40B4-BE49-F238E27FC236}">
+                <a16:creationId xmlns:a16="http://schemas.microsoft.com/office/drawing/2014/main" id="{53769AD2-5996-3531-620C-2E23D715DB7A}"/>
+              </a:ext>
+            </a:extLst>
+          </p:cNvPr>
+          <p:cNvSpPr>
+            <a:spLocks noGrp="1"/>
+          </p:cNvSpPr>
+          <p:nvPr>
+            <p:ph type="sldNum" sz="quarter" idx="12"/>
+          </p:nvPr>
+        </p:nvSpPr>
+        <p:spPr/>
+        <p:txBody>
+          <a:bodyPr/>
+          <a:lstStyle/>
+          <a:p>
+            <a:fld id="{AF371FB5-FFE7-4195-B64C-1112C38C2E11}" type="slidenum">
+              <a:rPr lang="es-CO" smtClean="0"/>
+              <a:t>‹Nº›</a:t>
+            </a:fld>
+            <a:endParaRPr lang="es-CO"/>
+          </a:p>
+        </p:txBody>
+      </p:sp>
+    </p:spTree>
+    <p:extLst>
+      <p:ext uri="{BB962C8B-B14F-4D97-AF65-F5344CB8AC3E}">
+        <p14:creationId xmlns:p14="http://schemas.microsoft.com/office/powerpoint/2010/main" val="3362239260"/>
+      </p:ext>
+    </p:extLst>
+  </p:cSld>
+  <p:clrMapOvr>
+    <a:masterClrMapping/>
+  </p:clrMapOvr>
+</p:sldLayout>
+</file>
+
+<file path=ppt/slideLayouts/slideLayout17.xml><?xml version="1.0" encoding="utf-8"?>
+<p:sldLayout xmlns:a="http://schemas.openxmlformats.org/drawingml/2006/main" xmlns:r="http://schemas.openxmlformats.org/officeDocument/2006/relationships" xmlns:p="http://schemas.openxmlformats.org/presentationml/2006/main" type="titleOnly" preserve="1">
+  <p:cSld name="Solo el título">
+    <p:spTree>
+      <p:nvGrpSpPr>
+        <p:cNvPr id="1" name=""/>
+        <p:cNvGrpSpPr/>
+        <p:nvPr/>
+      </p:nvGrpSpPr>
+      <p:grpSpPr>
+        <a:xfrm>
+          <a:off x="0" y="0"/>
+          <a:ext cx="0" cy="0"/>
+          <a:chOff x="0" y="0"/>
+          <a:chExt cx="0" cy="0"/>
+        </a:xfrm>
+      </p:grpSpPr>
+      <p:sp>
+        <p:nvSpPr>
+          <p:cNvPr id="2" name="Título 1">
+            <a:extLst>
+              <a:ext uri="{FF2B5EF4-FFF2-40B4-BE49-F238E27FC236}">
+                <a16:creationId xmlns:a16="http://schemas.microsoft.com/office/drawing/2014/main" id="{B455B4B8-8753-ADDD-47EA-F4AD6AA4D413}"/>
+              </a:ext>
+            </a:extLst>
+          </p:cNvPr>
+          <p:cNvSpPr>
+            <a:spLocks noGrp="1"/>
+          </p:cNvSpPr>
+          <p:nvPr>
+            <p:ph type="title"/>
+          </p:nvPr>
+        </p:nvSpPr>
+        <p:spPr>
+          <a:xfrm>
+            <a:off x="838200" y="2425521"/>
+            <a:ext cx="10515600" cy="2006958"/>
+          </a:xfrm>
+        </p:spPr>
+        <p:txBody>
+          <a:bodyPr>
+            <a:noAutofit/>
+          </a:bodyPr>
+          <a:lstStyle>
+            <a:lvl1pPr algn="ctr">
+              <a:defRPr sz="5400"/>
+            </a:lvl1pPr>
+          </a:lstStyle>
+          <a:p>
+            <a:r>
+              <a:rPr lang="es-ES"/>
+              <a:t>Haga clic para modificar el estilo de título del patrón</a:t>
+            </a:r>
+            <a:endParaRPr lang="es-CO"/>
+          </a:p>
+        </p:txBody>
+      </p:sp>
+      <p:sp>
+        <p:nvSpPr>
+          <p:cNvPr id="3" name="Marcador de fecha 2">
+            <a:extLst>
+              <a:ext uri="{FF2B5EF4-FFF2-40B4-BE49-F238E27FC236}">
+                <a16:creationId xmlns:a16="http://schemas.microsoft.com/office/drawing/2014/main" id="{F6AB0836-C050-A2AB-E46E-34CE06E9E8AC}"/>
+              </a:ext>
+            </a:extLst>
+          </p:cNvPr>
+          <p:cNvSpPr>
+            <a:spLocks noGrp="1"/>
+          </p:cNvSpPr>
+          <p:nvPr>
+            <p:ph type="dt" sz="half" idx="10"/>
+          </p:nvPr>
+        </p:nvSpPr>
+        <p:spPr/>
+        <p:txBody>
+          <a:bodyPr/>
+          <a:lstStyle/>
+          <a:p>
+            <a:fld id="{04487210-C3B0-44AB-9478-8E13CD145314}" type="datetimeFigureOut">
+              <a:rPr lang="es-CO" smtClean="0"/>
+              <a:t>17/10/2024</a:t>
+            </a:fld>
+            <a:endParaRPr lang="es-CO"/>
+          </a:p>
+        </p:txBody>
+      </p:sp>
+      <p:sp>
+        <p:nvSpPr>
+          <p:cNvPr id="4" name="Marcador de pie de página 3">
+            <a:extLst>
+              <a:ext uri="{FF2B5EF4-FFF2-40B4-BE49-F238E27FC236}">
+                <a16:creationId xmlns:a16="http://schemas.microsoft.com/office/drawing/2014/main" id="{544D8230-1FFE-A9E2-F7E7-86B266EF097C}"/>
+              </a:ext>
+            </a:extLst>
+          </p:cNvPr>
+          <p:cNvSpPr>
+            <a:spLocks noGrp="1"/>
+          </p:cNvSpPr>
+          <p:nvPr>
+            <p:ph type="ftr" sz="quarter" idx="11"/>
+          </p:nvPr>
+        </p:nvSpPr>
+        <p:spPr/>
+        <p:txBody>
+          <a:bodyPr/>
+          <a:lstStyle/>
+          <a:p>
+            <a:endParaRPr lang="es-CO"/>
+          </a:p>
+        </p:txBody>
+      </p:sp>
+      <p:sp>
+        <p:nvSpPr>
+          <p:cNvPr id="5" name="Marcador de número de diapositiva 4">
+            <a:extLst>
+              <a:ext uri="{FF2B5EF4-FFF2-40B4-BE49-F238E27FC236}">
+                <a16:creationId xmlns:a16="http://schemas.microsoft.com/office/drawing/2014/main" id="{27ECFE4E-D080-3103-04E4-7EB2BC6CB33B}"/>
+              </a:ext>
+            </a:extLst>
+          </p:cNvPr>
+          <p:cNvSpPr>
+            <a:spLocks noGrp="1"/>
+          </p:cNvSpPr>
+          <p:nvPr>
+            <p:ph type="sldNum" sz="quarter" idx="12"/>
+          </p:nvPr>
+        </p:nvSpPr>
+        <p:spPr/>
+        <p:txBody>
+          <a:bodyPr/>
+          <a:lstStyle/>
+          <a:p>
+            <a:fld id="{AF371FB5-FFE7-4195-B64C-1112C38C2E11}" type="slidenum">
+              <a:rPr lang="es-CO" smtClean="0"/>
+              <a:t>‹Nº›</a:t>
+            </a:fld>
+            <a:endParaRPr lang="es-CO"/>
+          </a:p>
+        </p:txBody>
+      </p:sp>
+    </p:spTree>
+    <p:extLst>
+      <p:ext uri="{BB962C8B-B14F-4D97-AF65-F5344CB8AC3E}">
+        <p14:creationId xmlns:p14="http://schemas.microsoft.com/office/powerpoint/2010/main" val="3678062132"/>
+      </p:ext>
+    </p:extLst>
+  </p:cSld>
+  <p:clrMapOvr>
+    <a:masterClrMapping/>
+  </p:clrMapOvr>
+</p:sldLayout>
+</file>
+
+<file path=ppt/slideLayouts/slideLayout18.xml><?xml version="1.0" encoding="utf-8"?>
+<p:sldLayout xmlns:a="http://schemas.openxmlformats.org/drawingml/2006/main" xmlns:r="http://schemas.openxmlformats.org/officeDocument/2006/relationships" xmlns:p="http://schemas.openxmlformats.org/presentationml/2006/main" type="objTx" preserve="1">
+  <p:cSld name="Contenido con título">
+    <p:bg>
+      <p:bgPr>
+        <a:blipFill dpi="0" rotWithShape="1">
+          <a:blip r:embed="rId2">
+            <a:alphaModFix amt="78000"/>
+            <a:lum/>
+          </a:blip>
+          <a:srcRect/>
+          <a:stretch>
+            <a:fillRect/>
+          </a:stretch>
+        </a:blipFill>
+        <a:effectLst/>
+      </p:bgPr>
+    </p:bg>
+    <p:spTree>
+      <p:nvGrpSpPr>
+        <p:cNvPr id="1" name=""/>
+        <p:cNvGrpSpPr/>
+        <p:nvPr/>
+      </p:nvGrpSpPr>
+      <p:grpSpPr>
+        <a:xfrm>
+          <a:off x="0" y="0"/>
+          <a:ext cx="0" cy="0"/>
+          <a:chOff x="0" y="0"/>
+          <a:chExt cx="0" cy="0"/>
+        </a:xfrm>
+      </p:grpSpPr>
+      <p:sp>
+        <p:nvSpPr>
+          <p:cNvPr id="2" name="Título 1">
+            <a:extLst>
+              <a:ext uri="{FF2B5EF4-FFF2-40B4-BE49-F238E27FC236}">
+                <a16:creationId xmlns:a16="http://schemas.microsoft.com/office/drawing/2014/main" id="{A2F08354-B0D4-E791-F214-F5D34F16BB0B}"/>
+              </a:ext>
+            </a:extLst>
+          </p:cNvPr>
+          <p:cNvSpPr>
+            <a:spLocks noGrp="1"/>
+          </p:cNvSpPr>
+          <p:nvPr>
+            <p:ph type="title"/>
+          </p:nvPr>
+        </p:nvSpPr>
+        <p:spPr>
+          <a:xfrm>
+            <a:off x="839788" y="987424"/>
+            <a:ext cx="3932237" cy="1069975"/>
+          </a:xfrm>
+        </p:spPr>
+        <p:txBody>
+          <a:bodyPr anchor="b"/>
+          <a:lstStyle>
+            <a:lvl1pPr>
+              <a:defRPr sz="3200"/>
+            </a:lvl1pPr>
+          </a:lstStyle>
+          <a:p>
+            <a:r>
+              <a:rPr lang="es-ES"/>
+              <a:t>Haga clic para modificar el estilo de título del patrón</a:t>
+            </a:r>
+            <a:endParaRPr lang="es-CO" dirty="0"/>
+          </a:p>
+        </p:txBody>
+      </p:sp>
+      <p:sp>
+        <p:nvSpPr>
+          <p:cNvPr id="3" name="Marcador de contenido 2">
+            <a:extLst>
+              <a:ext uri="{FF2B5EF4-FFF2-40B4-BE49-F238E27FC236}">
+                <a16:creationId xmlns:a16="http://schemas.microsoft.com/office/drawing/2014/main" id="{5868E8D1-BEDC-A0E3-272A-1D0E30853555}"/>
+              </a:ext>
+            </a:extLst>
+          </p:cNvPr>
+          <p:cNvSpPr>
+            <a:spLocks noGrp="1"/>
+          </p:cNvSpPr>
+          <p:nvPr>
+            <p:ph idx="1"/>
+          </p:nvPr>
+        </p:nvSpPr>
+        <p:spPr>
+          <a:xfrm>
+            <a:off x="5183188" y="987425"/>
+            <a:ext cx="6172200" cy="4873625"/>
+          </a:xfrm>
+        </p:spPr>
+        <p:txBody>
+          <a:bodyPr/>
+          <a:lstStyle>
+            <a:lvl1pPr>
+              <a:defRPr sz="3200"/>
+            </a:lvl1pPr>
+            <a:lvl2pPr>
+              <a:defRPr sz="2800"/>
+            </a:lvl2pPr>
+            <a:lvl3pPr>
+              <a:defRPr sz="2400"/>
+            </a:lvl3pPr>
+            <a:lvl4pPr>
+              <a:defRPr sz="2000"/>
+            </a:lvl4pPr>
+            <a:lvl5pPr>
+              <a:defRPr sz="2000"/>
+            </a:lvl5pPr>
+            <a:lvl6pPr>
+              <a:defRPr sz="2000"/>
+            </a:lvl6pPr>
+            <a:lvl7pPr>
+              <a:defRPr sz="2000"/>
+            </a:lvl7pPr>
+            <a:lvl8pPr>
+              <a:defRPr sz="2000"/>
+            </a:lvl8pPr>
+            <a:lvl9pPr>
+              <a:defRPr sz="2000"/>
+            </a:lvl9pPr>
+          </a:lstStyle>
+          <a:p>
+            <a:pPr lvl="0"/>
+            <a:r>
+              <a:rPr lang="es-ES"/>
+              <a:t>Haga clic para modificar los estilos de texto del patrón</a:t>
+            </a:r>
+          </a:p>
+          <a:p>
+            <a:pPr lvl="1"/>
+            <a:r>
+              <a:rPr lang="es-ES"/>
+              <a:t>Segundo nivel</a:t>
+            </a:r>
+          </a:p>
+          <a:p>
+            <a:pPr lvl="2"/>
+            <a:r>
+              <a:rPr lang="es-ES"/>
+              <a:t>Tercer nivel</a:t>
+            </a:r>
+          </a:p>
+          <a:p>
+            <a:pPr lvl="3"/>
+            <a:r>
+              <a:rPr lang="es-ES"/>
+              <a:t>Cuarto nivel</a:t>
+            </a:r>
+          </a:p>
+          <a:p>
+            <a:pPr lvl="4"/>
+            <a:r>
+              <a:rPr lang="es-ES"/>
+              <a:t>Quinto nivel</a:t>
+            </a:r>
+            <a:endParaRPr lang="es-CO"/>
+          </a:p>
+        </p:txBody>
+      </p:sp>
+      <p:sp>
+        <p:nvSpPr>
+          <p:cNvPr id="4" name="Marcador de texto 3">
+            <a:extLst>
+              <a:ext uri="{FF2B5EF4-FFF2-40B4-BE49-F238E27FC236}">
+                <a16:creationId xmlns:a16="http://schemas.microsoft.com/office/drawing/2014/main" id="{87E879F9-A92B-4C3F-203A-57F51D4DA6F0}"/>
+              </a:ext>
+            </a:extLst>
+          </p:cNvPr>
+          <p:cNvSpPr>
+            <a:spLocks noGrp="1"/>
+          </p:cNvSpPr>
+          <p:nvPr>
+            <p:ph type="body" sz="half" idx="2"/>
+          </p:nvPr>
+        </p:nvSpPr>
+        <p:spPr>
+          <a:xfrm>
+            <a:off x="839788" y="2625212"/>
+            <a:ext cx="3932237" cy="3243775"/>
+          </a:xfrm>
+        </p:spPr>
+        <p:txBody>
+          <a:bodyPr/>
+          <a:lstStyle>
+            <a:lvl1pPr marL="0" indent="0">
+              <a:buNone/>
+              <a:defRPr sz="1600"/>
+            </a:lvl1pPr>
+            <a:lvl2pPr marL="457200" indent="0">
+              <a:buNone/>
+              <a:defRPr sz="1400"/>
+            </a:lvl2pPr>
+            <a:lvl3pPr marL="914400" indent="0">
+              <a:buNone/>
+              <a:defRPr sz="1200"/>
+            </a:lvl3pPr>
+            <a:lvl4pPr marL="1371600" indent="0">
+              <a:buNone/>
+              <a:defRPr sz="1000"/>
+            </a:lvl4pPr>
+            <a:lvl5pPr marL="1828800" indent="0">
+              <a:buNone/>
+              <a:defRPr sz="1000"/>
+            </a:lvl5pPr>
+            <a:lvl6pPr marL="2286000" indent="0">
+              <a:buNone/>
+              <a:defRPr sz="1000"/>
+            </a:lvl6pPr>
+            <a:lvl7pPr marL="2743200" indent="0">
+              <a:buNone/>
+              <a:defRPr sz="1000"/>
+            </a:lvl7pPr>
+            <a:lvl8pPr marL="3200400" indent="0">
+              <a:buNone/>
+              <a:defRPr sz="1000"/>
+            </a:lvl8pPr>
+            <a:lvl9pPr marL="3657600" indent="0">
+              <a:buNone/>
+              <a:defRPr sz="1000"/>
+            </a:lvl9pPr>
+          </a:lstStyle>
+          <a:p>
+            <a:pPr lvl="0"/>
+            <a:r>
+              <a:rPr lang="es-ES"/>
+              <a:t>Haga clic para modificar los estilos de texto del patrón</a:t>
+            </a:r>
+          </a:p>
+        </p:txBody>
+      </p:sp>
+      <p:sp>
+        <p:nvSpPr>
+          <p:cNvPr id="5" name="Marcador de fecha 4">
+            <a:extLst>
+              <a:ext uri="{FF2B5EF4-FFF2-40B4-BE49-F238E27FC236}">
+                <a16:creationId xmlns:a16="http://schemas.microsoft.com/office/drawing/2014/main" id="{19556E40-3FC3-B79C-5568-CADD63073FD9}"/>
+              </a:ext>
+            </a:extLst>
+          </p:cNvPr>
+          <p:cNvSpPr>
+            <a:spLocks noGrp="1"/>
+          </p:cNvSpPr>
+          <p:nvPr>
+            <p:ph type="dt" sz="half" idx="10"/>
+          </p:nvPr>
+        </p:nvSpPr>
+        <p:spPr/>
+        <p:txBody>
+          <a:bodyPr/>
+          <a:lstStyle/>
+          <a:p>
+            <a:fld id="{04487210-C3B0-44AB-9478-8E13CD145314}" type="datetimeFigureOut">
+              <a:rPr lang="es-CO" smtClean="0"/>
+              <a:t>17/10/2024</a:t>
+            </a:fld>
+            <a:endParaRPr lang="es-CO"/>
+          </a:p>
+        </p:txBody>
+      </p:sp>
+      <p:sp>
+        <p:nvSpPr>
+          <p:cNvPr id="6" name="Marcador de pie de página 5">
+            <a:extLst>
+              <a:ext uri="{FF2B5EF4-FFF2-40B4-BE49-F238E27FC236}">
+                <a16:creationId xmlns:a16="http://schemas.microsoft.com/office/drawing/2014/main" id="{5B4D349F-2DEF-3B59-9789-A7F4E2E89B91}"/>
+              </a:ext>
+            </a:extLst>
+          </p:cNvPr>
+          <p:cNvSpPr>
+            <a:spLocks noGrp="1"/>
+          </p:cNvSpPr>
+          <p:nvPr>
+            <p:ph type="ftr" sz="quarter" idx="11"/>
+          </p:nvPr>
+        </p:nvSpPr>
+        <p:spPr/>
+        <p:txBody>
+          <a:bodyPr/>
+          <a:lstStyle/>
+          <a:p>
+            <a:endParaRPr lang="es-CO"/>
+          </a:p>
+        </p:txBody>
+      </p:sp>
+      <p:sp>
+        <p:nvSpPr>
+          <p:cNvPr id="7" name="Marcador de número de diapositiva 6">
+            <a:extLst>
+              <a:ext uri="{FF2B5EF4-FFF2-40B4-BE49-F238E27FC236}">
+                <a16:creationId xmlns:a16="http://schemas.microsoft.com/office/drawing/2014/main" id="{AC49C8AC-7D92-A93B-FCB7-22D5FAEE61E2}"/>
+              </a:ext>
+            </a:extLst>
+          </p:cNvPr>
+          <p:cNvSpPr>
+            <a:spLocks noGrp="1"/>
+          </p:cNvSpPr>
+          <p:nvPr>
+            <p:ph type="sldNum" sz="quarter" idx="12"/>
+          </p:nvPr>
+        </p:nvSpPr>
+        <p:spPr/>
+        <p:txBody>
+          <a:bodyPr/>
+          <a:lstStyle/>
+          <a:p>
+            <a:fld id="{AF371FB5-FFE7-4195-B64C-1112C38C2E11}" type="slidenum">
+              <a:rPr lang="es-CO" smtClean="0"/>
+              <a:t>‹Nº›</a:t>
+            </a:fld>
+            <a:endParaRPr lang="es-CO"/>
+          </a:p>
+        </p:txBody>
+      </p:sp>
+    </p:spTree>
+    <p:extLst>
+      <p:ext uri="{BB962C8B-B14F-4D97-AF65-F5344CB8AC3E}">
+        <p14:creationId xmlns:p14="http://schemas.microsoft.com/office/powerpoint/2010/main" val="3802331975"/>
+      </p:ext>
+    </p:extLst>
+  </p:cSld>
+  <p:clrMapOvr>
+    <a:masterClrMapping/>
+  </p:clrMapOvr>
+</p:sldLayout>
+</file>
+
+<file path=ppt/slideLayouts/slideLayout19.xml><?xml version="1.0" encoding="utf-8"?>
+<p:sldLayout xmlns:a="http://schemas.openxmlformats.org/drawingml/2006/main" xmlns:r="http://schemas.openxmlformats.org/officeDocument/2006/relationships" xmlns:p="http://schemas.openxmlformats.org/presentationml/2006/main" type="picTx" preserve="1">
+  <p:cSld name="Imagen con título">
+    <p:bg>
+      <p:bgPr>
+        <a:blipFill dpi="0" rotWithShape="1">
+          <a:blip r:embed="rId2">
+            <a:alphaModFix amt="78000"/>
+            <a:lum/>
+          </a:blip>
+          <a:srcRect/>
+          <a:stretch>
+            <a:fillRect/>
+          </a:stretch>
+        </a:blipFill>
+        <a:effectLst/>
+      </p:bgPr>
+    </p:bg>
+    <p:spTree>
+      <p:nvGrpSpPr>
+        <p:cNvPr id="1" name=""/>
+        <p:cNvGrpSpPr/>
+        <p:nvPr/>
+      </p:nvGrpSpPr>
+      <p:grpSpPr>
+        <a:xfrm>
+          <a:off x="0" y="0"/>
+          <a:ext cx="0" cy="0"/>
+          <a:chOff x="0" y="0"/>
+          <a:chExt cx="0" cy="0"/>
+        </a:xfrm>
+      </p:grpSpPr>
+      <p:sp>
+        <p:nvSpPr>
+          <p:cNvPr id="2" name="Título 1">
+            <a:extLst>
+              <a:ext uri="{FF2B5EF4-FFF2-40B4-BE49-F238E27FC236}">
+                <a16:creationId xmlns:a16="http://schemas.microsoft.com/office/drawing/2014/main" id="{EF27068C-FC4D-1A53-62E9-5631BF2F3267}"/>
+              </a:ext>
+            </a:extLst>
+          </p:cNvPr>
+          <p:cNvSpPr>
+            <a:spLocks noGrp="1"/>
+          </p:cNvSpPr>
+          <p:nvPr>
+            <p:ph type="title"/>
+          </p:nvPr>
+        </p:nvSpPr>
+        <p:spPr>
+          <a:xfrm>
+            <a:off x="836612" y="987425"/>
+            <a:ext cx="3932237" cy="1112838"/>
+          </a:xfrm>
+        </p:spPr>
+        <p:txBody>
+          <a:bodyPr anchor="b"/>
+          <a:lstStyle>
+            <a:lvl1pPr>
+              <a:defRPr sz="3200"/>
+            </a:lvl1pPr>
+          </a:lstStyle>
+          <a:p>
+            <a:r>
+              <a:rPr lang="es-ES"/>
+              <a:t>Haga clic para modificar el estilo de título del patrón</a:t>
+            </a:r>
+            <a:endParaRPr lang="es-CO" dirty="0"/>
+          </a:p>
+        </p:txBody>
+      </p:sp>
+      <p:sp>
+        <p:nvSpPr>
+          <p:cNvPr id="3" name="Marcador de posición de imagen 2">
+            <a:extLst>
+              <a:ext uri="{FF2B5EF4-FFF2-40B4-BE49-F238E27FC236}">
+                <a16:creationId xmlns:a16="http://schemas.microsoft.com/office/drawing/2014/main" id="{4F472870-9160-4FEC-90BB-507742478352}"/>
+              </a:ext>
+            </a:extLst>
+          </p:cNvPr>
+          <p:cNvSpPr>
+            <a:spLocks noGrp="1"/>
+          </p:cNvSpPr>
+          <p:nvPr>
+            <p:ph type="pic" idx="1"/>
+          </p:nvPr>
+        </p:nvSpPr>
+        <p:spPr>
+          <a:xfrm>
+            <a:off x="5183188" y="987425"/>
+            <a:ext cx="6172200" cy="4873625"/>
+          </a:xfrm>
+        </p:spPr>
+        <p:txBody>
+          <a:bodyPr/>
+          <a:lstStyle>
+            <a:lvl1pPr marL="0" indent="0">
+              <a:buNone/>
+              <a:defRPr sz="3200"/>
+            </a:lvl1pPr>
+            <a:lvl2pPr marL="457200" indent="0">
+              <a:buNone/>
+              <a:defRPr sz="2800"/>
+            </a:lvl2pPr>
+            <a:lvl3pPr marL="914400" indent="0">
+              <a:buNone/>
+              <a:defRPr sz="2400"/>
+            </a:lvl3pPr>
+            <a:lvl4pPr marL="1371600" indent="0">
+              <a:buNone/>
+              <a:defRPr sz="2000"/>
+            </a:lvl4pPr>
+            <a:lvl5pPr marL="1828800" indent="0">
+              <a:buNone/>
+              <a:defRPr sz="2000"/>
+            </a:lvl5pPr>
+            <a:lvl6pPr marL="2286000" indent="0">
+              <a:buNone/>
+              <a:defRPr sz="2000"/>
+            </a:lvl6pPr>
+            <a:lvl7pPr marL="2743200" indent="0">
+              <a:buNone/>
+              <a:defRPr sz="2000"/>
+            </a:lvl7pPr>
+            <a:lvl8pPr marL="3200400" indent="0">
+              <a:buNone/>
+              <a:defRPr sz="2000"/>
+            </a:lvl8pPr>
+            <a:lvl9pPr marL="3657600" indent="0">
+              <a:buNone/>
+              <a:defRPr sz="2000"/>
+            </a:lvl9pPr>
+          </a:lstStyle>
+          <a:p>
+            <a:r>
+              <a:rPr lang="es-ES"/>
+              <a:t>Haga clic en el icono para agregar una imagen</a:t>
+            </a:r>
+            <a:endParaRPr lang="es-CO"/>
+          </a:p>
+        </p:txBody>
+      </p:sp>
+      <p:sp>
+        <p:nvSpPr>
+          <p:cNvPr id="4" name="Marcador de texto 3">
+            <a:extLst>
+              <a:ext uri="{FF2B5EF4-FFF2-40B4-BE49-F238E27FC236}">
+                <a16:creationId xmlns:a16="http://schemas.microsoft.com/office/drawing/2014/main" id="{6D4C39FB-267E-77CE-9B31-6E3CDA5BD3C7}"/>
+              </a:ext>
+            </a:extLst>
+          </p:cNvPr>
+          <p:cNvSpPr>
+            <a:spLocks noGrp="1"/>
+          </p:cNvSpPr>
+          <p:nvPr>
+            <p:ph type="body" sz="half" idx="2"/>
+          </p:nvPr>
+        </p:nvSpPr>
+        <p:spPr>
+          <a:xfrm>
+            <a:off x="839788" y="2664542"/>
+            <a:ext cx="3932237" cy="3204446"/>
+          </a:xfrm>
+        </p:spPr>
+        <p:txBody>
+          <a:bodyPr/>
+          <a:lstStyle>
+            <a:lvl1pPr marL="0" indent="0">
+              <a:buNone/>
+              <a:defRPr sz="1600"/>
+            </a:lvl1pPr>
+            <a:lvl2pPr marL="457200" indent="0">
+              <a:buNone/>
+              <a:defRPr sz="1400"/>
+            </a:lvl2pPr>
+            <a:lvl3pPr marL="914400" indent="0">
+              <a:buNone/>
+              <a:defRPr sz="1200"/>
+            </a:lvl3pPr>
+            <a:lvl4pPr marL="1371600" indent="0">
+              <a:buNone/>
+              <a:defRPr sz="1000"/>
+            </a:lvl4pPr>
+            <a:lvl5pPr marL="1828800" indent="0">
+              <a:buNone/>
+              <a:defRPr sz="1000"/>
+            </a:lvl5pPr>
+            <a:lvl6pPr marL="2286000" indent="0">
+              <a:buNone/>
+              <a:defRPr sz="1000"/>
+            </a:lvl6pPr>
+            <a:lvl7pPr marL="2743200" indent="0">
+              <a:buNone/>
+              <a:defRPr sz="1000"/>
+            </a:lvl7pPr>
+            <a:lvl8pPr marL="3200400" indent="0">
+              <a:buNone/>
+              <a:defRPr sz="1000"/>
+            </a:lvl8pPr>
+            <a:lvl9pPr marL="3657600" indent="0">
+              <a:buNone/>
+              <a:defRPr sz="1000"/>
+            </a:lvl9pPr>
+          </a:lstStyle>
+          <a:p>
+            <a:pPr lvl="0"/>
+            <a:r>
+              <a:rPr lang="es-ES"/>
+              <a:t>Haga clic para modificar los estilos de texto del patrón</a:t>
+            </a:r>
+          </a:p>
+        </p:txBody>
+      </p:sp>
+      <p:sp>
+        <p:nvSpPr>
+          <p:cNvPr id="5" name="Marcador de fecha 4">
+            <a:extLst>
+              <a:ext uri="{FF2B5EF4-FFF2-40B4-BE49-F238E27FC236}">
+                <a16:creationId xmlns:a16="http://schemas.microsoft.com/office/drawing/2014/main" id="{3CD76372-0318-2EAC-1D6D-4E48DEE9DC98}"/>
+              </a:ext>
+            </a:extLst>
+          </p:cNvPr>
+          <p:cNvSpPr>
+            <a:spLocks noGrp="1"/>
+          </p:cNvSpPr>
+          <p:nvPr>
+            <p:ph type="dt" sz="half" idx="10"/>
+          </p:nvPr>
+        </p:nvSpPr>
+        <p:spPr/>
+        <p:txBody>
+          <a:bodyPr/>
+          <a:lstStyle/>
+          <a:p>
+            <a:fld id="{04487210-C3B0-44AB-9478-8E13CD145314}" type="datetimeFigureOut">
+              <a:rPr lang="es-CO" smtClean="0"/>
+              <a:t>17/10/2024</a:t>
+            </a:fld>
+            <a:endParaRPr lang="es-CO"/>
+          </a:p>
+        </p:txBody>
+      </p:sp>
+      <p:sp>
+        <p:nvSpPr>
+          <p:cNvPr id="6" name="Marcador de pie de página 5">
+            <a:extLst>
+              <a:ext uri="{FF2B5EF4-FFF2-40B4-BE49-F238E27FC236}">
+                <a16:creationId xmlns:a16="http://schemas.microsoft.com/office/drawing/2014/main" id="{3CC4B3B6-9876-2935-B48C-6A02C5D20605}"/>
+              </a:ext>
+            </a:extLst>
+          </p:cNvPr>
+          <p:cNvSpPr>
+            <a:spLocks noGrp="1"/>
+          </p:cNvSpPr>
+          <p:nvPr>
+            <p:ph type="ftr" sz="quarter" idx="11"/>
+          </p:nvPr>
+        </p:nvSpPr>
+        <p:spPr/>
+        <p:txBody>
+          <a:bodyPr/>
+          <a:lstStyle/>
+          <a:p>
+            <a:endParaRPr lang="es-CO"/>
+          </a:p>
+        </p:txBody>
+      </p:sp>
+      <p:sp>
+        <p:nvSpPr>
+          <p:cNvPr id="7" name="Marcador de número de diapositiva 6">
+            <a:extLst>
+              <a:ext uri="{FF2B5EF4-FFF2-40B4-BE49-F238E27FC236}">
+                <a16:creationId xmlns:a16="http://schemas.microsoft.com/office/drawing/2014/main" id="{B24BC042-629A-FE94-7783-FCEA2AFD544E}"/>
+              </a:ext>
+            </a:extLst>
+          </p:cNvPr>
+          <p:cNvSpPr>
+            <a:spLocks noGrp="1"/>
+          </p:cNvSpPr>
+          <p:nvPr>
+            <p:ph type="sldNum" sz="quarter" idx="12"/>
+          </p:nvPr>
+        </p:nvSpPr>
+        <p:spPr/>
+        <p:txBody>
+          <a:bodyPr/>
+          <a:lstStyle/>
+          <a:p>
+            <a:fld id="{AF371FB5-FFE7-4195-B64C-1112C38C2E11}" type="slidenum">
+              <a:rPr lang="es-CO" smtClean="0"/>
+              <a:t>‹Nº›</a:t>
+            </a:fld>
+            <a:endParaRPr lang="es-CO"/>
+          </a:p>
+        </p:txBody>
+      </p:sp>
+    </p:spTree>
+    <p:extLst>
+      <p:ext uri="{BB962C8B-B14F-4D97-AF65-F5344CB8AC3E}">
+        <p14:creationId xmlns:p14="http://schemas.microsoft.com/office/powerpoint/2010/main" val="2029298853"/>
       </p:ext>
     </p:extLst>
   </p:cSld>
@@ -4188,7 +6563,7 @@
           <a:p>
             <a:fld id="{E94D2546-A383-4A30-90D5-987814BFF6D6}" type="datetimeFigureOut">
               <a:rPr lang="es-CO" smtClean="0"/>
-              <a:t>15/10/2024</a:t>
+              <a:t>17/10/2024</a:t>
             </a:fld>
             <a:endParaRPr lang="es-CO"/>
           </a:p>
@@ -4257,6 +6632,748 @@
   </p:cSld>
   <p:clrMapOvr>
     <a:masterClrMapping/>
+  </p:clrMapOvr>
+</p:sldLayout>
+</file>
+
+<file path=ppt/slideLayouts/slideLayout20.xml><?xml version="1.0" encoding="utf-8"?>
+<p:sldLayout xmlns:a="http://schemas.openxmlformats.org/drawingml/2006/main" xmlns:r="http://schemas.openxmlformats.org/officeDocument/2006/relationships" xmlns:p="http://schemas.openxmlformats.org/presentationml/2006/main" type="vertTx" preserve="1">
+  <p:cSld name="Título y texto vertical">
+    <p:bg>
+      <p:bgPr>
+        <a:blipFill dpi="0" rotWithShape="1">
+          <a:blip r:embed="rId2">
+            <a:alphaModFix amt="78000"/>
+            <a:lum/>
+          </a:blip>
+          <a:srcRect/>
+          <a:stretch>
+            <a:fillRect/>
+          </a:stretch>
+        </a:blipFill>
+        <a:effectLst/>
+      </p:bgPr>
+    </p:bg>
+    <p:spTree>
+      <p:nvGrpSpPr>
+        <p:cNvPr id="1" name=""/>
+        <p:cNvGrpSpPr/>
+        <p:nvPr/>
+      </p:nvGrpSpPr>
+      <p:grpSpPr>
+        <a:xfrm>
+          <a:off x="0" y="0"/>
+          <a:ext cx="0" cy="0"/>
+          <a:chOff x="0" y="0"/>
+          <a:chExt cx="0" cy="0"/>
+        </a:xfrm>
+      </p:grpSpPr>
+      <p:sp>
+        <p:nvSpPr>
+          <p:cNvPr id="2" name="Título 1">
+            <a:extLst>
+              <a:ext uri="{FF2B5EF4-FFF2-40B4-BE49-F238E27FC236}">
+                <a16:creationId xmlns:a16="http://schemas.microsoft.com/office/drawing/2014/main" id="{EF4364A2-E9BE-5947-79BB-82CB6E153993}"/>
+              </a:ext>
+            </a:extLst>
+          </p:cNvPr>
+          <p:cNvSpPr>
+            <a:spLocks noGrp="1"/>
+          </p:cNvSpPr>
+          <p:nvPr>
+            <p:ph type="title"/>
+          </p:nvPr>
+        </p:nvSpPr>
+        <p:spPr/>
+        <p:txBody>
+          <a:bodyPr/>
+          <a:lstStyle/>
+          <a:p>
+            <a:r>
+              <a:rPr lang="es-ES"/>
+              <a:t>Haga clic para modificar el estilo de título del patrón</a:t>
+            </a:r>
+            <a:endParaRPr lang="es-CO"/>
+          </a:p>
+        </p:txBody>
+      </p:sp>
+      <p:sp>
+        <p:nvSpPr>
+          <p:cNvPr id="3" name="Marcador de texto vertical 2">
+            <a:extLst>
+              <a:ext uri="{FF2B5EF4-FFF2-40B4-BE49-F238E27FC236}">
+                <a16:creationId xmlns:a16="http://schemas.microsoft.com/office/drawing/2014/main" id="{B7307F53-DC28-7565-BDB2-A687CC36812B}"/>
+              </a:ext>
+            </a:extLst>
+          </p:cNvPr>
+          <p:cNvSpPr>
+            <a:spLocks noGrp="1"/>
+          </p:cNvSpPr>
+          <p:nvPr>
+            <p:ph type="body" orient="vert" idx="1"/>
+          </p:nvPr>
+        </p:nvSpPr>
+        <p:spPr/>
+        <p:txBody>
+          <a:bodyPr vert="eaVert"/>
+          <a:lstStyle/>
+          <a:p>
+            <a:pPr lvl="0"/>
+            <a:r>
+              <a:rPr lang="es-ES"/>
+              <a:t>Haga clic para modificar los estilos de texto del patrón</a:t>
+            </a:r>
+          </a:p>
+          <a:p>
+            <a:pPr lvl="1"/>
+            <a:r>
+              <a:rPr lang="es-ES"/>
+              <a:t>Segundo nivel</a:t>
+            </a:r>
+          </a:p>
+          <a:p>
+            <a:pPr lvl="2"/>
+            <a:r>
+              <a:rPr lang="es-ES"/>
+              <a:t>Tercer nivel</a:t>
+            </a:r>
+          </a:p>
+          <a:p>
+            <a:pPr lvl="3"/>
+            <a:r>
+              <a:rPr lang="es-ES"/>
+              <a:t>Cuarto nivel</a:t>
+            </a:r>
+          </a:p>
+          <a:p>
+            <a:pPr lvl="4"/>
+            <a:r>
+              <a:rPr lang="es-ES"/>
+              <a:t>Quinto nivel</a:t>
+            </a:r>
+            <a:endParaRPr lang="es-CO"/>
+          </a:p>
+        </p:txBody>
+      </p:sp>
+      <p:sp>
+        <p:nvSpPr>
+          <p:cNvPr id="4" name="Marcador de fecha 3">
+            <a:extLst>
+              <a:ext uri="{FF2B5EF4-FFF2-40B4-BE49-F238E27FC236}">
+                <a16:creationId xmlns:a16="http://schemas.microsoft.com/office/drawing/2014/main" id="{E1919113-9C60-5CDB-2729-C93F66977E84}"/>
+              </a:ext>
+            </a:extLst>
+          </p:cNvPr>
+          <p:cNvSpPr>
+            <a:spLocks noGrp="1"/>
+          </p:cNvSpPr>
+          <p:nvPr>
+            <p:ph type="dt" sz="half" idx="10"/>
+          </p:nvPr>
+        </p:nvSpPr>
+        <p:spPr/>
+        <p:txBody>
+          <a:bodyPr/>
+          <a:lstStyle/>
+          <a:p>
+            <a:fld id="{04487210-C3B0-44AB-9478-8E13CD145314}" type="datetimeFigureOut">
+              <a:rPr lang="es-CO" smtClean="0"/>
+              <a:t>17/10/2024</a:t>
+            </a:fld>
+            <a:endParaRPr lang="es-CO"/>
+          </a:p>
+        </p:txBody>
+      </p:sp>
+      <p:sp>
+        <p:nvSpPr>
+          <p:cNvPr id="5" name="Marcador de pie de página 4">
+            <a:extLst>
+              <a:ext uri="{FF2B5EF4-FFF2-40B4-BE49-F238E27FC236}">
+                <a16:creationId xmlns:a16="http://schemas.microsoft.com/office/drawing/2014/main" id="{8C8D5AAF-CB15-B336-2413-10579F2FF778}"/>
+              </a:ext>
+            </a:extLst>
+          </p:cNvPr>
+          <p:cNvSpPr>
+            <a:spLocks noGrp="1"/>
+          </p:cNvSpPr>
+          <p:nvPr>
+            <p:ph type="ftr" sz="quarter" idx="11"/>
+          </p:nvPr>
+        </p:nvSpPr>
+        <p:spPr/>
+        <p:txBody>
+          <a:bodyPr/>
+          <a:lstStyle/>
+          <a:p>
+            <a:endParaRPr lang="es-CO"/>
+          </a:p>
+        </p:txBody>
+      </p:sp>
+      <p:sp>
+        <p:nvSpPr>
+          <p:cNvPr id="6" name="Marcador de número de diapositiva 5">
+            <a:extLst>
+              <a:ext uri="{FF2B5EF4-FFF2-40B4-BE49-F238E27FC236}">
+                <a16:creationId xmlns:a16="http://schemas.microsoft.com/office/drawing/2014/main" id="{BC6A6332-9833-D5B2-4A61-1D9133950417}"/>
+              </a:ext>
+            </a:extLst>
+          </p:cNvPr>
+          <p:cNvSpPr>
+            <a:spLocks noGrp="1"/>
+          </p:cNvSpPr>
+          <p:nvPr>
+            <p:ph type="sldNum" sz="quarter" idx="12"/>
+          </p:nvPr>
+        </p:nvSpPr>
+        <p:spPr/>
+        <p:txBody>
+          <a:bodyPr/>
+          <a:lstStyle/>
+          <a:p>
+            <a:fld id="{AF371FB5-FFE7-4195-B64C-1112C38C2E11}" type="slidenum">
+              <a:rPr lang="es-CO" smtClean="0"/>
+              <a:t>‹Nº›</a:t>
+            </a:fld>
+            <a:endParaRPr lang="es-CO"/>
+          </a:p>
+        </p:txBody>
+      </p:sp>
+    </p:spTree>
+    <p:extLst>
+      <p:ext uri="{BB962C8B-B14F-4D97-AF65-F5344CB8AC3E}">
+        <p14:creationId xmlns:p14="http://schemas.microsoft.com/office/powerpoint/2010/main" val="1395028661"/>
+      </p:ext>
+    </p:extLst>
+  </p:cSld>
+  <p:clrMapOvr>
+    <a:masterClrMapping/>
+  </p:clrMapOvr>
+</p:sldLayout>
+</file>
+
+<file path=ppt/slideLayouts/slideLayout21.xml><?xml version="1.0" encoding="utf-8"?>
+<p:sldLayout xmlns:a="http://schemas.openxmlformats.org/drawingml/2006/main" xmlns:r="http://schemas.openxmlformats.org/officeDocument/2006/relationships" xmlns:p="http://schemas.openxmlformats.org/presentationml/2006/main" type="vertTitleAndTx" preserve="1">
+  <p:cSld name="Título vertical y texto">
+    <p:bg>
+      <p:bgPr>
+        <a:blipFill dpi="0" rotWithShape="1">
+          <a:blip r:embed="rId2">
+            <a:alphaModFix amt="78000"/>
+            <a:lum/>
+          </a:blip>
+          <a:srcRect/>
+          <a:stretch>
+            <a:fillRect/>
+          </a:stretch>
+        </a:blipFill>
+        <a:effectLst/>
+      </p:bgPr>
+    </p:bg>
+    <p:spTree>
+      <p:nvGrpSpPr>
+        <p:cNvPr id="1" name=""/>
+        <p:cNvGrpSpPr/>
+        <p:nvPr/>
+      </p:nvGrpSpPr>
+      <p:grpSpPr>
+        <a:xfrm>
+          <a:off x="0" y="0"/>
+          <a:ext cx="0" cy="0"/>
+          <a:chOff x="0" y="0"/>
+          <a:chExt cx="0" cy="0"/>
+        </a:xfrm>
+      </p:grpSpPr>
+      <p:sp>
+        <p:nvSpPr>
+          <p:cNvPr id="2" name="Título vertical 1">
+            <a:extLst>
+              <a:ext uri="{FF2B5EF4-FFF2-40B4-BE49-F238E27FC236}">
+                <a16:creationId xmlns:a16="http://schemas.microsoft.com/office/drawing/2014/main" id="{D110CE74-7A6B-F7A2-A45D-0539E96116E9}"/>
+              </a:ext>
+            </a:extLst>
+          </p:cNvPr>
+          <p:cNvSpPr>
+            <a:spLocks noGrp="1"/>
+          </p:cNvSpPr>
+          <p:nvPr>
+            <p:ph type="title" orient="vert"/>
+          </p:nvPr>
+        </p:nvSpPr>
+        <p:spPr>
+          <a:xfrm>
+            <a:off x="8724900" y="365125"/>
+            <a:ext cx="2628900" cy="5811838"/>
+          </a:xfrm>
+        </p:spPr>
+        <p:txBody>
+          <a:bodyPr vert="eaVert"/>
+          <a:lstStyle/>
+          <a:p>
+            <a:r>
+              <a:rPr lang="es-ES"/>
+              <a:t>Haga clic para modificar el estilo de título del patrón</a:t>
+            </a:r>
+            <a:endParaRPr lang="es-CO"/>
+          </a:p>
+        </p:txBody>
+      </p:sp>
+      <p:sp>
+        <p:nvSpPr>
+          <p:cNvPr id="3" name="Marcador de texto vertical 2">
+            <a:extLst>
+              <a:ext uri="{FF2B5EF4-FFF2-40B4-BE49-F238E27FC236}">
+                <a16:creationId xmlns:a16="http://schemas.microsoft.com/office/drawing/2014/main" id="{7FCDC886-7001-1322-CEBF-81573196D0BA}"/>
+              </a:ext>
+            </a:extLst>
+          </p:cNvPr>
+          <p:cNvSpPr>
+            <a:spLocks noGrp="1"/>
+          </p:cNvSpPr>
+          <p:nvPr>
+            <p:ph type="body" orient="vert" idx="1"/>
+          </p:nvPr>
+        </p:nvSpPr>
+        <p:spPr>
+          <a:xfrm>
+            <a:off x="838200" y="365125"/>
+            <a:ext cx="7734300" cy="5811838"/>
+          </a:xfrm>
+        </p:spPr>
+        <p:txBody>
+          <a:bodyPr vert="eaVert"/>
+          <a:lstStyle/>
+          <a:p>
+            <a:pPr lvl="0"/>
+            <a:r>
+              <a:rPr lang="es-ES"/>
+              <a:t>Haga clic para modificar los estilos de texto del patrón</a:t>
+            </a:r>
+          </a:p>
+          <a:p>
+            <a:pPr lvl="1"/>
+            <a:r>
+              <a:rPr lang="es-ES"/>
+              <a:t>Segundo nivel</a:t>
+            </a:r>
+          </a:p>
+          <a:p>
+            <a:pPr lvl="2"/>
+            <a:r>
+              <a:rPr lang="es-ES"/>
+              <a:t>Tercer nivel</a:t>
+            </a:r>
+          </a:p>
+          <a:p>
+            <a:pPr lvl="3"/>
+            <a:r>
+              <a:rPr lang="es-ES"/>
+              <a:t>Cuarto nivel</a:t>
+            </a:r>
+          </a:p>
+          <a:p>
+            <a:pPr lvl="4"/>
+            <a:r>
+              <a:rPr lang="es-ES"/>
+              <a:t>Quinto nivel</a:t>
+            </a:r>
+            <a:endParaRPr lang="es-CO"/>
+          </a:p>
+        </p:txBody>
+      </p:sp>
+      <p:sp>
+        <p:nvSpPr>
+          <p:cNvPr id="4" name="Marcador de fecha 3">
+            <a:extLst>
+              <a:ext uri="{FF2B5EF4-FFF2-40B4-BE49-F238E27FC236}">
+                <a16:creationId xmlns:a16="http://schemas.microsoft.com/office/drawing/2014/main" id="{668D4DA0-F68A-47FA-52C2-90F8E5BA4FA0}"/>
+              </a:ext>
+            </a:extLst>
+          </p:cNvPr>
+          <p:cNvSpPr>
+            <a:spLocks noGrp="1"/>
+          </p:cNvSpPr>
+          <p:nvPr>
+            <p:ph type="dt" sz="half" idx="10"/>
+          </p:nvPr>
+        </p:nvSpPr>
+        <p:spPr/>
+        <p:txBody>
+          <a:bodyPr/>
+          <a:lstStyle/>
+          <a:p>
+            <a:fld id="{04487210-C3B0-44AB-9478-8E13CD145314}" type="datetimeFigureOut">
+              <a:rPr lang="es-CO" smtClean="0"/>
+              <a:t>17/10/2024</a:t>
+            </a:fld>
+            <a:endParaRPr lang="es-CO"/>
+          </a:p>
+        </p:txBody>
+      </p:sp>
+      <p:sp>
+        <p:nvSpPr>
+          <p:cNvPr id="5" name="Marcador de pie de página 4">
+            <a:extLst>
+              <a:ext uri="{FF2B5EF4-FFF2-40B4-BE49-F238E27FC236}">
+                <a16:creationId xmlns:a16="http://schemas.microsoft.com/office/drawing/2014/main" id="{57CC6B1C-830B-46D8-3CE1-3BD47A128A9C}"/>
+              </a:ext>
+            </a:extLst>
+          </p:cNvPr>
+          <p:cNvSpPr>
+            <a:spLocks noGrp="1"/>
+          </p:cNvSpPr>
+          <p:nvPr>
+            <p:ph type="ftr" sz="quarter" idx="11"/>
+          </p:nvPr>
+        </p:nvSpPr>
+        <p:spPr/>
+        <p:txBody>
+          <a:bodyPr/>
+          <a:lstStyle/>
+          <a:p>
+            <a:endParaRPr lang="es-CO"/>
+          </a:p>
+        </p:txBody>
+      </p:sp>
+      <p:sp>
+        <p:nvSpPr>
+          <p:cNvPr id="6" name="Marcador de número de diapositiva 5">
+            <a:extLst>
+              <a:ext uri="{FF2B5EF4-FFF2-40B4-BE49-F238E27FC236}">
+                <a16:creationId xmlns:a16="http://schemas.microsoft.com/office/drawing/2014/main" id="{7D0A4367-6DE4-8044-5288-54AE0791AF30}"/>
+              </a:ext>
+            </a:extLst>
+          </p:cNvPr>
+          <p:cNvSpPr>
+            <a:spLocks noGrp="1"/>
+          </p:cNvSpPr>
+          <p:nvPr>
+            <p:ph type="sldNum" sz="quarter" idx="12"/>
+          </p:nvPr>
+        </p:nvSpPr>
+        <p:spPr/>
+        <p:txBody>
+          <a:bodyPr/>
+          <a:lstStyle/>
+          <a:p>
+            <a:fld id="{AF371FB5-FFE7-4195-B64C-1112C38C2E11}" type="slidenum">
+              <a:rPr lang="es-CO" smtClean="0"/>
+              <a:t>‹Nº›</a:t>
+            </a:fld>
+            <a:endParaRPr lang="es-CO"/>
+          </a:p>
+        </p:txBody>
+      </p:sp>
+    </p:spTree>
+    <p:extLst>
+      <p:ext uri="{BB962C8B-B14F-4D97-AF65-F5344CB8AC3E}">
+        <p14:creationId xmlns:p14="http://schemas.microsoft.com/office/powerpoint/2010/main" val="1110409929"/>
+      </p:ext>
+    </p:extLst>
+  </p:cSld>
+  <p:clrMapOvr>
+    <a:masterClrMapping/>
+  </p:clrMapOvr>
+</p:sldLayout>
+</file>
+
+<file path=ppt/slideLayouts/slideLayout22.xml><?xml version="1.0" encoding="utf-8"?>
+<p:sldLayout xmlns:a="http://schemas.openxmlformats.org/drawingml/2006/main" xmlns:r="http://schemas.openxmlformats.org/officeDocument/2006/relationships" xmlns:p="http://schemas.openxmlformats.org/presentationml/2006/main" type="blank" preserve="1">
+  <p:cSld name="Logo">
+    <p:bg>
+      <p:bgRef idx="1001">
+        <a:schemeClr val="bg1"/>
+      </p:bgRef>
+    </p:bg>
+    <p:spTree>
+      <p:nvGrpSpPr>
+        <p:cNvPr id="1" name=""/>
+        <p:cNvGrpSpPr/>
+        <p:nvPr/>
+      </p:nvGrpSpPr>
+      <p:grpSpPr>
+        <a:xfrm>
+          <a:off x="0" y="0"/>
+          <a:ext cx="0" cy="0"/>
+          <a:chOff x="0" y="0"/>
+          <a:chExt cx="0" cy="0"/>
+        </a:xfrm>
+      </p:grpSpPr>
+      <p:sp>
+        <p:nvSpPr>
+          <p:cNvPr id="2" name="Marcador de fecha 1">
+            <a:extLst>
+              <a:ext uri="{FF2B5EF4-FFF2-40B4-BE49-F238E27FC236}">
+                <a16:creationId xmlns:a16="http://schemas.microsoft.com/office/drawing/2014/main" id="{482C2720-CEBC-929F-9C64-6D60EF5C97C1}"/>
+              </a:ext>
+            </a:extLst>
+          </p:cNvPr>
+          <p:cNvSpPr>
+            <a:spLocks noGrp="1"/>
+          </p:cNvSpPr>
+          <p:nvPr>
+            <p:ph type="dt" sz="half" idx="10"/>
+          </p:nvPr>
+        </p:nvSpPr>
+        <p:spPr/>
+        <p:txBody>
+          <a:bodyPr/>
+          <a:lstStyle/>
+          <a:p>
+            <a:fld id="{04487210-C3B0-44AB-9478-8E13CD145314}" type="datetimeFigureOut">
+              <a:rPr lang="es-CO" smtClean="0"/>
+              <a:t>17/10/2024</a:t>
+            </a:fld>
+            <a:endParaRPr lang="es-CO"/>
+          </a:p>
+        </p:txBody>
+      </p:sp>
+      <p:sp>
+        <p:nvSpPr>
+          <p:cNvPr id="3" name="Marcador de pie de página 2">
+            <a:extLst>
+              <a:ext uri="{FF2B5EF4-FFF2-40B4-BE49-F238E27FC236}">
+                <a16:creationId xmlns:a16="http://schemas.microsoft.com/office/drawing/2014/main" id="{4BAA3A89-32E1-FD7C-D2FA-1496B13B5EFB}"/>
+              </a:ext>
+            </a:extLst>
+          </p:cNvPr>
+          <p:cNvSpPr>
+            <a:spLocks noGrp="1"/>
+          </p:cNvSpPr>
+          <p:nvPr>
+            <p:ph type="ftr" sz="quarter" idx="11"/>
+          </p:nvPr>
+        </p:nvSpPr>
+        <p:spPr/>
+        <p:txBody>
+          <a:bodyPr/>
+          <a:lstStyle/>
+          <a:p>
+            <a:endParaRPr lang="es-CO"/>
+          </a:p>
+        </p:txBody>
+      </p:sp>
+      <p:sp>
+        <p:nvSpPr>
+          <p:cNvPr id="4" name="Marcador de número de diapositiva 3">
+            <a:extLst>
+              <a:ext uri="{FF2B5EF4-FFF2-40B4-BE49-F238E27FC236}">
+                <a16:creationId xmlns:a16="http://schemas.microsoft.com/office/drawing/2014/main" id="{026B4A17-443C-8FC4-A5C6-5DD00D5C35BC}"/>
+              </a:ext>
+            </a:extLst>
+          </p:cNvPr>
+          <p:cNvSpPr>
+            <a:spLocks noGrp="1"/>
+          </p:cNvSpPr>
+          <p:nvPr>
+            <p:ph type="sldNum" sz="quarter" idx="12"/>
+          </p:nvPr>
+        </p:nvSpPr>
+        <p:spPr/>
+        <p:txBody>
+          <a:bodyPr/>
+          <a:lstStyle/>
+          <a:p>
+            <a:fld id="{AF371FB5-FFE7-4195-B64C-1112C38C2E11}" type="slidenum">
+              <a:rPr lang="es-CO" smtClean="0"/>
+              <a:t>‹Nº›</a:t>
+            </a:fld>
+            <a:endParaRPr lang="es-CO"/>
+          </a:p>
+        </p:txBody>
+      </p:sp>
+      <p:pic>
+        <p:nvPicPr>
+          <p:cNvPr id="7" name="Imagen 6" descr="Logotipo&#10;&#10;Descripción generada automáticamente con confianza media">
+            <a:extLst>
+              <a:ext uri="{FF2B5EF4-FFF2-40B4-BE49-F238E27FC236}">
+                <a16:creationId xmlns:a16="http://schemas.microsoft.com/office/drawing/2014/main" id="{01972F2D-6B11-8131-7C63-7079496BB28D}"/>
+              </a:ext>
+            </a:extLst>
+          </p:cNvPr>
+          <p:cNvPicPr>
+            <a:picLocks noChangeAspect="1"/>
+          </p:cNvPicPr>
+          <p:nvPr userDrawn="1"/>
+        </p:nvPicPr>
+        <p:blipFill>
+          <a:blip r:embed="rId2">
+            <a:alphaModFix/>
+            <a:extLst>
+              <a:ext uri="{28A0092B-C50C-407E-A947-70E740481C1C}">
+                <a14:useLocalDpi xmlns:a14="http://schemas.microsoft.com/office/drawing/2010/main" val="0"/>
+              </a:ext>
+            </a:extLst>
+          </a:blip>
+          <a:stretch>
+            <a:fillRect/>
+          </a:stretch>
+        </p:blipFill>
+        <p:spPr>
+          <a:xfrm>
+            <a:off x="1811427" y="2436783"/>
+            <a:ext cx="8569146" cy="1984434"/>
+          </a:xfrm>
+          <a:prstGeom prst="rect">
+            <a:avLst/>
+          </a:prstGeom>
+          <a:effectLst>
+            <a:outerShdw blurRad="50800" dist="38100" dir="10800000" algn="r" rotWithShape="0">
+              <a:prstClr val="black">
+                <a:alpha val="48000"/>
+              </a:prstClr>
+            </a:outerShdw>
+          </a:effectLst>
+        </p:spPr>
+      </p:pic>
+      <p:pic>
+        <p:nvPicPr>
+          <p:cNvPr id="9" name="Imagen 8" descr="Interfaz de usuario gráfica&#10;&#10;Descripción generada automáticamente con confianza media">
+            <a:extLst>
+              <a:ext uri="{FF2B5EF4-FFF2-40B4-BE49-F238E27FC236}">
+                <a16:creationId xmlns:a16="http://schemas.microsoft.com/office/drawing/2014/main" id="{329A3275-ADBD-3BB8-95EB-E10EBE4D4562}"/>
+              </a:ext>
+            </a:extLst>
+          </p:cNvPr>
+          <p:cNvPicPr>
+            <a:picLocks noChangeAspect="1"/>
+          </p:cNvPicPr>
+          <p:nvPr userDrawn="1"/>
+        </p:nvPicPr>
+        <p:blipFill>
+          <a:blip r:embed="rId3">
+            <a:extLst>
+              <a:ext uri="{28A0092B-C50C-407E-A947-70E740481C1C}">
+                <a14:useLocalDpi xmlns:a14="http://schemas.microsoft.com/office/drawing/2010/main" val="0"/>
+              </a:ext>
+            </a:extLst>
+          </a:blip>
+          <a:srcRect l="50726" b="68172"/>
+          <a:stretch/>
+        </p:blipFill>
+        <p:spPr>
+          <a:xfrm>
+            <a:off x="6184491" y="0"/>
+            <a:ext cx="6007509" cy="2182761"/>
+          </a:xfrm>
+          <a:prstGeom prst="rect">
+            <a:avLst/>
+          </a:prstGeom>
+        </p:spPr>
+      </p:pic>
+      <p:pic>
+        <p:nvPicPr>
+          <p:cNvPr id="10" name="Imagen 9" descr="Interfaz de usuario gráfica&#10;&#10;Descripción generada automáticamente con confianza media">
+            <a:extLst>
+              <a:ext uri="{FF2B5EF4-FFF2-40B4-BE49-F238E27FC236}">
+                <a16:creationId xmlns:a16="http://schemas.microsoft.com/office/drawing/2014/main" id="{266A6623-0C25-4824-4D7C-1DCB30864CF1}"/>
+              </a:ext>
+            </a:extLst>
+          </p:cNvPr>
+          <p:cNvPicPr>
+            <a:picLocks noChangeAspect="1"/>
+          </p:cNvPicPr>
+          <p:nvPr userDrawn="1"/>
+        </p:nvPicPr>
+        <p:blipFill>
+          <a:blip r:embed="rId3">
+            <a:extLst>
+              <a:ext uri="{28A0092B-C50C-407E-A947-70E740481C1C}">
+                <a14:useLocalDpi xmlns:a14="http://schemas.microsoft.com/office/drawing/2010/main" val="0"/>
+              </a:ext>
+            </a:extLst>
+          </a:blip>
+          <a:srcRect l="50726" b="68172"/>
+          <a:stretch/>
+        </p:blipFill>
+        <p:spPr>
+          <a:xfrm flipH="1">
+            <a:off x="0" y="0"/>
+            <a:ext cx="6184491" cy="2182761"/>
+          </a:xfrm>
+          <a:prstGeom prst="rect">
+            <a:avLst/>
+          </a:prstGeom>
+        </p:spPr>
+      </p:pic>
+      <p:pic>
+        <p:nvPicPr>
+          <p:cNvPr id="11" name="Imagen 10" descr="Interfaz de usuario gráfica&#10;&#10;Descripción generada automáticamente con confianza media">
+            <a:extLst>
+              <a:ext uri="{FF2B5EF4-FFF2-40B4-BE49-F238E27FC236}">
+                <a16:creationId xmlns:a16="http://schemas.microsoft.com/office/drawing/2014/main" id="{3F9DC41B-0924-DBD3-85D1-7321A981947F}"/>
+              </a:ext>
+            </a:extLst>
+          </p:cNvPr>
+          <p:cNvPicPr>
+            <a:picLocks noChangeAspect="1"/>
+          </p:cNvPicPr>
+          <p:nvPr userDrawn="1"/>
+        </p:nvPicPr>
+        <p:blipFill>
+          <a:blip r:embed="rId3">
+            <a:extLst>
+              <a:ext uri="{28A0092B-C50C-407E-A947-70E740481C1C}">
+                <a14:useLocalDpi xmlns:a14="http://schemas.microsoft.com/office/drawing/2010/main" val="0"/>
+              </a:ext>
+            </a:extLst>
+          </a:blip>
+          <a:srcRect l="50726" b="68172"/>
+          <a:stretch/>
+        </p:blipFill>
+        <p:spPr>
+          <a:xfrm rot="10800000">
+            <a:off x="6184491" y="4675239"/>
+            <a:ext cx="6007509" cy="2182761"/>
+          </a:xfrm>
+          <a:prstGeom prst="rect">
+            <a:avLst/>
+          </a:prstGeom>
+        </p:spPr>
+      </p:pic>
+      <p:pic>
+        <p:nvPicPr>
+          <p:cNvPr id="12" name="Imagen 11" descr="Interfaz de usuario gráfica&#10;&#10;Descripción generada automáticamente con confianza media">
+            <a:extLst>
+              <a:ext uri="{FF2B5EF4-FFF2-40B4-BE49-F238E27FC236}">
+                <a16:creationId xmlns:a16="http://schemas.microsoft.com/office/drawing/2014/main" id="{832E9735-93F5-D78E-9C91-51D70D5986D9}"/>
+              </a:ext>
+            </a:extLst>
+          </p:cNvPr>
+          <p:cNvPicPr>
+            <a:picLocks noChangeAspect="1"/>
+          </p:cNvPicPr>
+          <p:nvPr userDrawn="1"/>
+        </p:nvPicPr>
+        <p:blipFill>
+          <a:blip r:embed="rId3">
+            <a:extLst>
+              <a:ext uri="{28A0092B-C50C-407E-A947-70E740481C1C}">
+                <a14:useLocalDpi xmlns:a14="http://schemas.microsoft.com/office/drawing/2010/main" val="0"/>
+              </a:ext>
+            </a:extLst>
+          </a:blip>
+          <a:srcRect l="50726" b="68172"/>
+          <a:stretch/>
+        </p:blipFill>
+        <p:spPr>
+          <a:xfrm rot="10800000" flipH="1">
+            <a:off x="0" y="4675239"/>
+            <a:ext cx="6184491" cy="2182761"/>
+          </a:xfrm>
+          <a:prstGeom prst="rect">
+            <a:avLst/>
+          </a:prstGeom>
+        </p:spPr>
+      </p:pic>
+    </p:spTree>
+    <p:extLst>
+      <p:ext uri="{BB962C8B-B14F-4D97-AF65-F5344CB8AC3E}">
+        <p14:creationId xmlns:p14="http://schemas.microsoft.com/office/powerpoint/2010/main" val="1953686111"/>
+      </p:ext>
+    </p:extLst>
+  </p:cSld>
+  <p:clrMapOvr>
+    <a:overrideClrMapping bg1="lt1" tx1="dk1" bg2="lt2" tx2="dk2" accent1="accent1" accent2="accent2" accent3="accent3" accent4="accent4" accent5="accent5" accent6="accent6" hlink="hlink" folHlink="folHlink"/>
   </p:clrMapOvr>
 </p:sldLayout>
 </file>
@@ -4464,7 +7581,7 @@
           <a:p>
             <a:fld id="{E94D2546-A383-4A30-90D5-987814BFF6D6}" type="datetimeFigureOut">
               <a:rPr lang="es-CO" smtClean="0"/>
-              <a:t>15/10/2024</a:t>
+              <a:t>17/10/2024</a:t>
             </a:fld>
             <a:endParaRPr lang="es-CO"/>
           </a:p>
@@ -4732,7 +7849,7 @@
           <a:p>
             <a:fld id="{E94D2546-A383-4A30-90D5-987814BFF6D6}" type="datetimeFigureOut">
               <a:rPr lang="es-CO" smtClean="0"/>
-              <a:t>15/10/2024</a:t>
+              <a:t>17/10/2024</a:t>
             </a:fld>
             <a:endParaRPr lang="es-CO"/>
           </a:p>
@@ -5147,7 +8264,7 @@
           <a:p>
             <a:fld id="{E94D2546-A383-4A30-90D5-987814BFF6D6}" type="datetimeFigureOut">
               <a:rPr lang="es-CO" smtClean="0"/>
-              <a:t>15/10/2024</a:t>
+              <a:t>17/10/2024</a:t>
             </a:fld>
             <a:endParaRPr lang="es-CO"/>
           </a:p>
@@ -5289,7 +8406,7 @@
           <a:p>
             <a:fld id="{E94D2546-A383-4A30-90D5-987814BFF6D6}" type="datetimeFigureOut">
               <a:rPr lang="es-CO" smtClean="0"/>
-              <a:t>15/10/2024</a:t>
+              <a:t>17/10/2024</a:t>
             </a:fld>
             <a:endParaRPr lang="es-CO"/>
           </a:p>
@@ -5402,7 +8519,7 @@
           <a:p>
             <a:fld id="{E94D2546-A383-4A30-90D5-987814BFF6D6}" type="datetimeFigureOut">
               <a:rPr lang="es-CO" smtClean="0"/>
-              <a:t>15/10/2024</a:t>
+              <a:t>17/10/2024</a:t>
             </a:fld>
             <a:endParaRPr lang="es-CO"/>
           </a:p>
@@ -5715,7 +8832,7 @@
           <a:p>
             <a:fld id="{E94D2546-A383-4A30-90D5-987814BFF6D6}" type="datetimeFigureOut">
               <a:rPr lang="es-CO" smtClean="0"/>
-              <a:t>15/10/2024</a:t>
+              <a:t>17/10/2024</a:t>
             </a:fld>
             <a:endParaRPr lang="es-CO"/>
           </a:p>
@@ -6004,7 +9121,7 @@
           <a:p>
             <a:fld id="{E94D2546-A383-4A30-90D5-987814BFF6D6}" type="datetimeFigureOut">
               <a:rPr lang="es-CO" smtClean="0"/>
-              <a:t>15/10/2024</a:t>
+              <a:t>17/10/2024</a:t>
             </a:fld>
             <a:endParaRPr lang="es-CO"/>
           </a:p>
@@ -6247,7 +9364,7 @@
           <a:p>
             <a:fld id="{E94D2546-A383-4A30-90D5-987814BFF6D6}" type="datetimeFigureOut">
               <a:rPr lang="es-CO" smtClean="0"/>
-              <a:t>15/10/2024</a:t>
+              <a:t>17/10/2024</a:t>
             </a:fld>
             <a:endParaRPr lang="es-CO"/>
           </a:p>
@@ -6647,6 +9764,611 @@
 </p:sldMaster>
 </file>
 
+<file path=ppt/slideMasters/slideMaster2.xml><?xml version="1.0" encoding="utf-8"?>
+<p:sldMaster xmlns:a="http://schemas.openxmlformats.org/drawingml/2006/main" xmlns:r="http://schemas.openxmlformats.org/officeDocument/2006/relationships" xmlns:p="http://schemas.openxmlformats.org/presentationml/2006/main">
+  <p:cSld>
+    <p:bg>
+      <p:bgPr>
+        <a:blipFill dpi="0" rotWithShape="1">
+          <a:blip r:embed="rId13">
+            <a:alphaModFix amt="78000"/>
+            <a:lum/>
+          </a:blip>
+          <a:srcRect/>
+          <a:stretch>
+            <a:fillRect/>
+          </a:stretch>
+        </a:blipFill>
+        <a:effectLst/>
+      </p:bgPr>
+    </p:bg>
+    <p:spTree>
+      <p:nvGrpSpPr>
+        <p:cNvPr id="1" name=""/>
+        <p:cNvGrpSpPr/>
+        <p:nvPr/>
+      </p:nvGrpSpPr>
+      <p:grpSpPr>
+        <a:xfrm>
+          <a:off x="0" y="0"/>
+          <a:ext cx="0" cy="0"/>
+          <a:chOff x="0" y="0"/>
+          <a:chExt cx="0" cy="0"/>
+        </a:xfrm>
+      </p:grpSpPr>
+      <p:sp>
+        <p:nvSpPr>
+          <p:cNvPr id="2" name="Marcador de título 1">
+            <a:extLst>
+              <a:ext uri="{FF2B5EF4-FFF2-40B4-BE49-F238E27FC236}">
+                <a16:creationId xmlns:a16="http://schemas.microsoft.com/office/drawing/2014/main" id="{2611A209-C42E-B714-A03D-5AE9389F9657}"/>
+              </a:ext>
+            </a:extLst>
+          </p:cNvPr>
+          <p:cNvSpPr>
+            <a:spLocks noGrp="1"/>
+          </p:cNvSpPr>
+          <p:nvPr>
+            <p:ph type="title"/>
+          </p:nvPr>
+        </p:nvSpPr>
+        <p:spPr>
+          <a:xfrm>
+            <a:off x="838200" y="424119"/>
+            <a:ext cx="10515600" cy="1080217"/>
+          </a:xfrm>
+          <a:prstGeom prst="rect">
+            <a:avLst/>
+          </a:prstGeom>
+          <a:solidFill>
+            <a:srgbClr val="FFFFFF">
+              <a:alpha val="68000"/>
+            </a:srgbClr>
+          </a:solidFill>
+          <a:ln w="28575" cmpd="thickThin">
+            <a:solidFill>
+              <a:schemeClr val="accent3">
+                <a:alpha val="36000"/>
+              </a:schemeClr>
+            </a:solidFill>
+          </a:ln>
+        </p:spPr>
+        <p:txBody>
+          <a:bodyPr vert="horz" lIns="91440" tIns="45720" rIns="91440" bIns="45720" rtlCol="0" anchor="ctr">
+            <a:normAutofit/>
+          </a:bodyPr>
+          <a:lstStyle/>
+          <a:p>
+            <a:r>
+              <a:rPr lang="es-ES" dirty="0"/>
+              <a:t>Haga clic para modificar el estilo de título del patrón</a:t>
+            </a:r>
+            <a:endParaRPr lang="es-CO" dirty="0"/>
+          </a:p>
+        </p:txBody>
+      </p:sp>
+      <p:sp>
+        <p:nvSpPr>
+          <p:cNvPr id="3" name="Marcador de texto 2">
+            <a:extLst>
+              <a:ext uri="{FF2B5EF4-FFF2-40B4-BE49-F238E27FC236}">
+                <a16:creationId xmlns:a16="http://schemas.microsoft.com/office/drawing/2014/main" id="{A9C0A36D-EF5A-5E93-A124-AA7D2923A04A}"/>
+              </a:ext>
+            </a:extLst>
+          </p:cNvPr>
+          <p:cNvSpPr>
+            <a:spLocks noGrp="1"/>
+          </p:cNvSpPr>
+          <p:nvPr>
+            <p:ph type="body" idx="1"/>
+          </p:nvPr>
+        </p:nvSpPr>
+        <p:spPr>
+          <a:xfrm>
+            <a:off x="835742" y="1864954"/>
+            <a:ext cx="10515600" cy="4351338"/>
+          </a:xfrm>
+          <a:prstGeom prst="rect">
+            <a:avLst/>
+          </a:prstGeom>
+          <a:solidFill>
+            <a:srgbClr val="FFFFFF">
+              <a:alpha val="83000"/>
+            </a:srgbClr>
+          </a:solidFill>
+          <a:ln w="15875" cap="sq">
+            <a:solidFill>
+              <a:schemeClr val="accent1">
+                <a:alpha val="31000"/>
+              </a:schemeClr>
+            </a:solidFill>
+            <a:prstDash val="solid"/>
+          </a:ln>
+        </p:spPr>
+        <p:txBody>
+          <a:bodyPr vert="horz" lIns="91440" tIns="45720" rIns="91440" bIns="45720" rtlCol="0">
+            <a:normAutofit/>
+          </a:bodyPr>
+          <a:lstStyle/>
+          <a:p>
+            <a:pPr lvl="0"/>
+            <a:r>
+              <a:rPr lang="es-ES" dirty="0"/>
+              <a:t>Haga clic para modificar los estilos de texto del patrón</a:t>
+            </a:r>
+          </a:p>
+          <a:p>
+            <a:pPr lvl="1"/>
+            <a:r>
+              <a:rPr lang="es-ES" dirty="0"/>
+              <a:t>Segundo nivel</a:t>
+            </a:r>
+          </a:p>
+          <a:p>
+            <a:pPr lvl="2"/>
+            <a:r>
+              <a:rPr lang="es-ES" dirty="0"/>
+              <a:t>Tercer nivel</a:t>
+            </a:r>
+          </a:p>
+          <a:p>
+            <a:pPr lvl="3"/>
+            <a:r>
+              <a:rPr lang="es-ES" dirty="0"/>
+              <a:t>Cuarto nivel</a:t>
+            </a:r>
+          </a:p>
+          <a:p>
+            <a:pPr lvl="4"/>
+            <a:r>
+              <a:rPr lang="es-ES" dirty="0"/>
+              <a:t>Quinto nivel</a:t>
+            </a:r>
+            <a:endParaRPr lang="es-CO" dirty="0"/>
+          </a:p>
+        </p:txBody>
+      </p:sp>
+      <p:sp>
+        <p:nvSpPr>
+          <p:cNvPr id="4" name="Marcador de fecha 3">
+            <a:extLst>
+              <a:ext uri="{FF2B5EF4-FFF2-40B4-BE49-F238E27FC236}">
+                <a16:creationId xmlns:a16="http://schemas.microsoft.com/office/drawing/2014/main" id="{26538F48-2C64-DF3A-43C6-AD0E3D03F8C2}"/>
+              </a:ext>
+            </a:extLst>
+          </p:cNvPr>
+          <p:cNvSpPr>
+            <a:spLocks noGrp="1"/>
+          </p:cNvSpPr>
+          <p:nvPr>
+            <p:ph type="dt" sz="half" idx="2"/>
+          </p:nvPr>
+        </p:nvSpPr>
+        <p:spPr>
+          <a:xfrm>
+            <a:off x="838200" y="6356350"/>
+            <a:ext cx="2743200" cy="365125"/>
+          </a:xfrm>
+          <a:prstGeom prst="rect">
+            <a:avLst/>
+          </a:prstGeom>
+        </p:spPr>
+        <p:txBody>
+          <a:bodyPr vert="horz" lIns="91440" tIns="45720" rIns="91440" bIns="45720" rtlCol="0" anchor="ctr"/>
+          <a:lstStyle>
+            <a:lvl1pPr algn="l">
+              <a:defRPr sz="1200">
+                <a:solidFill>
+                  <a:schemeClr val="tx1">
+                    <a:tint val="82000"/>
+                  </a:schemeClr>
+                </a:solidFill>
+              </a:defRPr>
+            </a:lvl1pPr>
+          </a:lstStyle>
+          <a:p>
+            <a:fld id="{04487210-C3B0-44AB-9478-8E13CD145314}" type="datetimeFigureOut">
+              <a:rPr lang="es-CO" smtClean="0"/>
+              <a:t>17/10/2024</a:t>
+            </a:fld>
+            <a:endParaRPr lang="es-CO"/>
+          </a:p>
+        </p:txBody>
+      </p:sp>
+      <p:sp>
+        <p:nvSpPr>
+          <p:cNvPr id="5" name="Marcador de pie de página 4">
+            <a:extLst>
+              <a:ext uri="{FF2B5EF4-FFF2-40B4-BE49-F238E27FC236}">
+                <a16:creationId xmlns:a16="http://schemas.microsoft.com/office/drawing/2014/main" id="{70676324-8AD7-CC9A-0DE6-FE65E29E1F00}"/>
+              </a:ext>
+            </a:extLst>
+          </p:cNvPr>
+          <p:cNvSpPr>
+            <a:spLocks noGrp="1"/>
+          </p:cNvSpPr>
+          <p:nvPr>
+            <p:ph type="ftr" sz="quarter" idx="3"/>
+          </p:nvPr>
+        </p:nvSpPr>
+        <p:spPr>
+          <a:xfrm>
+            <a:off x="4038600" y="6356350"/>
+            <a:ext cx="4114800" cy="365125"/>
+          </a:xfrm>
+          <a:prstGeom prst="rect">
+            <a:avLst/>
+          </a:prstGeom>
+        </p:spPr>
+        <p:txBody>
+          <a:bodyPr vert="horz" lIns="91440" tIns="45720" rIns="91440" bIns="45720" rtlCol="0" anchor="ctr"/>
+          <a:lstStyle>
+            <a:lvl1pPr algn="ctr">
+              <a:defRPr sz="1200">
+                <a:solidFill>
+                  <a:schemeClr val="tx1">
+                    <a:tint val="82000"/>
+                  </a:schemeClr>
+                </a:solidFill>
+              </a:defRPr>
+            </a:lvl1pPr>
+          </a:lstStyle>
+          <a:p>
+            <a:endParaRPr lang="es-CO" dirty="0"/>
+          </a:p>
+        </p:txBody>
+      </p:sp>
+      <p:sp>
+        <p:nvSpPr>
+          <p:cNvPr id="6" name="Marcador de número de diapositiva 5">
+            <a:extLst>
+              <a:ext uri="{FF2B5EF4-FFF2-40B4-BE49-F238E27FC236}">
+                <a16:creationId xmlns:a16="http://schemas.microsoft.com/office/drawing/2014/main" id="{B93C38A2-47AA-47EE-2AC2-39AA5B4CE696}"/>
+              </a:ext>
+            </a:extLst>
+          </p:cNvPr>
+          <p:cNvSpPr>
+            <a:spLocks noGrp="1"/>
+          </p:cNvSpPr>
+          <p:nvPr>
+            <p:ph type="sldNum" sz="quarter" idx="4"/>
+          </p:nvPr>
+        </p:nvSpPr>
+        <p:spPr>
+          <a:xfrm>
+            <a:off x="8610600" y="6356350"/>
+            <a:ext cx="2743200" cy="365125"/>
+          </a:xfrm>
+          <a:prstGeom prst="rect">
+            <a:avLst/>
+          </a:prstGeom>
+        </p:spPr>
+        <p:txBody>
+          <a:bodyPr vert="horz" lIns="91440" tIns="45720" rIns="91440" bIns="45720" rtlCol="0" anchor="ctr"/>
+          <a:lstStyle>
+            <a:lvl1pPr algn="r">
+              <a:defRPr sz="1200">
+                <a:solidFill>
+                  <a:schemeClr val="tx1">
+                    <a:tint val="82000"/>
+                  </a:schemeClr>
+                </a:solidFill>
+              </a:defRPr>
+            </a:lvl1pPr>
+          </a:lstStyle>
+          <a:p>
+            <a:fld id="{AF371FB5-FFE7-4195-B64C-1112C38C2E11}" type="slidenum">
+              <a:rPr lang="es-CO" smtClean="0"/>
+              <a:t>‹Nº›</a:t>
+            </a:fld>
+            <a:endParaRPr lang="es-CO"/>
+          </a:p>
+        </p:txBody>
+      </p:sp>
+    </p:spTree>
+    <p:extLst>
+      <p:ext uri="{BB962C8B-B14F-4D97-AF65-F5344CB8AC3E}">
+        <p14:creationId xmlns:p14="http://schemas.microsoft.com/office/powerpoint/2010/main" val="2088693832"/>
+      </p:ext>
+    </p:extLst>
+  </p:cSld>
+  <p:clrMap bg1="lt1" tx1="dk1" bg2="lt2" tx2="dk2" accent1="accent1" accent2="accent2" accent3="accent3" accent4="accent4" accent5="accent5" accent6="accent6" hlink="hlink" folHlink="folHlink"/>
+  <p:sldLayoutIdLst>
+    <p:sldLayoutId id="2147483661" r:id="rId1"/>
+    <p:sldLayoutId id="2147483662" r:id="rId2"/>
+    <p:sldLayoutId id="2147483663" r:id="rId3"/>
+    <p:sldLayoutId id="2147483664" r:id="rId4"/>
+    <p:sldLayoutId id="2147483665" r:id="rId5"/>
+    <p:sldLayoutId id="2147483666" r:id="rId6"/>
+    <p:sldLayoutId id="2147483667" r:id="rId7"/>
+    <p:sldLayoutId id="2147483668" r:id="rId8"/>
+    <p:sldLayoutId id="2147483669" r:id="rId9"/>
+    <p:sldLayoutId id="2147483670" r:id="rId10"/>
+    <p:sldLayoutId id="2147483671" r:id="rId11"/>
+  </p:sldLayoutIdLst>
+  <p:txStyles>
+    <p:titleStyle>
+      <a:lvl1pPr algn="l" defTabSz="914400" rtl="0" eaLnBrk="1" latinLnBrk="0" hangingPunct="1">
+        <a:lnSpc>
+          <a:spcPct val="90000"/>
+        </a:lnSpc>
+        <a:spcBef>
+          <a:spcPct val="0"/>
+        </a:spcBef>
+        <a:buNone/>
+        <a:defRPr sz="3600" b="1" kern="1200">
+          <a:solidFill>
+            <a:schemeClr val="tx1"/>
+          </a:solidFill>
+          <a:latin typeface="+mj-lt"/>
+          <a:ea typeface="+mj-ea"/>
+          <a:cs typeface="+mj-cs"/>
+        </a:defRPr>
+      </a:lvl1pPr>
+    </p:titleStyle>
+    <p:bodyStyle>
+      <a:lvl1pPr marL="228600" indent="-228600" algn="l" defTabSz="914400" rtl="0" eaLnBrk="1" latinLnBrk="0" hangingPunct="1">
+        <a:lnSpc>
+          <a:spcPct val="90000"/>
+        </a:lnSpc>
+        <a:spcBef>
+          <a:spcPts val="1000"/>
+        </a:spcBef>
+        <a:buFont typeface="Arial" panose="020B0604020202020204" pitchFamily="34" charset="0"/>
+        <a:buChar char="•"/>
+        <a:defRPr sz="2800" kern="1200">
+          <a:solidFill>
+            <a:schemeClr val="tx1"/>
+          </a:solidFill>
+          <a:latin typeface="+mn-lt"/>
+          <a:ea typeface="+mn-ea"/>
+          <a:cs typeface="+mn-cs"/>
+        </a:defRPr>
+      </a:lvl1pPr>
+      <a:lvl2pPr marL="541338" indent="-276225" algn="l" defTabSz="914400" rtl="0" eaLnBrk="1" latinLnBrk="0" hangingPunct="1">
+        <a:lnSpc>
+          <a:spcPct val="90000"/>
+        </a:lnSpc>
+        <a:spcBef>
+          <a:spcPts val="500"/>
+        </a:spcBef>
+        <a:buFont typeface="Arial" panose="020B0604020202020204" pitchFamily="34" charset="0"/>
+        <a:buChar char="•"/>
+        <a:defRPr sz="2400" kern="1200">
+          <a:solidFill>
+            <a:schemeClr val="tx1"/>
+          </a:solidFill>
+          <a:latin typeface="+mn-lt"/>
+          <a:ea typeface="+mn-ea"/>
+          <a:cs typeface="+mn-cs"/>
+        </a:defRPr>
+      </a:lvl2pPr>
+      <a:lvl3pPr marL="806450" indent="-265113" algn="l" defTabSz="914400" rtl="0" eaLnBrk="1" latinLnBrk="0" hangingPunct="1">
+        <a:lnSpc>
+          <a:spcPct val="90000"/>
+        </a:lnSpc>
+        <a:spcBef>
+          <a:spcPts val="500"/>
+        </a:spcBef>
+        <a:buFont typeface="Arial" panose="020B0604020202020204" pitchFamily="34" charset="0"/>
+        <a:buChar char="•"/>
+        <a:defRPr sz="2000" kern="1200">
+          <a:solidFill>
+            <a:schemeClr val="tx1"/>
+          </a:solidFill>
+          <a:latin typeface="+mn-lt"/>
+          <a:ea typeface="+mn-ea"/>
+          <a:cs typeface="+mn-cs"/>
+        </a:defRPr>
+      </a:lvl3pPr>
+      <a:lvl4pPr marL="806450" indent="265113" algn="l" defTabSz="914400" rtl="0" eaLnBrk="1" latinLnBrk="0" hangingPunct="1">
+        <a:lnSpc>
+          <a:spcPct val="90000"/>
+        </a:lnSpc>
+        <a:spcBef>
+          <a:spcPts val="500"/>
+        </a:spcBef>
+        <a:buFont typeface="Arial" panose="020B0604020202020204" pitchFamily="34" charset="0"/>
+        <a:buChar char="•"/>
+        <a:defRPr sz="1800" kern="1200">
+          <a:solidFill>
+            <a:schemeClr val="tx1"/>
+          </a:solidFill>
+          <a:latin typeface="+mn-lt"/>
+          <a:ea typeface="+mn-ea"/>
+          <a:cs typeface="+mn-cs"/>
+        </a:defRPr>
+      </a:lvl4pPr>
+      <a:lvl5pPr marL="1347788" indent="-276225" algn="l" defTabSz="914400" rtl="0" eaLnBrk="1" latinLnBrk="0" hangingPunct="1">
+        <a:lnSpc>
+          <a:spcPct val="90000"/>
+        </a:lnSpc>
+        <a:spcBef>
+          <a:spcPts val="500"/>
+        </a:spcBef>
+        <a:buFont typeface="Arial" panose="020B0604020202020204" pitchFamily="34" charset="0"/>
+        <a:buChar char="•"/>
+        <a:defRPr sz="1800" kern="1200">
+          <a:solidFill>
+            <a:schemeClr val="tx1"/>
+          </a:solidFill>
+          <a:latin typeface="+mn-lt"/>
+          <a:ea typeface="+mn-ea"/>
+          <a:cs typeface="+mn-cs"/>
+        </a:defRPr>
+      </a:lvl5pPr>
+      <a:lvl6pPr marL="2514600" indent="-228600" algn="l" defTabSz="914400" rtl="0" eaLnBrk="1" latinLnBrk="0" hangingPunct="1">
+        <a:lnSpc>
+          <a:spcPct val="90000"/>
+        </a:lnSpc>
+        <a:spcBef>
+          <a:spcPts val="500"/>
+        </a:spcBef>
+        <a:buFont typeface="Arial" panose="020B0604020202020204" pitchFamily="34" charset="0"/>
+        <a:buChar char="•"/>
+        <a:defRPr sz="1800" kern="1200">
+          <a:solidFill>
+            <a:schemeClr val="tx1"/>
+          </a:solidFill>
+          <a:latin typeface="+mn-lt"/>
+          <a:ea typeface="+mn-ea"/>
+          <a:cs typeface="+mn-cs"/>
+        </a:defRPr>
+      </a:lvl6pPr>
+      <a:lvl7pPr marL="2971800" indent="-228600" algn="l" defTabSz="914400" rtl="0" eaLnBrk="1" latinLnBrk="0" hangingPunct="1">
+        <a:lnSpc>
+          <a:spcPct val="90000"/>
+        </a:lnSpc>
+        <a:spcBef>
+          <a:spcPts val="500"/>
+        </a:spcBef>
+        <a:buFont typeface="Arial" panose="020B0604020202020204" pitchFamily="34" charset="0"/>
+        <a:buChar char="•"/>
+        <a:defRPr sz="1800" kern="1200">
+          <a:solidFill>
+            <a:schemeClr val="tx1"/>
+          </a:solidFill>
+          <a:latin typeface="+mn-lt"/>
+          <a:ea typeface="+mn-ea"/>
+          <a:cs typeface="+mn-cs"/>
+        </a:defRPr>
+      </a:lvl7pPr>
+      <a:lvl8pPr marL="3429000" indent="-228600" algn="l" defTabSz="914400" rtl="0" eaLnBrk="1" latinLnBrk="0" hangingPunct="1">
+        <a:lnSpc>
+          <a:spcPct val="90000"/>
+        </a:lnSpc>
+        <a:spcBef>
+          <a:spcPts val="500"/>
+        </a:spcBef>
+        <a:buFont typeface="Arial" panose="020B0604020202020204" pitchFamily="34" charset="0"/>
+        <a:buChar char="•"/>
+        <a:defRPr sz="1800" kern="1200">
+          <a:solidFill>
+            <a:schemeClr val="tx1"/>
+          </a:solidFill>
+          <a:latin typeface="+mn-lt"/>
+          <a:ea typeface="+mn-ea"/>
+          <a:cs typeface="+mn-cs"/>
+        </a:defRPr>
+      </a:lvl8pPr>
+      <a:lvl9pPr marL="3886200" indent="-228600" algn="l" defTabSz="914400" rtl="0" eaLnBrk="1" latinLnBrk="0" hangingPunct="1">
+        <a:lnSpc>
+          <a:spcPct val="90000"/>
+        </a:lnSpc>
+        <a:spcBef>
+          <a:spcPts val="500"/>
+        </a:spcBef>
+        <a:buFont typeface="Arial" panose="020B0604020202020204" pitchFamily="34" charset="0"/>
+        <a:buChar char="•"/>
+        <a:defRPr sz="1800" kern="1200">
+          <a:solidFill>
+            <a:schemeClr val="tx1"/>
+          </a:solidFill>
+          <a:latin typeface="+mn-lt"/>
+          <a:ea typeface="+mn-ea"/>
+          <a:cs typeface="+mn-cs"/>
+        </a:defRPr>
+      </a:lvl9pPr>
+    </p:bodyStyle>
+    <p:otherStyle>
+      <a:defPPr>
+        <a:defRPr lang="es-CO"/>
+      </a:defPPr>
+      <a:lvl1pPr marL="0" algn="l" defTabSz="914400" rtl="0" eaLnBrk="1" latinLnBrk="0" hangingPunct="1">
+        <a:defRPr sz="1800" kern="1200">
+          <a:solidFill>
+            <a:schemeClr val="tx1"/>
+          </a:solidFill>
+          <a:latin typeface="+mn-lt"/>
+          <a:ea typeface="+mn-ea"/>
+          <a:cs typeface="+mn-cs"/>
+        </a:defRPr>
+      </a:lvl1pPr>
+      <a:lvl2pPr marL="457200" algn="l" defTabSz="914400" rtl="0" eaLnBrk="1" latinLnBrk="0" hangingPunct="1">
+        <a:defRPr sz="1800" kern="1200">
+          <a:solidFill>
+            <a:schemeClr val="tx1"/>
+          </a:solidFill>
+          <a:latin typeface="+mn-lt"/>
+          <a:ea typeface="+mn-ea"/>
+          <a:cs typeface="+mn-cs"/>
+        </a:defRPr>
+      </a:lvl2pPr>
+      <a:lvl3pPr marL="914400" algn="l" defTabSz="914400" rtl="0" eaLnBrk="1" latinLnBrk="0" hangingPunct="1">
+        <a:defRPr sz="1800" kern="1200">
+          <a:solidFill>
+            <a:schemeClr val="tx1"/>
+          </a:solidFill>
+          <a:latin typeface="+mn-lt"/>
+          <a:ea typeface="+mn-ea"/>
+          <a:cs typeface="+mn-cs"/>
+        </a:defRPr>
+      </a:lvl3pPr>
+      <a:lvl4pPr marL="1371600" algn="l" defTabSz="914400" rtl="0" eaLnBrk="1" latinLnBrk="0" hangingPunct="1">
+        <a:defRPr sz="1800" kern="1200">
+          <a:solidFill>
+            <a:schemeClr val="tx1"/>
+          </a:solidFill>
+          <a:latin typeface="+mn-lt"/>
+          <a:ea typeface="+mn-ea"/>
+          <a:cs typeface="+mn-cs"/>
+        </a:defRPr>
+      </a:lvl4pPr>
+      <a:lvl5pPr marL="1828800" algn="l" defTabSz="914400" rtl="0" eaLnBrk="1" latinLnBrk="0" hangingPunct="1">
+        <a:defRPr sz="1800" kern="1200">
+          <a:solidFill>
+            <a:schemeClr val="tx1"/>
+          </a:solidFill>
+          <a:latin typeface="+mn-lt"/>
+          <a:ea typeface="+mn-ea"/>
+          <a:cs typeface="+mn-cs"/>
+        </a:defRPr>
+      </a:lvl5pPr>
+      <a:lvl6pPr marL="2286000" algn="l" defTabSz="914400" rtl="0" eaLnBrk="1" latinLnBrk="0" hangingPunct="1">
+        <a:defRPr sz="1800" kern="1200">
+          <a:solidFill>
+            <a:schemeClr val="tx1"/>
+          </a:solidFill>
+          <a:latin typeface="+mn-lt"/>
+          <a:ea typeface="+mn-ea"/>
+          <a:cs typeface="+mn-cs"/>
+        </a:defRPr>
+      </a:lvl6pPr>
+      <a:lvl7pPr marL="2743200" algn="l" defTabSz="914400" rtl="0" eaLnBrk="1" latinLnBrk="0" hangingPunct="1">
+        <a:defRPr sz="1800" kern="1200">
+          <a:solidFill>
+            <a:schemeClr val="tx1"/>
+          </a:solidFill>
+          <a:latin typeface="+mn-lt"/>
+          <a:ea typeface="+mn-ea"/>
+          <a:cs typeface="+mn-cs"/>
+        </a:defRPr>
+      </a:lvl7pPr>
+      <a:lvl8pPr marL="3200400" algn="l" defTabSz="914400" rtl="0" eaLnBrk="1" latinLnBrk="0" hangingPunct="1">
+        <a:defRPr sz="1800" kern="1200">
+          <a:solidFill>
+            <a:schemeClr val="tx1"/>
+          </a:solidFill>
+          <a:latin typeface="+mn-lt"/>
+          <a:ea typeface="+mn-ea"/>
+          <a:cs typeface="+mn-cs"/>
+        </a:defRPr>
+      </a:lvl8pPr>
+      <a:lvl9pPr marL="3657600" algn="l" defTabSz="914400" rtl="0" eaLnBrk="1" latinLnBrk="0" hangingPunct="1">
+        <a:defRPr sz="1800" kern="1200">
+          <a:solidFill>
+            <a:schemeClr val="tx1"/>
+          </a:solidFill>
+          <a:latin typeface="+mn-lt"/>
+          <a:ea typeface="+mn-ea"/>
+          <a:cs typeface="+mn-cs"/>
+        </a:defRPr>
+      </a:lvl9pPr>
+    </p:otherStyle>
+  </p:txStyles>
+</p:sldMaster>
+</file>
+
 <file path=ppt/slides/slide1.xml><?xml version="1.0" encoding="utf-8"?>
 <p:sld xmlns:a="http://schemas.openxmlformats.org/drawingml/2006/main" xmlns:r="http://schemas.openxmlformats.org/officeDocument/2006/relationships" xmlns:p="http://schemas.openxmlformats.org/presentationml/2006/main">
   <p:cSld>
@@ -6669,7 +10391,7 @@
           <p:cNvPr id="2" name="Título 1">
             <a:extLst>
               <a:ext uri="{FF2B5EF4-FFF2-40B4-BE49-F238E27FC236}">
-                <a16:creationId xmlns:a16="http://schemas.microsoft.com/office/drawing/2014/main" id="{C498CA99-A3B2-4534-9E99-16128D9695CD}"/>
+                <a16:creationId xmlns:a16="http://schemas.microsoft.com/office/drawing/2014/main" id="{28B813A0-0B9C-48E8-8461-5C291C7CBA06}"/>
               </a:ext>
             </a:extLst>
           </p:cNvPr>
@@ -6680,7 +10402,12 @@
             <p:ph type="ctrTitle"/>
           </p:nvPr>
         </p:nvSpPr>
-        <p:spPr/>
+        <p:spPr>
+          <a:xfrm>
+            <a:off x="1524000" y="2358183"/>
+            <a:ext cx="9144000" cy="2129589"/>
+          </a:xfrm>
+        </p:spPr>
         <p:txBody>
           <a:bodyPr>
             <a:normAutofit/>
@@ -6698,13 +10425,25 @@
     </p:spTree>
     <p:extLst>
       <p:ext uri="{BB962C8B-B14F-4D97-AF65-F5344CB8AC3E}">
-        <p14:creationId xmlns:p14="http://schemas.microsoft.com/office/powerpoint/2010/main" val="3538490648"/>
+        <p14:creationId xmlns:p14="http://schemas.microsoft.com/office/powerpoint/2010/main" val="3228564359"/>
       </p:ext>
     </p:extLst>
   </p:cSld>
   <p:clrMapOvr>
     <a:masterClrMapping/>
   </p:clrMapOvr>
+  <mc:AlternateContent xmlns:mc="http://schemas.openxmlformats.org/markup-compatibility/2006" xmlns:p159="http://schemas.microsoft.com/office/powerpoint/2015/09/main">
+    <mc:Choice Requires="p159">
+      <p:transition>
+        <p159:morph option="byObject"/>
+      </p:transition>
+    </mc:Choice>
+    <mc:Fallback xmlns="">
+      <p:transition>
+        <p:fade/>
+      </p:transition>
+    </mc:Fallback>
+  </mc:AlternateContent>
 </p:sld>
 </file>
 
@@ -6755,10 +10494,14 @@
               <a:buNone/>
             </a:pPr>
             <a:r>
-              <a:rPr lang="es-MX" dirty="0"/>
+              <a:rPr lang="es-MX" dirty="0">
+                <a:latin typeface="+mj-lt"/>
+              </a:rPr>
               <a:t>¿Qué tipo de relación puede existir entre dos variables?</a:t>
             </a:r>
-            <a:endParaRPr lang="es-CO" dirty="0"/>
+            <a:endParaRPr lang="es-CO" dirty="0">
+              <a:latin typeface="+mj-lt"/>
+            </a:endParaRPr>
           </a:p>
         </p:txBody>
       </p:sp>
@@ -6871,7 +10614,12 @@
           <a:p>
             <a:pPr algn="ctr"/>
             <a:r>
-              <a:rPr lang="es-MX" dirty="0"/>
+              <a:rPr lang="es-MX" dirty="0">
+                <a:solidFill>
+                  <a:schemeClr val="tx1"/>
+                </a:solidFill>
+                <a:latin typeface="+mj-lt"/>
+              </a:rPr>
               <a:t>La función de perdida medirá el promedio de la varianza de los puntos a la recta que se haya seleccionado (MSE)</a:t>
             </a:r>
           </a:p>
@@ -6915,7 +10663,7 @@
         </p:blipFill>
         <p:spPr>
           <a:xfrm>
-            <a:off x="9023357" y="2588270"/>
+            <a:off x="9023357" y="2469732"/>
             <a:ext cx="2536184" cy="671506"/>
           </a:xfrm>
           <a:prstGeom prst="rect">
@@ -6945,7 +10693,7 @@
         </p:blipFill>
         <p:spPr>
           <a:xfrm>
-            <a:off x="9320072" y="3324194"/>
+            <a:off x="9320072" y="3205656"/>
             <a:ext cx="1904188" cy="415131"/>
           </a:xfrm>
           <a:prstGeom prst="rect">
@@ -6994,7 +10742,12 @@
           <a:p>
             <a:pPr algn="ctr"/>
             <a:r>
-              <a:rPr lang="es-MX" dirty="0"/>
+              <a:rPr lang="es-MX" dirty="0">
+                <a:solidFill>
+                  <a:schemeClr val="tx1"/>
+                </a:solidFill>
+                <a:latin typeface="+mj-lt"/>
+              </a:rPr>
               <a:t>Hiper-Parámetros</a:t>
             </a:r>
           </a:p>
@@ -7004,7 +10757,12 @@
               <a:buChar char="•"/>
             </a:pPr>
             <a:r>
-              <a:rPr lang="es-MX" dirty="0"/>
+              <a:rPr lang="es-MX" dirty="0">
+                <a:solidFill>
+                  <a:schemeClr val="tx1"/>
+                </a:solidFill>
+                <a:latin typeface="+mj-lt"/>
+              </a:rPr>
               <a:t># Épocas</a:t>
             </a:r>
           </a:p>
@@ -7014,7 +10772,12 @@
               <a:buChar char="•"/>
             </a:pPr>
             <a:r>
-              <a:rPr lang="es-MX" dirty="0"/>
+              <a:rPr lang="es-MX" dirty="0">
+                <a:solidFill>
+                  <a:schemeClr val="tx1"/>
+                </a:solidFill>
+                <a:latin typeface="+mj-lt"/>
+              </a:rPr>
               <a:t>Tasa de aprendizaje</a:t>
             </a:r>
           </a:p>
@@ -7023,7 +10786,12 @@
               <a:buFont typeface="Arial" panose="020B0604020202020204" pitchFamily="34" charset="0"/>
               <a:buChar char="•"/>
             </a:pPr>
-            <a:endParaRPr lang="es-MX" dirty="0"/>
+            <a:endParaRPr lang="es-MX" dirty="0">
+              <a:solidFill>
+                <a:schemeClr val="tx1"/>
+              </a:solidFill>
+              <a:latin typeface="+mj-lt"/>
+            </a:endParaRPr>
           </a:p>
           <a:p>
             <a:pPr marL="285750" indent="-285750" algn="ctr">
@@ -7161,10 +10929,26 @@
           <a:lstStyle/>
           <a:p>
             <a:r>
-              <a:rPr lang="es-MX" dirty="0"/>
+              <a:rPr lang="es-MX" b="1" dirty="0">
+                <a:effectLst>
+                  <a:outerShdw blurRad="38100" dist="38100" dir="2700000" algn="tl">
+                    <a:srgbClr val="000000">
+                      <a:alpha val="43137"/>
+                    </a:srgbClr>
+                  </a:outerShdw>
+                </a:effectLst>
+              </a:rPr>
               <a:t>¿Descenso del gradiente?</a:t>
             </a:r>
-            <a:endParaRPr lang="es-CO" dirty="0"/>
+            <a:endParaRPr lang="es-CO" b="1" dirty="0">
+              <a:effectLst>
+                <a:outerShdw blurRad="38100" dist="38100" dir="2700000" algn="tl">
+                  <a:srgbClr val="000000">
+                    <a:alpha val="43137"/>
+                  </a:srgbClr>
+                </a:outerShdw>
+              </a:effectLst>
+            </a:endParaRPr>
           </a:p>
         </p:txBody>
       </p:sp>
@@ -7246,7 +11030,7 @@
         </p:nvSpPr>
         <p:spPr>
           <a:xfrm>
-            <a:off x="859479" y="1779125"/>
+            <a:off x="838200" y="1763407"/>
             <a:ext cx="4941366" cy="4156179"/>
           </a:xfrm>
         </p:spPr>
@@ -7255,22 +11039,30 @@
           <a:lstStyle/>
           <a:p>
             <a:r>
-              <a:rPr lang="es-MX" dirty="0"/>
+              <a:rPr lang="es-MX" dirty="0">
+                <a:latin typeface="+mj-lt"/>
+              </a:rPr>
               <a:t>Imaginemos que queremos subir una montaña, pero estamos a ciegas</a:t>
             </a:r>
           </a:p>
           <a:p>
             <a:r>
-              <a:rPr lang="es-MX" dirty="0"/>
+              <a:rPr lang="es-MX" dirty="0">
+                <a:latin typeface="+mj-lt"/>
+              </a:rPr>
               <a:t>Solo podemos sentir la inclinación del terreno bajo nuestros pies</a:t>
             </a:r>
           </a:p>
           <a:p>
             <a:r>
-              <a:rPr lang="es-MX" dirty="0"/>
+              <a:rPr lang="es-MX" dirty="0">
+                <a:latin typeface="+mj-lt"/>
+              </a:rPr>
               <a:t>Hacemos múltiples intentos para subir</a:t>
             </a:r>
-            <a:endParaRPr lang="es-CO" dirty="0"/>
+            <a:endParaRPr lang="es-CO" dirty="0">
+              <a:latin typeface="+mj-lt"/>
+            </a:endParaRPr>
           </a:p>
         </p:txBody>
       </p:sp>
@@ -8203,6 +11995,222 @@
   <p:clrMapOvr>
     <a:masterClrMapping/>
   </p:clrMapOvr>
+  <p:timing>
+    <p:tnLst>
+      <p:par>
+        <p:cTn id="1" dur="indefinite" restart="never" nodeType="tmRoot">
+          <p:childTnLst>
+            <p:seq concurrent="1" nextAc="seek">
+              <p:cTn id="2" dur="indefinite" nodeType="mainSeq">
+                <p:childTnLst>
+                  <p:par>
+                    <p:cTn id="3" fill="hold">
+                      <p:stCondLst>
+                        <p:cond delay="indefinite"/>
+                      </p:stCondLst>
+                      <p:childTnLst>
+                        <p:par>
+                          <p:cTn id="4" fill="hold">
+                            <p:stCondLst>
+                              <p:cond delay="0"/>
+                            </p:stCondLst>
+                            <p:childTnLst>
+                              <p:par>
+                                <p:cTn id="5" presetID="1" presetClass="entr" presetSubtype="0" fill="hold" grpId="0" nodeType="clickEffect">
+                                  <p:stCondLst>
+                                    <p:cond delay="0"/>
+                                  </p:stCondLst>
+                                  <p:childTnLst>
+                                    <p:set>
+                                      <p:cBhvr>
+                                        <p:cTn id="6" dur="1" fill="hold">
+                                          <p:stCondLst>
+                                            <p:cond delay="0"/>
+                                          </p:stCondLst>
+                                        </p:cTn>
+                                        <p:tgtEl>
+                                          <p:spTgt spid="18"/>
+                                        </p:tgtEl>
+                                        <p:attrNameLst>
+                                          <p:attrName>style.visibility</p:attrName>
+                                        </p:attrNameLst>
+                                      </p:cBhvr>
+                                      <p:to>
+                                        <p:strVal val="visible"/>
+                                      </p:to>
+                                    </p:set>
+                                  </p:childTnLst>
+                                </p:cTn>
+                              </p:par>
+                            </p:childTnLst>
+                          </p:cTn>
+                        </p:par>
+                      </p:childTnLst>
+                    </p:cTn>
+                  </p:par>
+                  <p:par>
+                    <p:cTn id="7" fill="hold">
+                      <p:stCondLst>
+                        <p:cond delay="indefinite"/>
+                      </p:stCondLst>
+                      <p:childTnLst>
+                        <p:par>
+                          <p:cTn id="8" fill="hold">
+                            <p:stCondLst>
+                              <p:cond delay="0"/>
+                            </p:stCondLst>
+                            <p:childTnLst>
+                              <p:par>
+                                <p:cTn id="9" presetID="1" presetClass="entr" presetSubtype="0" fill="hold" grpId="0" nodeType="clickEffect">
+                                  <p:stCondLst>
+                                    <p:cond delay="0"/>
+                                  </p:stCondLst>
+                                  <p:childTnLst>
+                                    <p:set>
+                                      <p:cBhvr>
+                                        <p:cTn id="10" dur="1" fill="hold">
+                                          <p:stCondLst>
+                                            <p:cond delay="0"/>
+                                          </p:stCondLst>
+                                        </p:cTn>
+                                        <p:tgtEl>
+                                          <p:spTgt spid="17"/>
+                                        </p:tgtEl>
+                                        <p:attrNameLst>
+                                          <p:attrName>style.visibility</p:attrName>
+                                        </p:attrNameLst>
+                                      </p:cBhvr>
+                                      <p:to>
+                                        <p:strVal val="visible"/>
+                                      </p:to>
+                                    </p:set>
+                                  </p:childTnLst>
+                                </p:cTn>
+                              </p:par>
+                            </p:childTnLst>
+                          </p:cTn>
+                        </p:par>
+                      </p:childTnLst>
+                    </p:cTn>
+                  </p:par>
+                  <p:par>
+                    <p:cTn id="11" fill="hold">
+                      <p:stCondLst>
+                        <p:cond delay="indefinite"/>
+                      </p:stCondLst>
+                      <p:childTnLst>
+                        <p:par>
+                          <p:cTn id="12" fill="hold">
+                            <p:stCondLst>
+                              <p:cond delay="0"/>
+                            </p:stCondLst>
+                            <p:childTnLst>
+                              <p:par>
+                                <p:cTn id="13" presetID="1" presetClass="entr" presetSubtype="0" fill="hold" grpId="0" nodeType="clickEffect">
+                                  <p:stCondLst>
+                                    <p:cond delay="0"/>
+                                  </p:stCondLst>
+                                  <p:childTnLst>
+                                    <p:set>
+                                      <p:cBhvr>
+                                        <p:cTn id="14" dur="1" fill="hold">
+                                          <p:stCondLst>
+                                            <p:cond delay="0"/>
+                                          </p:stCondLst>
+                                        </p:cTn>
+                                        <p:tgtEl>
+                                          <p:spTgt spid="20"/>
+                                        </p:tgtEl>
+                                        <p:attrNameLst>
+                                          <p:attrName>style.visibility</p:attrName>
+                                        </p:attrNameLst>
+                                      </p:cBhvr>
+                                      <p:to>
+                                        <p:strVal val="visible"/>
+                                      </p:to>
+                                    </p:set>
+                                  </p:childTnLst>
+                                </p:cTn>
+                              </p:par>
+                            </p:childTnLst>
+                          </p:cTn>
+                        </p:par>
+                      </p:childTnLst>
+                    </p:cTn>
+                  </p:par>
+                  <p:par>
+                    <p:cTn id="15" fill="hold">
+                      <p:stCondLst>
+                        <p:cond delay="indefinite"/>
+                      </p:stCondLst>
+                      <p:childTnLst>
+                        <p:par>
+                          <p:cTn id="16" fill="hold">
+                            <p:stCondLst>
+                              <p:cond delay="0"/>
+                            </p:stCondLst>
+                            <p:childTnLst>
+                              <p:par>
+                                <p:cTn id="17" presetID="1" presetClass="entr" presetSubtype="0" fill="hold" grpId="0" nodeType="clickEffect">
+                                  <p:stCondLst>
+                                    <p:cond delay="0"/>
+                                  </p:stCondLst>
+                                  <p:childTnLst>
+                                    <p:set>
+                                      <p:cBhvr>
+                                        <p:cTn id="18" dur="1" fill="hold">
+                                          <p:stCondLst>
+                                            <p:cond delay="0"/>
+                                          </p:stCondLst>
+                                        </p:cTn>
+                                        <p:tgtEl>
+                                          <p:spTgt spid="21"/>
+                                        </p:tgtEl>
+                                        <p:attrNameLst>
+                                          <p:attrName>style.visibility</p:attrName>
+                                        </p:attrNameLst>
+                                      </p:cBhvr>
+                                      <p:to>
+                                        <p:strVal val="visible"/>
+                                      </p:to>
+                                    </p:set>
+                                  </p:childTnLst>
+                                </p:cTn>
+                              </p:par>
+                            </p:childTnLst>
+                          </p:cTn>
+                        </p:par>
+                      </p:childTnLst>
+                    </p:cTn>
+                  </p:par>
+                </p:childTnLst>
+              </p:cTn>
+              <p:prevCondLst>
+                <p:cond evt="onPrev" delay="0">
+                  <p:tgtEl>
+                    <p:sldTgt/>
+                  </p:tgtEl>
+                </p:cond>
+              </p:prevCondLst>
+              <p:nextCondLst>
+                <p:cond evt="onNext" delay="0">
+                  <p:tgtEl>
+                    <p:sldTgt/>
+                  </p:tgtEl>
+                </p:cond>
+              </p:nextCondLst>
+            </p:seq>
+          </p:childTnLst>
+        </p:cTn>
+      </p:par>
+    </p:tnLst>
+    <p:bldLst>
+      <p:bldP spid="17" grpId="0" animBg="1"/>
+      <p:bldP spid="18" grpId="0" animBg="1"/>
+      <p:bldP spid="20" grpId="0" animBg="1"/>
+      <p:bldP spid="21" grpId="0" animBg="1"/>
+    </p:bldLst>
+  </p:timing>
 </p:sld>
 </file>
 
@@ -8245,10 +12253,26 @@
           <a:lstStyle/>
           <a:p>
             <a:r>
-              <a:rPr lang="es-MX" dirty="0"/>
+              <a:rPr lang="es-MX" b="1" dirty="0">
+                <a:effectLst>
+                  <a:outerShdw blurRad="38100" dist="38100" dir="2700000" algn="tl">
+                    <a:srgbClr val="000000">
+                      <a:alpha val="43137"/>
+                    </a:srgbClr>
+                  </a:outerShdw>
+                </a:effectLst>
+              </a:rPr>
               <a:t>Algunas Nociones importantes</a:t>
             </a:r>
-            <a:endParaRPr lang="es-CO" dirty="0"/>
+            <a:endParaRPr lang="es-CO" b="1" dirty="0">
+              <a:effectLst>
+                <a:outerShdw blurRad="38100" dist="38100" dir="2700000" algn="tl">
+                  <a:srgbClr val="000000">
+                    <a:alpha val="43137"/>
+                  </a:srgbClr>
+                </a:outerShdw>
+              </a:effectLst>
+            </a:endParaRPr>
           </a:p>
         </p:txBody>
       </p:sp>
@@ -8309,10 +12333,26 @@
           <a:lstStyle/>
           <a:p>
             <a:r>
-              <a:rPr lang="es-MX" dirty="0"/>
+              <a:rPr lang="es-MX" b="1" dirty="0">
+                <a:effectLst>
+                  <a:outerShdw blurRad="38100" dist="38100" dir="2700000" algn="tl">
+                    <a:srgbClr val="000000">
+                      <a:alpha val="43137"/>
+                    </a:srgbClr>
+                  </a:outerShdw>
+                </a:effectLst>
+              </a:rPr>
               <a:t>Selección de los datos</a:t>
             </a:r>
-            <a:endParaRPr lang="es-CO" dirty="0"/>
+            <a:endParaRPr lang="es-CO" b="1" dirty="0">
+              <a:effectLst>
+                <a:outerShdw blurRad="38100" dist="38100" dir="2700000" algn="tl">
+                  <a:srgbClr val="000000">
+                    <a:alpha val="43137"/>
+                  </a:srgbClr>
+                </a:outerShdw>
+              </a:effectLst>
+            </a:endParaRPr>
           </a:p>
         </p:txBody>
       </p:sp>
@@ -8332,7 +12372,7 @@
             <p:ph idx="1"/>
             <p:extLst>
               <p:ext uri="{D42A27DB-BD31-4B8C-83A1-F6EECF244321}">
-                <p14:modId xmlns:p14="http://schemas.microsoft.com/office/powerpoint/2010/main" val="1399300249"/>
+                <p14:modId xmlns:p14="http://schemas.microsoft.com/office/powerpoint/2010/main" val="4105304512"/>
               </p:ext>
             </p:extLst>
           </p:nvPr>
@@ -8364,10 +12404,14 @@
                     <a:p>
                       <a:pPr algn="ctr"/>
                       <a:r>
-                        <a:rPr lang="es-MX" dirty="0"/>
+                        <a:rPr lang="es-MX" dirty="0">
+                          <a:latin typeface="+mj-lt"/>
+                        </a:rPr>
                         <a:t>TRAIN – VAL -TEST</a:t>
                       </a:r>
-                      <a:endParaRPr lang="es-CO" dirty="0"/>
+                      <a:endParaRPr lang="es-CO" dirty="0">
+                        <a:latin typeface="+mj-lt"/>
+                      </a:endParaRPr>
                     </a:p>
                   </a:txBody>
                   <a:tcPr/>
@@ -8527,7 +12571,7 @@
         </p:nvSpPr>
         <p:spPr>
           <a:xfrm>
-            <a:off x="6713219" y="3440014"/>
+            <a:off x="6730153" y="3431547"/>
             <a:ext cx="1535331" cy="2399513"/>
           </a:xfrm>
           <a:prstGeom prst="rect">
@@ -8720,10 +12764,10 @@
           <a:lstStyle/>
           <a:p>
             <a:r>
-              <a:rPr lang="es-MX" dirty="0"/>
+              <a:rPr lang="es-MX" b="1" dirty="0"/>
               <a:t>Compromiso entre sesgo y varianza</a:t>
             </a:r>
-            <a:endParaRPr lang="es-CO" dirty="0"/>
+            <a:endParaRPr lang="es-CO" b="1" dirty="0"/>
           </a:p>
         </p:txBody>
       </p:sp>
@@ -8839,10 +12883,26 @@
           <a:lstStyle/>
           <a:p>
             <a:r>
-              <a:rPr lang="es-MX" dirty="0"/>
+              <a:rPr lang="es-MX" b="1" dirty="0">
+                <a:effectLst>
+                  <a:outerShdw blurRad="38100" dist="38100" dir="2700000" algn="tl">
+                    <a:srgbClr val="000000">
+                      <a:alpha val="43137"/>
+                    </a:srgbClr>
+                  </a:outerShdw>
+                </a:effectLst>
+              </a:rPr>
               <a:t>Regresión logística</a:t>
             </a:r>
-            <a:endParaRPr lang="es-CO" dirty="0"/>
+            <a:endParaRPr lang="es-CO" b="1" dirty="0">
+              <a:effectLst>
+                <a:outerShdw blurRad="38100" dist="38100" dir="2700000" algn="tl">
+                  <a:srgbClr val="000000">
+                    <a:alpha val="43137"/>
+                  </a:srgbClr>
+                </a:outerShdw>
+              </a:effectLst>
+            </a:endParaRPr>
           </a:p>
         </p:txBody>
       </p:sp>
@@ -8898,10 +12958,26 @@
           <a:lstStyle/>
           <a:p>
             <a:r>
-              <a:rPr lang="es-MX" dirty="0"/>
+              <a:rPr lang="es-MX" b="1" dirty="0">
+                <a:effectLst>
+                  <a:outerShdw blurRad="38100" dist="38100" dir="2700000" algn="tl">
+                    <a:srgbClr val="000000">
+                      <a:alpha val="43137"/>
+                    </a:srgbClr>
+                  </a:outerShdw>
+                </a:effectLst>
+              </a:rPr>
               <a:t>¿Es posible resolver todos los problemas con la regresión lineal? ¿Es conveniente?</a:t>
             </a:r>
-            <a:endParaRPr lang="es-CO" dirty="0"/>
+            <a:endParaRPr lang="es-CO" b="1" dirty="0">
+              <a:effectLst>
+                <a:outerShdw blurRad="38100" dist="38100" dir="2700000" algn="tl">
+                  <a:srgbClr val="000000">
+                    <a:alpha val="43137"/>
+                  </a:srgbClr>
+                </a:outerShdw>
+              </a:effectLst>
+            </a:endParaRPr>
           </a:p>
         </p:txBody>
       </p:sp>
@@ -8994,14 +13070,20 @@
           <a:lstStyle/>
           <a:p>
             <a:r>
-              <a:rPr lang="es-MX" dirty="0"/>
+              <a:rPr lang="es-MX" dirty="0">
+                <a:latin typeface="+mj-lt"/>
+              </a:rPr>
               <a:t>La función de perdida en este caso evalúa el costo para ambas posibilidades (1 o 0) y recibe el nombre de log-</a:t>
             </a:r>
             <a:r>
-              <a:rPr lang="es-MX" dirty="0" err="1"/>
+              <a:rPr lang="es-MX" dirty="0" err="1">
+                <a:latin typeface="+mj-lt"/>
+              </a:rPr>
               <a:t>loss</a:t>
             </a:r>
-            <a:endParaRPr lang="es-CO" dirty="0"/>
+            <a:endParaRPr lang="es-CO" dirty="0">
+              <a:latin typeface="+mj-lt"/>
+            </a:endParaRPr>
           </a:p>
         </p:txBody>
       </p:sp>
@@ -9045,6 +13127,138 @@
   <p:clrMapOvr>
     <a:masterClrMapping/>
   </p:clrMapOvr>
+  <p:timing>
+    <p:tnLst>
+      <p:par>
+        <p:cTn id="1" dur="indefinite" restart="never" nodeType="tmRoot">
+          <p:childTnLst>
+            <p:seq concurrent="1" nextAc="seek">
+              <p:cTn id="2" dur="indefinite" nodeType="mainSeq">
+                <p:childTnLst>
+                  <p:par>
+                    <p:cTn id="3" fill="hold">
+                      <p:stCondLst>
+                        <p:cond delay="indefinite"/>
+                      </p:stCondLst>
+                      <p:childTnLst>
+                        <p:par>
+                          <p:cTn id="4" fill="hold">
+                            <p:stCondLst>
+                              <p:cond delay="0"/>
+                            </p:stCondLst>
+                            <p:childTnLst>
+                              <p:par>
+                                <p:cTn id="5" presetID="1" presetClass="entr" presetSubtype="0" fill="hold" grpId="0" nodeType="clickEffect">
+                                  <p:stCondLst>
+                                    <p:cond delay="0"/>
+                                  </p:stCondLst>
+                                  <p:childTnLst>
+                                    <p:set>
+                                      <p:cBhvr>
+                                        <p:cTn id="6" dur="1" fill="hold">
+                                          <p:stCondLst>
+                                            <p:cond delay="0"/>
+                                          </p:stCondLst>
+                                        </p:cTn>
+                                        <p:tgtEl>
+                                          <p:spTgt spid="10"/>
+                                        </p:tgtEl>
+                                        <p:attrNameLst>
+                                          <p:attrName>style.visibility</p:attrName>
+                                        </p:attrNameLst>
+                                      </p:cBhvr>
+                                      <p:to>
+                                        <p:strVal val="visible"/>
+                                      </p:to>
+                                    </p:set>
+                                  </p:childTnLst>
+                                </p:cTn>
+                              </p:par>
+                              <p:par>
+                                <p:cTn id="7" presetID="1" presetClass="entr" presetSubtype="0" fill="hold" nodeType="withEffect">
+                                  <p:stCondLst>
+                                    <p:cond delay="0"/>
+                                  </p:stCondLst>
+                                  <p:childTnLst>
+                                    <p:set>
+                                      <p:cBhvr>
+                                        <p:cTn id="8" dur="1" fill="hold">
+                                          <p:stCondLst>
+                                            <p:cond delay="0"/>
+                                          </p:stCondLst>
+                                        </p:cTn>
+                                        <p:tgtEl>
+                                          <p:spTgt spid="9"/>
+                                        </p:tgtEl>
+                                        <p:attrNameLst>
+                                          <p:attrName>style.visibility</p:attrName>
+                                        </p:attrNameLst>
+                                      </p:cBhvr>
+                                      <p:to>
+                                        <p:strVal val="visible"/>
+                                      </p:to>
+                                    </p:set>
+                                  </p:childTnLst>
+                                </p:cTn>
+                              </p:par>
+                              <p:par>
+                                <p:cTn id="9" presetID="1" presetClass="entr" presetSubtype="0" fill="hold" nodeType="withEffect">
+                                  <p:stCondLst>
+                                    <p:cond delay="0"/>
+                                  </p:stCondLst>
+                                  <p:childTnLst>
+                                    <p:set>
+                                      <p:cBhvr>
+                                        <p:cTn id="10" dur="1" fill="hold">
+                                          <p:stCondLst>
+                                            <p:cond delay="0"/>
+                                          </p:stCondLst>
+                                        </p:cTn>
+                                        <p:tgtEl>
+                                          <p:spTgt spid="12"/>
+                                        </p:tgtEl>
+                                        <p:attrNameLst>
+                                          <p:attrName>style.visibility</p:attrName>
+                                        </p:attrNameLst>
+                                      </p:cBhvr>
+                                      <p:to>
+                                        <p:strVal val="visible"/>
+                                      </p:to>
+                                    </p:set>
+                                  </p:childTnLst>
+                                </p:cTn>
+                              </p:par>
+                            </p:childTnLst>
+                          </p:cTn>
+                        </p:par>
+                      </p:childTnLst>
+                    </p:cTn>
+                  </p:par>
+                </p:childTnLst>
+              </p:cTn>
+              <p:prevCondLst>
+                <p:cond evt="onPrev" delay="0">
+                  <p:tgtEl>
+                    <p:sldTgt/>
+                  </p:tgtEl>
+                </p:cond>
+              </p:prevCondLst>
+              <p:nextCondLst>
+                <p:cond evt="onNext" delay="0">
+                  <p:tgtEl>
+                    <p:sldTgt/>
+                  </p:tgtEl>
+                </p:cond>
+              </p:nextCondLst>
+            </p:seq>
+          </p:childTnLst>
+        </p:cTn>
+      </p:par>
+    </p:tnLst>
+    <p:bldLst>
+      <p:bldP spid="10" grpId="0"/>
+    </p:bldLst>
+  </p:timing>
 </p:sld>
 </file>
 
@@ -9087,10 +13301,26 @@
           <a:lstStyle/>
           <a:p>
             <a:r>
-              <a:rPr lang="es-MX" dirty="0"/>
+              <a:rPr lang="es-MX" b="1" dirty="0">
+                <a:effectLst>
+                  <a:outerShdw blurRad="38100" dist="38100" dir="2700000" algn="tl">
+                    <a:srgbClr val="000000">
+                      <a:alpha val="43137"/>
+                    </a:srgbClr>
+                  </a:outerShdw>
+                </a:effectLst>
+              </a:rPr>
               <a:t>Evaluación de modelos</a:t>
             </a:r>
-            <a:endParaRPr lang="es-CO" dirty="0"/>
+            <a:endParaRPr lang="es-CO" b="1" dirty="0">
+              <a:effectLst>
+                <a:outerShdw blurRad="38100" dist="38100" dir="2700000" algn="tl">
+                  <a:srgbClr val="000000">
+                    <a:alpha val="43137"/>
+                  </a:srgbClr>
+                </a:outerShdw>
+              </a:effectLst>
+            </a:endParaRPr>
           </a:p>
         </p:txBody>
       </p:sp>
@@ -9425,10 +13655,14 @@
           <a:p>
             <a:pPr algn="ctr"/>
             <a:r>
-              <a:rPr lang="es-MX" dirty="0"/>
+              <a:rPr lang="es-MX" dirty="0">
+                <a:latin typeface="+mj-lt"/>
+              </a:rPr>
               <a:t>INPUT</a:t>
             </a:r>
-            <a:endParaRPr lang="es-CO" dirty="0"/>
+            <a:endParaRPr lang="es-CO" dirty="0">
+              <a:latin typeface="+mj-lt"/>
+            </a:endParaRPr>
           </a:p>
         </p:txBody>
       </p:sp>
@@ -9484,18 +13718,50 @@
           <a:lstStyle/>
           <a:p>
             <a:r>
-              <a:rPr lang="es-MX" dirty="0"/>
+              <a:rPr lang="es-MX" b="1" dirty="0">
+                <a:effectLst>
+                  <a:outerShdw blurRad="38100" dist="38100" dir="2700000" algn="tl">
+                    <a:srgbClr val="000000">
+                      <a:alpha val="43137"/>
+                    </a:srgbClr>
+                  </a:outerShdw>
+                </a:effectLst>
+              </a:rPr>
               <a:t>Exactitud (</a:t>
             </a:r>
             <a:r>
-              <a:rPr lang="es-MX" dirty="0" err="1"/>
+              <a:rPr lang="es-MX" b="1" dirty="0" err="1">
+                <a:effectLst>
+                  <a:outerShdw blurRad="38100" dist="38100" dir="2700000" algn="tl">
+                    <a:srgbClr val="000000">
+                      <a:alpha val="43137"/>
+                    </a:srgbClr>
+                  </a:outerShdw>
+                </a:effectLst>
+              </a:rPr>
               <a:t>Accuracy</a:t>
             </a:r>
             <a:r>
-              <a:rPr lang="es-MX" dirty="0"/>
+              <a:rPr lang="es-MX" b="1" dirty="0">
+                <a:effectLst>
+                  <a:outerShdw blurRad="38100" dist="38100" dir="2700000" algn="tl">
+                    <a:srgbClr val="000000">
+                      <a:alpha val="43137"/>
+                    </a:srgbClr>
+                  </a:outerShdw>
+                </a:effectLst>
+              </a:rPr>
               <a:t>)</a:t>
             </a:r>
-            <a:endParaRPr lang="es-CO" dirty="0"/>
+            <a:endParaRPr lang="es-CO" b="1" dirty="0">
+              <a:effectLst>
+                <a:outerShdw blurRad="38100" dist="38100" dir="2700000" algn="tl">
+                  <a:srgbClr val="000000">
+                    <a:alpha val="43137"/>
+                  </a:srgbClr>
+                </a:outerShdw>
+              </a:effectLst>
+            </a:endParaRPr>
           </a:p>
         </p:txBody>
       </p:sp>
@@ -9524,7 +13790,9 @@
               <a:buNone/>
             </a:pPr>
             <a:r>
-              <a:rPr lang="es-MX" dirty="0"/>
+              <a:rPr lang="es-MX" dirty="0">
+                <a:latin typeface="+mj-lt"/>
+              </a:rPr>
               <a:t>Es como si contáramos cuántas veces acertamos en total, tanto cuando dijiste "gato" y era un gato, como cuando dijiste "perro" y era un perro. Luego, comparamos eso con el número total de veces que jugaste.</a:t>
             </a:r>
           </a:p>
@@ -9532,18 +13800,24 @@
             <a:pPr marL="0" indent="0">
               <a:buNone/>
             </a:pPr>
-            <a:endParaRPr lang="es-MX" dirty="0"/>
+            <a:endParaRPr lang="es-MX" dirty="0">
+              <a:latin typeface="+mj-lt"/>
+            </a:endParaRPr>
           </a:p>
           <a:p>
             <a:pPr marL="0" indent="0">
               <a:buNone/>
             </a:pPr>
             <a:r>
-              <a:rPr lang="es-MX" b="1" dirty="0"/>
+              <a:rPr lang="es-MX" b="1" dirty="0">
+                <a:latin typeface="+mj-lt"/>
+              </a:rPr>
               <a:t>Ejemplo:</a:t>
             </a:r>
             <a:r>
-              <a:rPr lang="es-MX" dirty="0"/>
+              <a:rPr lang="es-MX" dirty="0">
+                <a:latin typeface="+mj-lt"/>
+              </a:rPr>
               <a:t> </a:t>
             </a:r>
           </a:p>
@@ -9552,10 +13826,14 @@
               <a:buNone/>
             </a:pPr>
             <a:r>
-              <a:rPr lang="es-MX" dirty="0"/>
+              <a:rPr lang="es-MX" dirty="0">
+                <a:latin typeface="+mj-lt"/>
+              </a:rPr>
               <a:t>Si adivinamos bien 8 veces de 10, la exactitud es 8/10 o 80%.</a:t>
             </a:r>
-            <a:endParaRPr lang="es-CO" dirty="0"/>
+            <a:endParaRPr lang="es-CO" dirty="0">
+              <a:latin typeface="+mj-lt"/>
+            </a:endParaRPr>
           </a:p>
         </p:txBody>
       </p:sp>
@@ -9616,10 +13894,26 @@
           <a:lstStyle/>
           <a:p>
             <a:r>
-              <a:rPr lang="es-MX" dirty="0"/>
+              <a:rPr lang="es-MX" b="1" dirty="0">
+                <a:effectLst>
+                  <a:outerShdw blurRad="38100" dist="38100" dir="2700000" algn="tl">
+                    <a:srgbClr val="000000">
+                      <a:alpha val="43137"/>
+                    </a:srgbClr>
+                  </a:outerShdw>
+                </a:effectLst>
+              </a:rPr>
               <a:t>Programación tradicional - Software 1.0</a:t>
             </a:r>
-            <a:endParaRPr lang="es-CO" dirty="0"/>
+            <a:endParaRPr lang="es-CO" b="1" dirty="0">
+              <a:effectLst>
+                <a:outerShdw blurRad="38100" dist="38100" dir="2700000" algn="tl">
+                  <a:srgbClr val="000000">
+                    <a:alpha val="43137"/>
+                  </a:srgbClr>
+                </a:outerShdw>
+              </a:effectLst>
+            </a:endParaRPr>
           </a:p>
         </p:txBody>
       </p:sp>
@@ -9959,7 +14253,7 @@
         </p:nvSpPr>
         <p:spPr>
           <a:xfrm>
-            <a:off x="5247125" y="4400393"/>
+            <a:off x="5247125" y="4399595"/>
             <a:ext cx="648020" cy="480060"/>
           </a:xfrm>
           <a:prstGeom prst="rightArrow">
@@ -10059,6 +14353,286 @@
   <p:clrMapOvr>
     <a:masterClrMapping/>
   </p:clrMapOvr>
+  <p:timing>
+    <p:tnLst>
+      <p:par>
+        <p:cTn id="1" dur="indefinite" restart="never" nodeType="tmRoot">
+          <p:childTnLst>
+            <p:seq concurrent="1" nextAc="seek">
+              <p:cTn id="2" dur="indefinite" nodeType="mainSeq">
+                <p:childTnLst>
+                  <p:par>
+                    <p:cTn id="3" fill="hold">
+                      <p:stCondLst>
+                        <p:cond delay="indefinite"/>
+                      </p:stCondLst>
+                      <p:childTnLst>
+                        <p:par>
+                          <p:cTn id="4" fill="hold">
+                            <p:stCondLst>
+                              <p:cond delay="0"/>
+                            </p:stCondLst>
+                            <p:childTnLst>
+                              <p:par>
+                                <p:cTn id="5" presetID="1" presetClass="entr" presetSubtype="0" fill="hold" grpId="0" nodeType="clickEffect">
+                                  <p:stCondLst>
+                                    <p:cond delay="0"/>
+                                  </p:stCondLst>
+                                  <p:childTnLst>
+                                    <p:set>
+                                      <p:cBhvr>
+                                        <p:cTn id="6" dur="1" fill="hold">
+                                          <p:stCondLst>
+                                            <p:cond delay="0"/>
+                                          </p:stCondLst>
+                                        </p:cTn>
+                                        <p:tgtEl>
+                                          <p:spTgt spid="15"/>
+                                        </p:tgtEl>
+                                        <p:attrNameLst>
+                                          <p:attrName>style.visibility</p:attrName>
+                                        </p:attrNameLst>
+                                      </p:cBhvr>
+                                      <p:to>
+                                        <p:strVal val="visible"/>
+                                      </p:to>
+                                    </p:set>
+                                  </p:childTnLst>
+                                </p:cTn>
+                              </p:par>
+                              <p:par>
+                                <p:cTn id="7" presetID="1" presetClass="entr" presetSubtype="0" fill="hold" nodeType="withEffect">
+                                  <p:stCondLst>
+                                    <p:cond delay="0"/>
+                                  </p:stCondLst>
+                                  <p:childTnLst>
+                                    <p:set>
+                                      <p:cBhvr>
+                                        <p:cTn id="8" dur="1" fill="hold">
+                                          <p:stCondLst>
+                                            <p:cond delay="0"/>
+                                          </p:stCondLst>
+                                        </p:cTn>
+                                        <p:tgtEl>
+                                          <p:spTgt spid="7"/>
+                                        </p:tgtEl>
+                                        <p:attrNameLst>
+                                          <p:attrName>style.visibility</p:attrName>
+                                        </p:attrNameLst>
+                                      </p:cBhvr>
+                                      <p:to>
+                                        <p:strVal val="visible"/>
+                                      </p:to>
+                                    </p:set>
+                                  </p:childTnLst>
+                                </p:cTn>
+                              </p:par>
+                            </p:childTnLst>
+                          </p:cTn>
+                        </p:par>
+                      </p:childTnLst>
+                    </p:cTn>
+                  </p:par>
+                  <p:par>
+                    <p:cTn id="9" fill="hold">
+                      <p:stCondLst>
+                        <p:cond delay="indefinite"/>
+                      </p:stCondLst>
+                      <p:childTnLst>
+                        <p:par>
+                          <p:cTn id="10" fill="hold">
+                            <p:stCondLst>
+                              <p:cond delay="0"/>
+                            </p:stCondLst>
+                            <p:childTnLst>
+                              <p:par>
+                                <p:cTn id="11" presetID="1" presetClass="entr" presetSubtype="0" fill="hold" grpId="0" nodeType="clickEffect">
+                                  <p:stCondLst>
+                                    <p:cond delay="0"/>
+                                  </p:stCondLst>
+                                  <p:childTnLst>
+                                    <p:set>
+                                      <p:cBhvr>
+                                        <p:cTn id="12" dur="1" fill="hold">
+                                          <p:stCondLst>
+                                            <p:cond delay="0"/>
+                                          </p:stCondLst>
+                                        </p:cTn>
+                                        <p:tgtEl>
+                                          <p:spTgt spid="12"/>
+                                        </p:tgtEl>
+                                        <p:attrNameLst>
+                                          <p:attrName>style.visibility</p:attrName>
+                                        </p:attrNameLst>
+                                      </p:cBhvr>
+                                      <p:to>
+                                        <p:strVal val="visible"/>
+                                      </p:to>
+                                    </p:set>
+                                  </p:childTnLst>
+                                </p:cTn>
+                              </p:par>
+                              <p:par>
+                                <p:cTn id="13" presetID="1" presetClass="entr" presetSubtype="0" fill="hold" nodeType="withEffect">
+                                  <p:stCondLst>
+                                    <p:cond delay="0"/>
+                                  </p:stCondLst>
+                                  <p:childTnLst>
+                                    <p:set>
+                                      <p:cBhvr>
+                                        <p:cTn id="14" dur="1" fill="hold">
+                                          <p:stCondLst>
+                                            <p:cond delay="0"/>
+                                          </p:stCondLst>
+                                        </p:cTn>
+                                        <p:tgtEl>
+                                          <p:spTgt spid="9"/>
+                                        </p:tgtEl>
+                                        <p:attrNameLst>
+                                          <p:attrName>style.visibility</p:attrName>
+                                        </p:attrNameLst>
+                                      </p:cBhvr>
+                                      <p:to>
+                                        <p:strVal val="visible"/>
+                                      </p:to>
+                                    </p:set>
+                                  </p:childTnLst>
+                                </p:cTn>
+                              </p:par>
+                              <p:par>
+                                <p:cTn id="15" presetID="1" presetClass="entr" presetSubtype="0" fill="hold" grpId="0" nodeType="withEffect">
+                                  <p:stCondLst>
+                                    <p:cond delay="0"/>
+                                  </p:stCondLst>
+                                  <p:childTnLst>
+                                    <p:set>
+                                      <p:cBhvr>
+                                        <p:cTn id="16" dur="1" fill="hold">
+                                          <p:stCondLst>
+                                            <p:cond delay="0"/>
+                                          </p:stCondLst>
+                                        </p:cTn>
+                                        <p:tgtEl>
+                                          <p:spTgt spid="17"/>
+                                        </p:tgtEl>
+                                        <p:attrNameLst>
+                                          <p:attrName>style.visibility</p:attrName>
+                                        </p:attrNameLst>
+                                      </p:cBhvr>
+                                      <p:to>
+                                        <p:strVal val="visible"/>
+                                      </p:to>
+                                    </p:set>
+                                  </p:childTnLst>
+                                </p:cTn>
+                              </p:par>
+                            </p:childTnLst>
+                          </p:cTn>
+                        </p:par>
+                      </p:childTnLst>
+                    </p:cTn>
+                  </p:par>
+                  <p:par>
+                    <p:cTn id="17" fill="hold">
+                      <p:stCondLst>
+                        <p:cond delay="indefinite"/>
+                      </p:stCondLst>
+                      <p:childTnLst>
+                        <p:par>
+                          <p:cTn id="18" fill="hold">
+                            <p:stCondLst>
+                              <p:cond delay="0"/>
+                            </p:stCondLst>
+                            <p:childTnLst>
+                              <p:par>
+                                <p:cTn id="19" presetID="1" presetClass="entr" presetSubtype="0" fill="hold" grpId="0" nodeType="clickEffect">
+                                  <p:stCondLst>
+                                    <p:cond delay="0"/>
+                                  </p:stCondLst>
+                                  <p:childTnLst>
+                                    <p:set>
+                                      <p:cBhvr>
+                                        <p:cTn id="20" dur="1" fill="hold">
+                                          <p:stCondLst>
+                                            <p:cond delay="0"/>
+                                          </p:stCondLst>
+                                        </p:cTn>
+                                        <p:tgtEl>
+                                          <p:spTgt spid="13"/>
+                                        </p:tgtEl>
+                                        <p:attrNameLst>
+                                          <p:attrName>style.visibility</p:attrName>
+                                        </p:attrNameLst>
+                                      </p:cBhvr>
+                                      <p:to>
+                                        <p:strVal val="visible"/>
+                                      </p:to>
+                                    </p:set>
+                                  </p:childTnLst>
+                                </p:cTn>
+                              </p:par>
+                              <p:par>
+                                <p:cTn id="21" presetID="1" presetClass="entr" presetSubtype="0" fill="hold" grpId="0" nodeType="withEffect">
+                                  <p:stCondLst>
+                                    <p:cond delay="0"/>
+                                  </p:stCondLst>
+                                  <p:childTnLst>
+                                    <p:set>
+                                      <p:cBhvr>
+                                        <p:cTn id="22" dur="1" fill="hold">
+                                          <p:stCondLst>
+                                            <p:cond delay="0"/>
+                                          </p:stCondLst>
+                                        </p:cTn>
+                                        <p:tgtEl>
+                                          <p:spTgt spid="20"/>
+                                        </p:tgtEl>
+                                        <p:attrNameLst>
+                                          <p:attrName>style.visibility</p:attrName>
+                                        </p:attrNameLst>
+                                      </p:cBhvr>
+                                      <p:to>
+                                        <p:strVal val="visible"/>
+                                      </p:to>
+                                    </p:set>
+                                  </p:childTnLst>
+                                </p:cTn>
+                              </p:par>
+                            </p:childTnLst>
+                          </p:cTn>
+                        </p:par>
+                      </p:childTnLst>
+                    </p:cTn>
+                  </p:par>
+                </p:childTnLst>
+              </p:cTn>
+              <p:prevCondLst>
+                <p:cond evt="onPrev" delay="0">
+                  <p:tgtEl>
+                    <p:sldTgt/>
+                  </p:tgtEl>
+                </p:cond>
+              </p:prevCondLst>
+              <p:nextCondLst>
+                <p:cond evt="onNext" delay="0">
+                  <p:tgtEl>
+                    <p:sldTgt/>
+                  </p:tgtEl>
+                </p:cond>
+              </p:nextCondLst>
+            </p:seq>
+          </p:childTnLst>
+        </p:cTn>
+      </p:par>
+    </p:tnLst>
+    <p:bldLst>
+      <p:bldP spid="12" grpId="0" animBg="1"/>
+      <p:bldP spid="13" grpId="0" animBg="1"/>
+      <p:bldP spid="15" grpId="0" animBg="1"/>
+      <p:bldP spid="17" grpId="0" animBg="1"/>
+      <p:bldP spid="20" grpId="0" animBg="1"/>
+    </p:bldLst>
+  </p:timing>
 </p:sld>
 </file>
 
@@ -10101,18 +14675,50 @@
           <a:lstStyle/>
           <a:p>
             <a:r>
-              <a:rPr lang="es-MX" dirty="0"/>
+              <a:rPr lang="es-MX" b="1" dirty="0">
+                <a:effectLst>
+                  <a:outerShdw blurRad="38100" dist="38100" dir="2700000" algn="tl">
+                    <a:srgbClr val="000000">
+                      <a:alpha val="43137"/>
+                    </a:srgbClr>
+                  </a:outerShdw>
+                </a:effectLst>
+              </a:rPr>
               <a:t>Precisión (</a:t>
             </a:r>
             <a:r>
-              <a:rPr lang="es-MX" dirty="0" err="1"/>
+              <a:rPr lang="es-MX" b="1" dirty="0" err="1">
+                <a:effectLst>
+                  <a:outerShdw blurRad="38100" dist="38100" dir="2700000" algn="tl">
+                    <a:srgbClr val="000000">
+                      <a:alpha val="43137"/>
+                    </a:srgbClr>
+                  </a:outerShdw>
+                </a:effectLst>
+              </a:rPr>
               <a:t>Precision</a:t>
             </a:r>
             <a:r>
-              <a:rPr lang="es-MX" dirty="0"/>
+              <a:rPr lang="es-MX" b="1" dirty="0">
+                <a:effectLst>
+                  <a:outerShdw blurRad="38100" dist="38100" dir="2700000" algn="tl">
+                    <a:srgbClr val="000000">
+                      <a:alpha val="43137"/>
+                    </a:srgbClr>
+                  </a:outerShdw>
+                </a:effectLst>
+              </a:rPr>
               <a:t>)</a:t>
             </a:r>
-            <a:endParaRPr lang="es-CO" dirty="0"/>
+            <a:endParaRPr lang="es-CO" b="1" dirty="0">
+              <a:effectLst>
+                <a:outerShdw blurRad="38100" dist="38100" dir="2700000" algn="tl">
+                  <a:srgbClr val="000000">
+                    <a:alpha val="43137"/>
+                  </a:srgbClr>
+                </a:outerShdw>
+              </a:effectLst>
+            </a:endParaRPr>
           </a:p>
         </p:txBody>
       </p:sp>
@@ -10141,7 +14747,9 @@
               <a:buNone/>
             </a:pPr>
             <a:r>
-              <a:rPr lang="es-MX" dirty="0"/>
+              <a:rPr lang="es-MX" dirty="0">
+                <a:latin typeface="+mj-lt"/>
+              </a:rPr>
               <a:t>Es como si contáramos cuántas veces dijimos "gato" y realmente era un gato, ignorando los errores. Es decir, entre todas las veces que dijimos "gato", ¿cuántas veces acertamos?</a:t>
             </a:r>
           </a:p>
@@ -10149,18 +14757,24 @@
             <a:pPr marL="0" indent="0">
               <a:buNone/>
             </a:pPr>
-            <a:endParaRPr lang="es-MX" dirty="0"/>
+            <a:endParaRPr lang="es-MX" dirty="0">
+              <a:latin typeface="+mj-lt"/>
+            </a:endParaRPr>
           </a:p>
           <a:p>
             <a:pPr marL="0" indent="0">
               <a:buNone/>
             </a:pPr>
             <a:r>
-              <a:rPr lang="es-MX" b="1" dirty="0"/>
+              <a:rPr lang="es-MX" b="1" dirty="0">
+                <a:latin typeface="+mj-lt"/>
+              </a:rPr>
               <a:t>Ejemplo:</a:t>
             </a:r>
             <a:r>
-              <a:rPr lang="es-MX" dirty="0"/>
+              <a:rPr lang="es-MX" dirty="0">
+                <a:latin typeface="+mj-lt"/>
+              </a:rPr>
               <a:t> </a:t>
             </a:r>
           </a:p>
@@ -10169,10 +14783,14 @@
               <a:buNone/>
             </a:pPr>
             <a:r>
-              <a:rPr lang="es-MX" dirty="0"/>
+              <a:rPr lang="es-MX" dirty="0">
+                <a:latin typeface="+mj-lt"/>
+              </a:rPr>
               <a:t>Si dijimos "gato" 5 veces, pero solo 3 eran realmente gatos, la precisión es 3/5 o 60%</a:t>
             </a:r>
-            <a:endParaRPr lang="es-CO" dirty="0"/>
+            <a:endParaRPr lang="es-CO" dirty="0">
+              <a:latin typeface="+mj-lt"/>
+            </a:endParaRPr>
           </a:p>
         </p:txBody>
       </p:sp>
@@ -10228,18 +14846,50 @@
           <a:lstStyle/>
           <a:p>
             <a:r>
-              <a:rPr lang="es-MX" dirty="0"/>
+              <a:rPr lang="es-MX" b="1" dirty="0">
+                <a:effectLst>
+                  <a:outerShdw blurRad="38100" dist="38100" dir="2700000" algn="tl">
+                    <a:srgbClr val="000000">
+                      <a:alpha val="43137"/>
+                    </a:srgbClr>
+                  </a:outerShdw>
+                </a:effectLst>
+              </a:rPr>
               <a:t>Sensibilidad (</a:t>
             </a:r>
             <a:r>
-              <a:rPr lang="es-MX" dirty="0" err="1"/>
+              <a:rPr lang="es-MX" b="1" dirty="0" err="1">
+                <a:effectLst>
+                  <a:outerShdw blurRad="38100" dist="38100" dir="2700000" algn="tl">
+                    <a:srgbClr val="000000">
+                      <a:alpha val="43137"/>
+                    </a:srgbClr>
+                  </a:outerShdw>
+                </a:effectLst>
+              </a:rPr>
               <a:t>Recall</a:t>
             </a:r>
             <a:r>
-              <a:rPr lang="es-MX" dirty="0"/>
+              <a:rPr lang="es-MX" b="1" dirty="0">
+                <a:effectLst>
+                  <a:outerShdw blurRad="38100" dist="38100" dir="2700000" algn="tl">
+                    <a:srgbClr val="000000">
+                      <a:alpha val="43137"/>
+                    </a:srgbClr>
+                  </a:outerShdw>
+                </a:effectLst>
+              </a:rPr>
               <a:t>)</a:t>
             </a:r>
-            <a:endParaRPr lang="es-CO" dirty="0"/>
+            <a:endParaRPr lang="es-CO" b="1" dirty="0">
+              <a:effectLst>
+                <a:outerShdw blurRad="38100" dist="38100" dir="2700000" algn="tl">
+                  <a:srgbClr val="000000">
+                    <a:alpha val="43137"/>
+                  </a:srgbClr>
+                </a:outerShdw>
+              </a:effectLst>
+            </a:endParaRPr>
           </a:p>
         </p:txBody>
       </p:sp>
@@ -10268,7 +14918,9 @@
               <a:buNone/>
             </a:pPr>
             <a:r>
-              <a:rPr lang="es-MX" dirty="0"/>
+              <a:rPr lang="es-MX" dirty="0">
+                <a:latin typeface="+mj-lt"/>
+              </a:rPr>
               <a:t>Aquí contamos cuántas veces realmente había un gato, y de esas, cuántas veces lo adivinamos bien. </a:t>
             </a:r>
           </a:p>
@@ -10277,7 +14929,9 @@
               <a:buNone/>
             </a:pPr>
             <a:r>
-              <a:rPr lang="es-MX" dirty="0"/>
+              <a:rPr lang="es-MX" dirty="0">
+                <a:latin typeface="+mj-lt"/>
+              </a:rPr>
               <a:t>Es como preguntar: "De todos los gatos que había, ¿cuántos encontramos?</a:t>
             </a:r>
           </a:p>
@@ -10285,18 +14939,24 @@
             <a:pPr marL="0" indent="0">
               <a:buNone/>
             </a:pPr>
-            <a:endParaRPr lang="es-MX" dirty="0"/>
+            <a:endParaRPr lang="es-MX" dirty="0">
+              <a:latin typeface="+mj-lt"/>
+            </a:endParaRPr>
           </a:p>
           <a:p>
             <a:pPr marL="0" indent="0">
               <a:buNone/>
             </a:pPr>
             <a:r>
-              <a:rPr lang="es-MX" b="1" dirty="0"/>
+              <a:rPr lang="es-MX" b="1" dirty="0">
+                <a:latin typeface="+mj-lt"/>
+              </a:rPr>
               <a:t>Ejemplo:</a:t>
             </a:r>
             <a:r>
-              <a:rPr lang="es-MX" dirty="0"/>
+              <a:rPr lang="es-MX" dirty="0">
+                <a:latin typeface="+mj-lt"/>
+              </a:rPr>
               <a:t> </a:t>
             </a:r>
           </a:p>
@@ -10305,10 +14965,14 @@
               <a:buNone/>
             </a:pPr>
             <a:r>
-              <a:rPr lang="es-MX" dirty="0"/>
+              <a:rPr lang="es-MX" dirty="0">
+                <a:latin typeface="+mj-lt"/>
+              </a:rPr>
               <a:t>Si había 6 gatos y adivinamos 3, la sensibilidad es 3/6 o 50%</a:t>
             </a:r>
-            <a:endParaRPr lang="es-CO" dirty="0"/>
+            <a:endParaRPr lang="es-CO" dirty="0">
+              <a:latin typeface="+mj-lt"/>
+            </a:endParaRPr>
           </a:p>
         </p:txBody>
       </p:sp>
@@ -10364,10 +15028,26 @@
           <a:lstStyle/>
           <a:p>
             <a:r>
-              <a:rPr lang="es-MX" dirty="0"/>
+              <a:rPr lang="es-MX" b="1" dirty="0">
+                <a:effectLst>
+                  <a:outerShdw blurRad="38100" dist="38100" dir="2700000" algn="tl">
+                    <a:srgbClr val="000000">
+                      <a:alpha val="43137"/>
+                    </a:srgbClr>
+                  </a:outerShdw>
+                </a:effectLst>
+              </a:rPr>
               <a:t>F1 Score</a:t>
             </a:r>
-            <a:endParaRPr lang="es-CO" dirty="0"/>
+            <a:endParaRPr lang="es-CO" b="1" dirty="0">
+              <a:effectLst>
+                <a:outerShdw blurRad="38100" dist="38100" dir="2700000" algn="tl">
+                  <a:srgbClr val="000000">
+                    <a:alpha val="43137"/>
+                  </a:srgbClr>
+                </a:outerShdw>
+              </a:effectLst>
+            </a:endParaRPr>
           </a:p>
         </p:txBody>
       </p:sp>
@@ -10396,7 +15076,9 @@
               <a:buNone/>
             </a:pPr>
             <a:r>
-              <a:rPr lang="es-MX" dirty="0"/>
+              <a:rPr lang="es-MX" dirty="0">
+                <a:latin typeface="+mj-lt"/>
+              </a:rPr>
               <a:t>Imaginemos que queremos un balance entre adivinar bien cuántos gatos decimos que hay y también encontrar todos los gatos que hay. </a:t>
             </a:r>
           </a:p>
@@ -10405,7 +15087,9 @@
               <a:buNone/>
             </a:pPr>
             <a:r>
-              <a:rPr lang="es-MX" dirty="0"/>
+              <a:rPr lang="es-MX" dirty="0">
+                <a:latin typeface="+mj-lt"/>
+              </a:rPr>
               <a:t>El F1 score nos dice qué tan bien hacemos ambas cosas a la vez.</a:t>
             </a:r>
           </a:p>
@@ -10413,18 +15097,24 @@
             <a:pPr marL="0" indent="0">
               <a:buNone/>
             </a:pPr>
-            <a:endParaRPr lang="es-MX" dirty="0"/>
+            <a:endParaRPr lang="es-MX" dirty="0">
+              <a:latin typeface="+mj-lt"/>
+            </a:endParaRPr>
           </a:p>
           <a:p>
             <a:pPr marL="0" indent="0">
               <a:buNone/>
             </a:pPr>
             <a:r>
-              <a:rPr lang="es-MX" b="1" dirty="0"/>
+              <a:rPr lang="es-MX" b="1" dirty="0">
+                <a:latin typeface="+mj-lt"/>
+              </a:rPr>
               <a:t>Ejemplo:</a:t>
             </a:r>
             <a:r>
-              <a:rPr lang="es-MX" dirty="0"/>
+              <a:rPr lang="es-MX" dirty="0">
+                <a:latin typeface="+mj-lt"/>
+              </a:rPr>
               <a:t> </a:t>
             </a:r>
           </a:p>
@@ -10433,10 +15123,14 @@
               <a:buNone/>
             </a:pPr>
             <a:r>
-              <a:rPr lang="es-MX" dirty="0"/>
+              <a:rPr lang="es-MX" dirty="0">
+                <a:latin typeface="+mj-lt"/>
+              </a:rPr>
               <a:t>Si nuestra precisión y sensibilidad son buenas, el F1 score también será alto. Si alguna de las dos no es tan buena, el F1 score será más bajo.</a:t>
             </a:r>
-            <a:endParaRPr lang="es-CO" dirty="0"/>
+            <a:endParaRPr lang="es-CO" dirty="0">
+              <a:latin typeface="+mj-lt"/>
+            </a:endParaRPr>
           </a:p>
         </p:txBody>
       </p:sp>
@@ -10492,10 +15186,26 @@
           <a:lstStyle/>
           <a:p>
             <a:r>
-              <a:rPr lang="es-MX" dirty="0"/>
+              <a:rPr lang="es-MX" b="1" dirty="0">
+                <a:effectLst>
+                  <a:outerShdw blurRad="38100" dist="38100" dir="2700000" algn="tl">
+                    <a:srgbClr val="000000">
+                      <a:alpha val="43137"/>
+                    </a:srgbClr>
+                  </a:outerShdw>
+                </a:effectLst>
+              </a:rPr>
               <a:t>Matriz de confusión</a:t>
             </a:r>
-            <a:endParaRPr lang="es-CO" dirty="0"/>
+            <a:endParaRPr lang="es-CO" b="1" dirty="0">
+              <a:effectLst>
+                <a:outerShdw blurRad="38100" dist="38100" dir="2700000" algn="tl">
+                  <a:srgbClr val="000000">
+                    <a:alpha val="43137"/>
+                  </a:srgbClr>
+                </a:outerShdw>
+              </a:effectLst>
+            </a:endParaRPr>
           </a:p>
         </p:txBody>
       </p:sp>
@@ -10581,10 +15291,26 @@
           <a:lstStyle/>
           <a:p>
             <a:r>
-              <a:rPr lang="es-MX" dirty="0"/>
+              <a:rPr lang="es-MX" b="1" dirty="0">
+                <a:effectLst>
+                  <a:outerShdw blurRad="38100" dist="38100" dir="2700000" algn="tl">
+                    <a:srgbClr val="000000">
+                      <a:alpha val="43137"/>
+                    </a:srgbClr>
+                  </a:outerShdw>
+                </a:effectLst>
+              </a:rPr>
               <a:t>Otros modelos supervisados</a:t>
             </a:r>
-            <a:endParaRPr lang="es-CO" dirty="0"/>
+            <a:endParaRPr lang="es-CO" b="1" dirty="0">
+              <a:effectLst>
+                <a:outerShdw blurRad="38100" dist="38100" dir="2700000" algn="tl">
+                  <a:srgbClr val="000000">
+                    <a:alpha val="43137"/>
+                  </a:srgbClr>
+                </a:outerShdw>
+              </a:effectLst>
+            </a:endParaRPr>
           </a:p>
         </p:txBody>
       </p:sp>
@@ -10640,26 +15366,74 @@
           <a:lstStyle/>
           <a:p>
             <a:r>
-              <a:rPr lang="es-MX" dirty="0"/>
+              <a:rPr lang="es-MX" b="1" dirty="0">
+                <a:effectLst>
+                  <a:outerShdw blurRad="38100" dist="38100" dir="2700000" algn="tl">
+                    <a:srgbClr val="000000">
+                      <a:alpha val="43137"/>
+                    </a:srgbClr>
+                  </a:outerShdw>
+                </a:effectLst>
+              </a:rPr>
               <a:t>K-</a:t>
             </a:r>
             <a:r>
-              <a:rPr lang="es-MX" dirty="0" err="1"/>
+              <a:rPr lang="es-MX" b="1" dirty="0" err="1">
+                <a:effectLst>
+                  <a:outerShdw blurRad="38100" dist="38100" dir="2700000" algn="tl">
+                    <a:srgbClr val="000000">
+                      <a:alpha val="43137"/>
+                    </a:srgbClr>
+                  </a:outerShdw>
+                </a:effectLst>
+              </a:rPr>
               <a:t>Nearest</a:t>
             </a:r>
             <a:r>
-              <a:rPr lang="es-MX" dirty="0"/>
+              <a:rPr lang="es-MX" b="1" dirty="0">
+                <a:effectLst>
+                  <a:outerShdw blurRad="38100" dist="38100" dir="2700000" algn="tl">
+                    <a:srgbClr val="000000">
+                      <a:alpha val="43137"/>
+                    </a:srgbClr>
+                  </a:outerShdw>
+                </a:effectLst>
+              </a:rPr>
               <a:t> </a:t>
             </a:r>
             <a:r>
-              <a:rPr lang="es-MX" dirty="0" err="1"/>
+              <a:rPr lang="es-MX" b="1" dirty="0" err="1">
+                <a:effectLst>
+                  <a:outerShdw blurRad="38100" dist="38100" dir="2700000" algn="tl">
+                    <a:srgbClr val="000000">
+                      <a:alpha val="43137"/>
+                    </a:srgbClr>
+                  </a:outerShdw>
+                </a:effectLst>
+              </a:rPr>
               <a:t>Neighbors</a:t>
             </a:r>
             <a:r>
-              <a:rPr lang="es-MX" dirty="0"/>
+              <a:rPr lang="es-MX" b="1" dirty="0">
+                <a:effectLst>
+                  <a:outerShdw blurRad="38100" dist="38100" dir="2700000" algn="tl">
+                    <a:srgbClr val="000000">
+                      <a:alpha val="43137"/>
+                    </a:srgbClr>
+                  </a:outerShdw>
+                </a:effectLst>
+              </a:rPr>
               <a:t> (KNN)</a:t>
             </a:r>
-            <a:endParaRPr lang="es-CO" dirty="0"/>
+            <a:endParaRPr lang="es-CO" b="1" dirty="0">
+              <a:effectLst>
+                <a:outerShdw blurRad="38100" dist="38100" dir="2700000" algn="tl">
+                  <a:srgbClr val="000000">
+                    <a:alpha val="43137"/>
+                  </a:srgbClr>
+                </a:outerShdw>
+              </a:effectLst>
+            </a:endParaRPr>
           </a:p>
         </p:txBody>
       </p:sp>
@@ -10692,35 +15466,47 @@
           <a:lstStyle/>
           <a:p>
             <a:r>
-              <a:rPr lang="es-MX" dirty="0"/>
+              <a:rPr lang="es-MX" dirty="0">
+                <a:latin typeface="+mj-lt"/>
+              </a:rPr>
               <a:t>Clasifica una instancia basándose en la clase de sus vecinos más cercanos. </a:t>
             </a:r>
           </a:p>
           <a:p>
             <a:r>
-              <a:rPr lang="es-MX" dirty="0"/>
+              <a:rPr lang="es-MX" dirty="0">
+                <a:latin typeface="+mj-lt"/>
+              </a:rPr>
               <a:t>Simple de implementar</a:t>
             </a:r>
           </a:p>
           <a:p>
             <a:r>
-              <a:rPr lang="es-MX" dirty="0"/>
+              <a:rPr lang="es-MX" dirty="0">
+                <a:latin typeface="+mj-lt"/>
+              </a:rPr>
               <a:t>Puede ser lento con grandes conjuntos de datos.</a:t>
             </a:r>
           </a:p>
           <a:p>
-            <a:endParaRPr lang="es-MX" dirty="0"/>
+            <a:endParaRPr lang="es-MX" dirty="0">
+              <a:latin typeface="+mj-lt"/>
+            </a:endParaRPr>
           </a:p>
           <a:p>
             <a:pPr marL="0" indent="0">
               <a:buNone/>
             </a:pPr>
             <a:r>
-              <a:rPr lang="es-MX" b="1" dirty="0"/>
+              <a:rPr lang="es-MX" b="1" dirty="0">
+                <a:latin typeface="+mj-lt"/>
+              </a:rPr>
               <a:t>Caso de uso:</a:t>
             </a:r>
             <a:r>
-              <a:rPr lang="es-MX" dirty="0"/>
+              <a:rPr lang="es-MX" dirty="0">
+                <a:latin typeface="+mj-lt"/>
+              </a:rPr>
               <a:t> </a:t>
             </a:r>
           </a:p>
@@ -10729,10 +15515,14 @@
               <a:buNone/>
             </a:pPr>
             <a:r>
-              <a:rPr lang="es-MX" dirty="0"/>
+              <a:rPr lang="es-MX" dirty="0">
+                <a:latin typeface="+mj-lt"/>
+              </a:rPr>
               <a:t>Clasificar flores en diferentes especies basándose en características como el tamaño de los pétalos.</a:t>
             </a:r>
-            <a:endParaRPr lang="es-CO" dirty="0"/>
+            <a:endParaRPr lang="es-CO" dirty="0">
+              <a:latin typeface="+mj-lt"/>
+            </a:endParaRPr>
           </a:p>
         </p:txBody>
       </p:sp>
@@ -10758,7 +15548,7 @@
         </p:blipFill>
         <p:spPr>
           <a:xfrm>
-            <a:off x="7246620" y="2094438"/>
+            <a:off x="7246620" y="2568203"/>
             <a:ext cx="4168993" cy="2866182"/>
           </a:xfrm>
           <a:prstGeom prst="rect">
@@ -10818,10 +15608,26 @@
           <a:lstStyle/>
           <a:p>
             <a:r>
-              <a:rPr lang="es-MX" dirty="0"/>
+              <a:rPr lang="es-MX" b="1" dirty="0">
+                <a:effectLst>
+                  <a:outerShdw blurRad="38100" dist="38100" dir="2700000" algn="tl">
+                    <a:srgbClr val="000000">
+                      <a:alpha val="43137"/>
+                    </a:srgbClr>
+                  </a:outerShdw>
+                </a:effectLst>
+              </a:rPr>
               <a:t>Redes neuronales</a:t>
             </a:r>
-            <a:endParaRPr lang="es-CO" dirty="0"/>
+            <a:endParaRPr lang="es-CO" b="1" dirty="0">
+              <a:effectLst>
+                <a:outerShdw blurRad="38100" dist="38100" dir="2700000" algn="tl">
+                  <a:srgbClr val="000000">
+                    <a:alpha val="43137"/>
+                  </a:srgbClr>
+                </a:outerShdw>
+              </a:effectLst>
+            </a:endParaRPr>
           </a:p>
         </p:txBody>
       </p:sp>
@@ -10854,35 +15660,47 @@
           <a:lstStyle/>
           <a:p>
             <a:r>
-              <a:rPr lang="es-MX" dirty="0"/>
+              <a:rPr lang="es-MX" dirty="0">
+                <a:latin typeface="+mj-lt"/>
+              </a:rPr>
               <a:t>Aprenden patrones complejos y no lineales a través de múltiples capas de neuronas conectadas. </a:t>
             </a:r>
           </a:p>
           <a:p>
             <a:r>
-              <a:rPr lang="es-MX" dirty="0"/>
+              <a:rPr lang="es-MX" dirty="0">
+                <a:latin typeface="+mj-lt"/>
+              </a:rPr>
               <a:t>Muy potentes</a:t>
             </a:r>
           </a:p>
           <a:p>
             <a:r>
-              <a:rPr lang="es-MX" dirty="0"/>
+              <a:rPr lang="es-MX" dirty="0">
+                <a:latin typeface="+mj-lt"/>
+              </a:rPr>
               <a:t>Requieren muchos datos para funcionar bien.</a:t>
             </a:r>
           </a:p>
           <a:p>
-            <a:endParaRPr lang="es-MX" dirty="0"/>
+            <a:endParaRPr lang="es-MX" dirty="0">
+              <a:latin typeface="+mj-lt"/>
+            </a:endParaRPr>
           </a:p>
           <a:p>
             <a:pPr marL="0" indent="0">
               <a:buNone/>
             </a:pPr>
             <a:r>
-              <a:rPr lang="es-MX" b="1" dirty="0"/>
+              <a:rPr lang="es-MX" b="1" dirty="0">
+                <a:latin typeface="+mj-lt"/>
+              </a:rPr>
               <a:t>Caso de uso:</a:t>
             </a:r>
             <a:r>
-              <a:rPr lang="es-MX" dirty="0"/>
+              <a:rPr lang="es-MX" dirty="0">
+                <a:latin typeface="+mj-lt"/>
+              </a:rPr>
               <a:t> </a:t>
             </a:r>
           </a:p>
@@ -10891,10 +15709,14 @@
               <a:buNone/>
             </a:pPr>
             <a:r>
-              <a:rPr lang="es-MX" dirty="0"/>
+              <a:rPr lang="es-MX" dirty="0">
+                <a:latin typeface="+mj-lt"/>
+              </a:rPr>
               <a:t>Reconocimiento de imágenes para clasificar objetos o personas.</a:t>
             </a:r>
-            <a:endParaRPr lang="es-CO" dirty="0"/>
+            <a:endParaRPr lang="es-CO" dirty="0">
+              <a:latin typeface="+mj-lt"/>
+            </a:endParaRPr>
           </a:p>
         </p:txBody>
       </p:sp>
@@ -10980,10 +15802,26 @@
           <a:lstStyle/>
           <a:p>
             <a:r>
-              <a:rPr lang="es-MX" dirty="0"/>
+              <a:rPr lang="es-MX" b="1" dirty="0">
+                <a:effectLst>
+                  <a:outerShdw blurRad="38100" dist="38100" dir="2700000" algn="tl">
+                    <a:srgbClr val="000000">
+                      <a:alpha val="43137"/>
+                    </a:srgbClr>
+                  </a:outerShdw>
+                </a:effectLst>
+              </a:rPr>
               <a:t>Árboles de decisión</a:t>
             </a:r>
-            <a:endParaRPr lang="es-CO" dirty="0"/>
+            <a:endParaRPr lang="es-CO" b="1" dirty="0">
+              <a:effectLst>
+                <a:outerShdw blurRad="38100" dist="38100" dir="2700000" algn="tl">
+                  <a:srgbClr val="000000">
+                    <a:alpha val="43137"/>
+                  </a:srgbClr>
+                </a:outerShdw>
+              </a:effectLst>
+            </a:endParaRPr>
           </a:p>
         </p:txBody>
       </p:sp>
@@ -11014,27 +15852,37 @@
           <a:lstStyle/>
           <a:p>
             <a:r>
-              <a:rPr lang="es-MX" dirty="0"/>
+              <a:rPr lang="es-MX" dirty="0">
+                <a:latin typeface="+mj-lt"/>
+              </a:rPr>
               <a:t>Divide los datos en ramas basadas en características y valores para hacer predicciones. </a:t>
             </a:r>
           </a:p>
           <a:p>
             <a:r>
-              <a:rPr lang="es-MX" dirty="0"/>
+              <a:rPr lang="es-MX" dirty="0">
+                <a:latin typeface="+mj-lt"/>
+              </a:rPr>
               <a:t>Es fácil de interpretar</a:t>
             </a:r>
           </a:p>
           <a:p>
             <a:r>
-              <a:rPr lang="es-MX" dirty="0"/>
+              <a:rPr lang="es-MX" dirty="0">
+                <a:latin typeface="+mj-lt"/>
+              </a:rPr>
               <a:t>Puede </a:t>
             </a:r>
             <a:r>
-              <a:rPr lang="es-MX" dirty="0" err="1"/>
+              <a:rPr lang="es-MX" dirty="0" err="1">
+                <a:latin typeface="+mj-lt"/>
+              </a:rPr>
               <a:t>sobreajustarse</a:t>
             </a:r>
             <a:r>
-              <a:rPr lang="es-MX" dirty="0"/>
+              <a:rPr lang="es-MX" dirty="0">
+                <a:latin typeface="+mj-lt"/>
+              </a:rPr>
               <a:t>.</a:t>
             </a:r>
           </a:p>
@@ -11042,18 +15890,24 @@
             <a:pPr marL="0" indent="0">
               <a:buNone/>
             </a:pPr>
-            <a:endParaRPr lang="es-MX" dirty="0"/>
+            <a:endParaRPr lang="es-MX" dirty="0">
+              <a:latin typeface="+mj-lt"/>
+            </a:endParaRPr>
           </a:p>
           <a:p>
             <a:pPr marL="0" indent="0">
               <a:buNone/>
             </a:pPr>
             <a:r>
-              <a:rPr lang="es-MX" b="1" dirty="0"/>
+              <a:rPr lang="es-MX" b="1" dirty="0">
+                <a:latin typeface="+mj-lt"/>
+              </a:rPr>
               <a:t>Caso de uso:</a:t>
             </a:r>
             <a:r>
-              <a:rPr lang="es-MX" dirty="0"/>
+              <a:rPr lang="es-MX" dirty="0">
+                <a:latin typeface="+mj-lt"/>
+              </a:rPr>
               <a:t> </a:t>
             </a:r>
           </a:p>
@@ -11062,10 +15916,14 @@
               <a:buNone/>
             </a:pPr>
             <a:r>
-              <a:rPr lang="es-MX" dirty="0"/>
+              <a:rPr lang="es-MX" dirty="0">
+                <a:latin typeface="+mj-lt"/>
+              </a:rPr>
               <a:t>Predecir el precio de un automóvil en función del modelo, año y kilometraje.</a:t>
             </a:r>
-            <a:endParaRPr lang="es-CO" dirty="0"/>
+            <a:endParaRPr lang="es-CO" dirty="0">
+              <a:latin typeface="+mj-lt"/>
+            </a:endParaRPr>
           </a:p>
         </p:txBody>
       </p:sp>
@@ -11091,8 +15949,8 @@
         </p:blipFill>
         <p:spPr>
           <a:xfrm>
-            <a:off x="7155180" y="2161428"/>
-            <a:ext cx="4047293" cy="3175224"/>
+            <a:off x="7619999" y="2159889"/>
+            <a:ext cx="3235340" cy="2538222"/>
           </a:xfrm>
           <a:prstGeom prst="rect">
             <a:avLst/>
@@ -11151,14 +16009,38 @@
           <a:lstStyle/>
           <a:p>
             <a:r>
-              <a:rPr lang="es-MX" dirty="0" err="1"/>
+              <a:rPr lang="es-MX" b="1" dirty="0" err="1">
+                <a:effectLst>
+                  <a:outerShdw blurRad="38100" dist="38100" dir="2700000" algn="tl">
+                    <a:srgbClr val="000000">
+                      <a:alpha val="43137"/>
+                    </a:srgbClr>
+                  </a:outerShdw>
+                </a:effectLst>
+              </a:rPr>
               <a:t>Random</a:t>
             </a:r>
             <a:r>
-              <a:rPr lang="es-MX" dirty="0"/>
+              <a:rPr lang="es-MX" b="1" dirty="0">
+                <a:effectLst>
+                  <a:outerShdw blurRad="38100" dist="38100" dir="2700000" algn="tl">
+                    <a:srgbClr val="000000">
+                      <a:alpha val="43137"/>
+                    </a:srgbClr>
+                  </a:outerShdw>
+                </a:effectLst>
+              </a:rPr>
               <a:t> Forest</a:t>
             </a:r>
-            <a:endParaRPr lang="es-CO" dirty="0"/>
+            <a:endParaRPr lang="es-CO" b="1" dirty="0">
+              <a:effectLst>
+                <a:outerShdw blurRad="38100" dist="38100" dir="2700000" algn="tl">
+                  <a:srgbClr val="000000">
+                    <a:alpha val="43137"/>
+                  </a:srgbClr>
+                </a:outerShdw>
+              </a:effectLst>
+            </a:endParaRPr>
           </a:p>
         </p:txBody>
       </p:sp>
@@ -11191,35 +16073,47 @@
           <a:lstStyle/>
           <a:p>
             <a:r>
-              <a:rPr lang="es-MX" dirty="0"/>
+              <a:rPr lang="es-MX" dirty="0">
+                <a:latin typeface="+mj-lt"/>
+              </a:rPr>
               <a:t>Combina múltiples árboles de decisión para mejorar la precisión</a:t>
             </a:r>
           </a:p>
           <a:p>
             <a:r>
-              <a:rPr lang="es-MX" dirty="0"/>
+              <a:rPr lang="es-MX" dirty="0">
+                <a:latin typeface="+mj-lt"/>
+              </a:rPr>
               <a:t>Reduce el riesgo de sobreajuste. </a:t>
             </a:r>
           </a:p>
           <a:p>
             <a:r>
-              <a:rPr lang="es-MX" dirty="0"/>
+              <a:rPr lang="es-MX" dirty="0">
+                <a:latin typeface="+mj-lt"/>
+              </a:rPr>
               <a:t>Es robusto y versátil para distintos tipos de datos.</a:t>
             </a:r>
           </a:p>
           <a:p>
-            <a:endParaRPr lang="es-MX" dirty="0"/>
+            <a:endParaRPr lang="es-MX" dirty="0">
+              <a:latin typeface="+mj-lt"/>
+            </a:endParaRPr>
           </a:p>
           <a:p>
             <a:pPr marL="0" indent="0">
               <a:buNone/>
             </a:pPr>
             <a:r>
-              <a:rPr lang="es-MX" b="1" dirty="0"/>
+              <a:rPr lang="es-MX" b="1" dirty="0">
+                <a:latin typeface="+mj-lt"/>
+              </a:rPr>
               <a:t>Caso de uso:</a:t>
             </a:r>
             <a:r>
-              <a:rPr lang="es-MX" dirty="0"/>
+              <a:rPr lang="es-MX" dirty="0">
+                <a:latin typeface="+mj-lt"/>
+              </a:rPr>
               <a:t> </a:t>
             </a:r>
           </a:p>
@@ -11228,10 +16122,14 @@
               <a:buNone/>
             </a:pPr>
             <a:r>
-              <a:rPr lang="es-MX" dirty="0"/>
+              <a:rPr lang="es-MX" dirty="0">
+                <a:latin typeface="+mj-lt"/>
+              </a:rPr>
               <a:t>Predecir el valor de una propiedad basada en características como ubicación, tamaño y características adicionales.</a:t>
             </a:r>
-            <a:endParaRPr lang="es-CO" dirty="0"/>
+            <a:endParaRPr lang="es-CO" dirty="0">
+              <a:latin typeface="+mj-lt"/>
+            </a:endParaRPr>
           </a:p>
         </p:txBody>
       </p:sp>
@@ -11257,8 +16155,8 @@
         </p:blipFill>
         <p:spPr>
           <a:xfrm>
-            <a:off x="7124700" y="2045850"/>
-            <a:ext cx="4854504" cy="3189090"/>
+            <a:off x="7687733" y="2116729"/>
+            <a:ext cx="3995137" cy="2624542"/>
           </a:xfrm>
           <a:prstGeom prst="rect">
             <a:avLst/>
@@ -11317,10 +16215,26 @@
           <a:lstStyle/>
           <a:p>
             <a:r>
-              <a:rPr lang="es-MX" dirty="0"/>
+              <a:rPr lang="es-MX" b="1" dirty="0">
+                <a:effectLst>
+                  <a:outerShdw blurRad="38100" dist="38100" dir="2700000" algn="tl">
+                    <a:srgbClr val="000000">
+                      <a:alpha val="43137"/>
+                    </a:srgbClr>
+                  </a:outerShdw>
+                </a:effectLst>
+              </a:rPr>
               <a:t>Otros modelos</a:t>
             </a:r>
-            <a:endParaRPr lang="es-CO" dirty="0"/>
+            <a:endParaRPr lang="es-CO" b="1" dirty="0">
+              <a:effectLst>
+                <a:outerShdw blurRad="38100" dist="38100" dir="2700000" algn="tl">
+                  <a:srgbClr val="000000">
+                    <a:alpha val="43137"/>
+                  </a:srgbClr>
+                </a:outerShdw>
+              </a:effectLst>
+            </a:endParaRPr>
           </a:p>
         </p:txBody>
       </p:sp>
@@ -11346,55 +16260,81 @@
           <a:lstStyle/>
           <a:p>
             <a:r>
-              <a:rPr lang="es-MX" dirty="0" err="1"/>
+              <a:rPr lang="es-MX" dirty="0" err="1">
+                <a:latin typeface="+mj-lt"/>
+              </a:rPr>
               <a:t>Naive</a:t>
             </a:r>
             <a:r>
-              <a:rPr lang="es-MX" dirty="0"/>
+              <a:rPr lang="es-MX" dirty="0">
+                <a:latin typeface="+mj-lt"/>
+              </a:rPr>
               <a:t> Bayes</a:t>
             </a:r>
           </a:p>
           <a:p>
             <a:r>
-              <a:rPr lang="es-MX" dirty="0" err="1"/>
+              <a:rPr lang="es-MX" dirty="0" err="1">
+                <a:latin typeface="+mj-lt"/>
+              </a:rPr>
               <a:t>Gradient</a:t>
             </a:r>
             <a:r>
-              <a:rPr lang="es-MX" dirty="0"/>
+              <a:rPr lang="es-MX" dirty="0">
+                <a:latin typeface="+mj-lt"/>
+              </a:rPr>
               <a:t> </a:t>
             </a:r>
             <a:r>
-              <a:rPr lang="es-MX" dirty="0" err="1"/>
+              <a:rPr lang="es-MX" dirty="0" err="1">
+                <a:latin typeface="+mj-lt"/>
+              </a:rPr>
               <a:t>Boosting</a:t>
             </a:r>
-            <a:endParaRPr lang="es-MX" dirty="0"/>
-          </a:p>
-          <a:p>
-            <a:r>
-              <a:rPr lang="es-MX" dirty="0" err="1"/>
+            <a:endParaRPr lang="es-MX" dirty="0">
+              <a:latin typeface="+mj-lt"/>
+            </a:endParaRPr>
+          </a:p>
+          <a:p>
+            <a:r>
+              <a:rPr lang="es-MX" dirty="0" err="1">
+                <a:latin typeface="+mj-lt"/>
+              </a:rPr>
               <a:t>XGBoost</a:t>
             </a:r>
-            <a:endParaRPr lang="es-MX" dirty="0"/>
-          </a:p>
-          <a:p>
-            <a:r>
-              <a:rPr lang="es-MX" dirty="0" err="1"/>
+            <a:endParaRPr lang="es-MX" dirty="0">
+              <a:latin typeface="+mj-lt"/>
+            </a:endParaRPr>
+          </a:p>
+          <a:p>
+            <a:r>
+              <a:rPr lang="es-MX" dirty="0" err="1">
+                <a:latin typeface="+mj-lt"/>
+              </a:rPr>
               <a:t>LightGBM</a:t>
             </a:r>
-            <a:endParaRPr lang="es-MX" dirty="0"/>
-          </a:p>
-          <a:p>
-            <a:r>
-              <a:rPr lang="es-MX" dirty="0" err="1"/>
+            <a:endParaRPr lang="es-MX" dirty="0">
+              <a:latin typeface="+mj-lt"/>
+            </a:endParaRPr>
+          </a:p>
+          <a:p>
+            <a:r>
+              <a:rPr lang="es-MX" dirty="0" err="1">
+                <a:latin typeface="+mj-lt"/>
+              </a:rPr>
               <a:t>Support</a:t>
             </a:r>
             <a:r>
-              <a:rPr lang="es-MX" dirty="0"/>
+              <a:rPr lang="es-MX" dirty="0">
+                <a:latin typeface="+mj-lt"/>
+              </a:rPr>
               <a:t> Vector Machine (SVM)</a:t>
             </a:r>
           </a:p>
           <a:p>
-            <a:endParaRPr lang="es-CO" dirty="0"/>
+            <a:endParaRPr lang="es-CO" dirty="0">
+              <a:latin typeface="+mj-lt"/>
+            </a:endParaRPr>
           </a:p>
         </p:txBody>
       </p:sp>
@@ -11450,10 +16390,26 @@
           <a:lstStyle/>
           <a:p>
             <a:r>
-              <a:rPr lang="es-MX" dirty="0"/>
+              <a:rPr lang="es-MX" b="1" dirty="0">
+                <a:effectLst>
+                  <a:outerShdw blurRad="38100" dist="38100" dir="2700000" algn="tl">
+                    <a:srgbClr val="000000">
+                      <a:alpha val="43137"/>
+                    </a:srgbClr>
+                  </a:outerShdw>
+                </a:effectLst>
+              </a:rPr>
               <a:t>Programación tradicional - Software 1.0</a:t>
             </a:r>
-            <a:endParaRPr lang="es-CO" dirty="0"/>
+            <a:endParaRPr lang="es-CO" b="1" dirty="0">
+              <a:effectLst>
+                <a:outerShdw blurRad="38100" dist="38100" dir="2700000" algn="tl">
+                  <a:srgbClr val="000000">
+                    <a:alpha val="43137"/>
+                  </a:srgbClr>
+                </a:outerShdw>
+              </a:effectLst>
+            </a:endParaRPr>
           </a:p>
         </p:txBody>
       </p:sp>
@@ -11482,19 +16438,25 @@
               <a:buNone/>
             </a:pPr>
             <a:r>
-              <a:rPr lang="es-MX" dirty="0"/>
+              <a:rPr lang="es-MX" dirty="0">
+                <a:latin typeface="+mj-lt"/>
+              </a:rPr>
               <a:t>¿Cuando?</a:t>
             </a:r>
           </a:p>
           <a:p>
             <a:r>
-              <a:rPr lang="es-MX" dirty="0"/>
+              <a:rPr lang="es-MX" dirty="0">
+                <a:latin typeface="+mj-lt"/>
+              </a:rPr>
               <a:t>Problemas “simples”</a:t>
             </a:r>
           </a:p>
           <a:p>
             <a:r>
-              <a:rPr lang="es-MX" dirty="0"/>
+              <a:rPr lang="es-MX" dirty="0">
+                <a:latin typeface="+mj-lt"/>
+              </a:rPr>
               <a:t>Problemas completamente determinados</a:t>
             </a:r>
           </a:p>
@@ -11502,26 +16464,34 @@
             <a:pPr marL="0" indent="0">
               <a:buNone/>
             </a:pPr>
-            <a:endParaRPr lang="es-MX" dirty="0"/>
+            <a:endParaRPr lang="es-MX" dirty="0">
+              <a:latin typeface="+mj-lt"/>
+            </a:endParaRPr>
           </a:p>
           <a:p>
             <a:pPr marL="0" indent="0">
               <a:buNone/>
             </a:pPr>
             <a:r>
-              <a:rPr lang="es-MX" dirty="0"/>
+              <a:rPr lang="es-MX" dirty="0">
+                <a:latin typeface="+mj-lt"/>
+              </a:rPr>
               <a:t>Limitaciones</a:t>
             </a:r>
           </a:p>
           <a:p>
             <a:r>
-              <a:rPr lang="es-MX" dirty="0"/>
+              <a:rPr lang="es-MX" dirty="0">
+                <a:latin typeface="+mj-lt"/>
+              </a:rPr>
               <a:t>Problemas complejos =&gt; (+) lógica compleja</a:t>
             </a:r>
           </a:p>
           <a:p>
             <a:r>
-              <a:rPr lang="es-MX" dirty="0"/>
+              <a:rPr lang="es-MX" dirty="0">
+                <a:latin typeface="+mj-lt"/>
+              </a:rPr>
               <a:t>A veces no se conocen las reglas de forma explicita (Ajedrez)</a:t>
             </a:r>
           </a:p>
@@ -11537,6 +16507,147 @@
   <p:clrMapOvr>
     <a:masterClrMapping/>
   </p:clrMapOvr>
+  <p:timing>
+    <p:tnLst>
+      <p:par>
+        <p:cTn id="1" dur="indefinite" restart="never" nodeType="tmRoot">
+          <p:childTnLst>
+            <p:seq concurrent="1" nextAc="seek">
+              <p:cTn id="2" dur="indefinite" nodeType="mainSeq">
+                <p:childTnLst>
+                  <p:par>
+                    <p:cTn id="3" fill="hold">
+                      <p:stCondLst>
+                        <p:cond delay="indefinite"/>
+                      </p:stCondLst>
+                      <p:childTnLst>
+                        <p:par>
+                          <p:cTn id="4" fill="hold">
+                            <p:stCondLst>
+                              <p:cond delay="0"/>
+                            </p:stCondLst>
+                            <p:childTnLst>
+                              <p:par>
+                                <p:cTn id="5" presetID="1" presetClass="entr" presetSubtype="0" fill="hold" nodeType="clickEffect">
+                                  <p:stCondLst>
+                                    <p:cond delay="0"/>
+                                  </p:stCondLst>
+                                  <p:childTnLst>
+                                    <p:set>
+                                      <p:cBhvr>
+                                        <p:cTn id="6" dur="1" fill="hold">
+                                          <p:stCondLst>
+                                            <p:cond delay="0"/>
+                                          </p:stCondLst>
+                                        </p:cTn>
+                                        <p:tgtEl>
+                                          <p:spTgt spid="3">
+                                            <p:txEl>
+                                              <p:pRg st="4" end="4"/>
+                                            </p:txEl>
+                                          </p:spTgt>
+                                        </p:tgtEl>
+                                        <p:attrNameLst>
+                                          <p:attrName>style.visibility</p:attrName>
+                                        </p:attrNameLst>
+                                      </p:cBhvr>
+                                      <p:to>
+                                        <p:strVal val="visible"/>
+                                      </p:to>
+                                    </p:set>
+                                  </p:childTnLst>
+                                </p:cTn>
+                              </p:par>
+                              <p:par>
+                                <p:cTn id="7" presetID="1" presetClass="entr" presetSubtype="0" fill="hold" nodeType="withEffect">
+                                  <p:stCondLst>
+                                    <p:cond delay="0"/>
+                                  </p:stCondLst>
+                                  <p:childTnLst>
+                                    <p:set>
+                                      <p:cBhvr>
+                                        <p:cTn id="8" dur="1" fill="hold">
+                                          <p:stCondLst>
+                                            <p:cond delay="0"/>
+                                          </p:stCondLst>
+                                        </p:cTn>
+                                        <p:tgtEl>
+                                          <p:spTgt spid="3">
+                                            <p:txEl>
+                                              <p:pRg st="5" end="5"/>
+                                            </p:txEl>
+                                          </p:spTgt>
+                                        </p:tgtEl>
+                                        <p:attrNameLst>
+                                          <p:attrName>style.visibility</p:attrName>
+                                        </p:attrNameLst>
+                                      </p:cBhvr>
+                                      <p:to>
+                                        <p:strVal val="visible"/>
+                                      </p:to>
+                                    </p:set>
+                                  </p:childTnLst>
+                                </p:cTn>
+                              </p:par>
+                              <p:par>
+                                <p:cTn id="9" presetID="1" presetClass="entr" presetSubtype="0" fill="hold" nodeType="withEffect">
+                                  <p:stCondLst>
+                                    <p:cond delay="0"/>
+                                  </p:stCondLst>
+                                  <p:childTnLst>
+                                    <p:set>
+                                      <p:cBhvr>
+                                        <p:cTn id="10" dur="1" fill="hold">
+                                          <p:stCondLst>
+                                            <p:cond delay="0"/>
+                                          </p:stCondLst>
+                                        </p:cTn>
+                                        <p:tgtEl>
+                                          <p:spTgt spid="3">
+                                            <p:txEl>
+                                              <p:pRg st="6" end="6"/>
+                                            </p:txEl>
+                                          </p:spTgt>
+                                        </p:tgtEl>
+                                        <p:attrNameLst>
+                                          <p:attrName>style.visibility</p:attrName>
+                                        </p:attrNameLst>
+                                      </p:cBhvr>
+                                      <p:to>
+                                        <p:strVal val="visible"/>
+                                      </p:to>
+                                    </p:set>
+                                  </p:childTnLst>
+                                </p:cTn>
+                              </p:par>
+                            </p:childTnLst>
+                          </p:cTn>
+                        </p:par>
+                      </p:childTnLst>
+                    </p:cTn>
+                  </p:par>
+                </p:childTnLst>
+              </p:cTn>
+              <p:prevCondLst>
+                <p:cond evt="onPrev" delay="0">
+                  <p:tgtEl>
+                    <p:sldTgt/>
+                  </p:tgtEl>
+                </p:cond>
+              </p:prevCondLst>
+              <p:nextCondLst>
+                <p:cond evt="onNext" delay="0">
+                  <p:tgtEl>
+                    <p:sldTgt/>
+                  </p:tgtEl>
+                </p:cond>
+              </p:nextCondLst>
+            </p:seq>
+          </p:childTnLst>
+        </p:cTn>
+      </p:par>
+    </p:tnLst>
+  </p:timing>
 </p:sld>
 </file>
 
@@ -12246,6 +17357,208 @@
           </a:p>
         </p:txBody>
       </p:sp>
+      <p:sp>
+        <p:nvSpPr>
+          <p:cNvPr id="21" name="Flecha: a la derecha 20">
+            <a:extLst>
+              <a:ext uri="{FF2B5EF4-FFF2-40B4-BE49-F238E27FC236}">
+                <a16:creationId xmlns:a16="http://schemas.microsoft.com/office/drawing/2014/main" id="{5F0A7D03-8261-4E7A-B7A9-574226FAE4AA}"/>
+              </a:ext>
+            </a:extLst>
+          </p:cNvPr>
+          <p:cNvSpPr/>
+          <p:nvPr/>
+        </p:nvSpPr>
+        <p:spPr>
+          <a:xfrm>
+            <a:off x="2202731" y="4399595"/>
+            <a:ext cx="648020" cy="480060"/>
+          </a:xfrm>
+          <a:prstGeom prst="rightArrow">
+            <a:avLst/>
+          </a:prstGeom>
+          <a:solidFill>
+            <a:schemeClr val="bg2">
+              <a:lumMod val="50000"/>
+            </a:schemeClr>
+          </a:solidFill>
+          <a:ln>
+            <a:solidFill>
+              <a:schemeClr val="tx1"/>
+            </a:solidFill>
+          </a:ln>
+        </p:spPr>
+        <p:style>
+          <a:lnRef idx="2">
+            <a:schemeClr val="accent1">
+              <a:shade val="50000"/>
+            </a:schemeClr>
+          </a:lnRef>
+          <a:fillRef idx="1">
+            <a:schemeClr val="accent1"/>
+          </a:fillRef>
+          <a:effectRef idx="0">
+            <a:schemeClr val="accent1"/>
+          </a:effectRef>
+          <a:fontRef idx="minor">
+            <a:schemeClr val="lt1"/>
+          </a:fontRef>
+        </p:style>
+        <p:txBody>
+          <a:bodyPr rtlCol="0" anchor="ctr"/>
+          <a:lstStyle/>
+          <a:p>
+            <a:pPr algn="ctr"/>
+            <a:endParaRPr lang="es-CO"/>
+          </a:p>
+        </p:txBody>
+      </p:sp>
+      <p:pic>
+        <p:nvPicPr>
+          <p:cNvPr id="22" name="Imagen 21">
+            <a:extLst>
+              <a:ext uri="{FF2B5EF4-FFF2-40B4-BE49-F238E27FC236}">
+                <a16:creationId xmlns:a16="http://schemas.microsoft.com/office/drawing/2014/main" id="{BE6DEC24-9D35-449A-A173-1819DAD2688F}"/>
+              </a:ext>
+            </a:extLst>
+          </p:cNvPr>
+          <p:cNvPicPr>
+            <a:picLocks noChangeAspect="1"/>
+          </p:cNvPicPr>
+          <p:nvPr/>
+        </p:nvPicPr>
+        <p:blipFill>
+          <a:blip r:embed="rId5"/>
+          <a:stretch>
+            <a:fillRect/>
+          </a:stretch>
+        </p:blipFill>
+        <p:spPr>
+          <a:xfrm>
+            <a:off x="3103338" y="4036450"/>
+            <a:ext cx="985322" cy="1212374"/>
+          </a:xfrm>
+          <a:prstGeom prst="rect">
+            <a:avLst/>
+          </a:prstGeom>
+        </p:spPr>
+      </p:pic>
+      <p:sp>
+        <p:nvSpPr>
+          <p:cNvPr id="23" name="Globo: flecha hacia abajo 22">
+            <a:extLst>
+              <a:ext uri="{FF2B5EF4-FFF2-40B4-BE49-F238E27FC236}">
+                <a16:creationId xmlns:a16="http://schemas.microsoft.com/office/drawing/2014/main" id="{A107BE8D-3806-4F6B-AE10-7A5FD56D475B}"/>
+              </a:ext>
+            </a:extLst>
+          </p:cNvPr>
+          <p:cNvSpPr/>
+          <p:nvPr/>
+        </p:nvSpPr>
+        <p:spPr>
+          <a:xfrm>
+            <a:off x="7576960" y="2794935"/>
+            <a:ext cx="1600200" cy="817791"/>
+          </a:xfrm>
+          <a:prstGeom prst="downArrowCallout">
+            <a:avLst/>
+          </a:prstGeom>
+          <a:solidFill>
+            <a:schemeClr val="bg2">
+              <a:lumMod val="50000"/>
+            </a:schemeClr>
+          </a:solidFill>
+          <a:ln>
+            <a:solidFill>
+              <a:schemeClr val="tx1"/>
+            </a:solidFill>
+          </a:ln>
+        </p:spPr>
+        <p:style>
+          <a:lnRef idx="2">
+            <a:schemeClr val="accent1">
+              <a:shade val="50000"/>
+            </a:schemeClr>
+          </a:lnRef>
+          <a:fillRef idx="1">
+            <a:schemeClr val="accent1"/>
+          </a:fillRef>
+          <a:effectRef idx="0">
+            <a:schemeClr val="accent1"/>
+          </a:effectRef>
+          <a:fontRef idx="minor">
+            <a:schemeClr val="lt1"/>
+          </a:fontRef>
+        </p:style>
+        <p:txBody>
+          <a:bodyPr rtlCol="0" anchor="ctr"/>
+          <a:lstStyle/>
+          <a:p>
+            <a:pPr algn="ctr"/>
+            <a:r>
+              <a:rPr lang="es-MX" dirty="0"/>
+              <a:t>New Input</a:t>
+            </a:r>
+            <a:endParaRPr lang="es-CO" dirty="0"/>
+          </a:p>
+        </p:txBody>
+      </p:sp>
+      <p:sp>
+        <p:nvSpPr>
+          <p:cNvPr id="24" name="Flecha: a la derecha 23">
+            <a:extLst>
+              <a:ext uri="{FF2B5EF4-FFF2-40B4-BE49-F238E27FC236}">
+                <a16:creationId xmlns:a16="http://schemas.microsoft.com/office/drawing/2014/main" id="{526CBA93-3019-48A8-990B-0E21C0F01358}"/>
+              </a:ext>
+            </a:extLst>
+          </p:cNvPr>
+          <p:cNvSpPr/>
+          <p:nvPr/>
+        </p:nvSpPr>
+        <p:spPr>
+          <a:xfrm>
+            <a:off x="6756158" y="4400393"/>
+            <a:ext cx="648020" cy="480060"/>
+          </a:xfrm>
+          <a:prstGeom prst="rightArrow">
+            <a:avLst/>
+          </a:prstGeom>
+          <a:solidFill>
+            <a:schemeClr val="bg2">
+              <a:lumMod val="50000"/>
+            </a:schemeClr>
+          </a:solidFill>
+          <a:ln>
+            <a:solidFill>
+              <a:schemeClr val="tx1"/>
+            </a:solidFill>
+          </a:ln>
+        </p:spPr>
+        <p:style>
+          <a:lnRef idx="2">
+            <a:schemeClr val="accent1">
+              <a:shade val="50000"/>
+            </a:schemeClr>
+          </a:lnRef>
+          <a:fillRef idx="1">
+            <a:schemeClr val="accent1"/>
+          </a:fillRef>
+          <a:effectRef idx="0">
+            <a:schemeClr val="accent1"/>
+          </a:effectRef>
+          <a:fontRef idx="minor">
+            <a:schemeClr val="lt1"/>
+          </a:fontRef>
+        </p:style>
+        <p:txBody>
+          <a:bodyPr rtlCol="0" anchor="ctr"/>
+          <a:lstStyle/>
+          <a:p>
+            <a:pPr algn="ctr"/>
+            <a:endParaRPr lang="es-CO"/>
+          </a:p>
+        </p:txBody>
+      </p:sp>
     </p:spTree>
     <p:extLst>
       <p:ext uri="{BB962C8B-B14F-4D97-AF65-F5344CB8AC3E}">
@@ -12256,6 +17569,443 @@
   <p:clrMapOvr>
     <a:masterClrMapping/>
   </p:clrMapOvr>
+  <p:timing>
+    <p:tnLst>
+      <p:par>
+        <p:cTn id="1" dur="indefinite" restart="never" nodeType="tmRoot">
+          <p:childTnLst>
+            <p:seq concurrent="1" nextAc="seek">
+              <p:cTn id="2" dur="indefinite" nodeType="mainSeq">
+                <p:childTnLst>
+                  <p:par>
+                    <p:cTn id="3" fill="hold">
+                      <p:stCondLst>
+                        <p:cond delay="indefinite"/>
+                      </p:stCondLst>
+                      <p:childTnLst>
+                        <p:par>
+                          <p:cTn id="4" fill="hold">
+                            <p:stCondLst>
+                              <p:cond delay="0"/>
+                            </p:stCondLst>
+                            <p:childTnLst>
+                              <p:par>
+                                <p:cTn id="5" presetID="1" presetClass="entr" presetSubtype="0" fill="hold" grpId="0" nodeType="clickEffect">
+                                  <p:stCondLst>
+                                    <p:cond delay="0"/>
+                                  </p:stCondLst>
+                                  <p:childTnLst>
+                                    <p:set>
+                                      <p:cBhvr>
+                                        <p:cTn id="6" dur="1" fill="hold">
+                                          <p:stCondLst>
+                                            <p:cond delay="0"/>
+                                          </p:stCondLst>
+                                        </p:cTn>
+                                        <p:tgtEl>
+                                          <p:spTgt spid="21"/>
+                                        </p:tgtEl>
+                                        <p:attrNameLst>
+                                          <p:attrName>style.visibility</p:attrName>
+                                        </p:attrNameLst>
+                                      </p:cBhvr>
+                                      <p:to>
+                                        <p:strVal val="visible"/>
+                                      </p:to>
+                                    </p:set>
+                                  </p:childTnLst>
+                                </p:cTn>
+                              </p:par>
+                              <p:par>
+                                <p:cTn id="7" presetID="1" presetClass="entr" presetSubtype="0" fill="hold" nodeType="withEffect">
+                                  <p:stCondLst>
+                                    <p:cond delay="0"/>
+                                  </p:stCondLst>
+                                  <p:childTnLst>
+                                    <p:set>
+                                      <p:cBhvr>
+                                        <p:cTn id="8" dur="1" fill="hold">
+                                          <p:stCondLst>
+                                            <p:cond delay="0"/>
+                                          </p:stCondLst>
+                                        </p:cTn>
+                                        <p:tgtEl>
+                                          <p:spTgt spid="22"/>
+                                        </p:tgtEl>
+                                        <p:attrNameLst>
+                                          <p:attrName>style.visibility</p:attrName>
+                                        </p:attrNameLst>
+                                      </p:cBhvr>
+                                      <p:to>
+                                        <p:strVal val="visible"/>
+                                      </p:to>
+                                    </p:set>
+                                  </p:childTnLst>
+                                </p:cTn>
+                              </p:par>
+                            </p:childTnLst>
+                          </p:cTn>
+                        </p:par>
+                      </p:childTnLst>
+                    </p:cTn>
+                  </p:par>
+                  <p:par>
+                    <p:cTn id="9" fill="hold">
+                      <p:stCondLst>
+                        <p:cond delay="indefinite"/>
+                      </p:stCondLst>
+                      <p:childTnLst>
+                        <p:par>
+                          <p:cTn id="10" fill="hold">
+                            <p:stCondLst>
+                              <p:cond delay="0"/>
+                            </p:stCondLst>
+                            <p:childTnLst>
+                              <p:par>
+                                <p:cTn id="11" presetID="1" presetClass="entr" presetSubtype="0" fill="hold" grpId="0" nodeType="clickEffect">
+                                  <p:stCondLst>
+                                    <p:cond delay="0"/>
+                                  </p:stCondLst>
+                                  <p:childTnLst>
+                                    <p:set>
+                                      <p:cBhvr>
+                                        <p:cTn id="12" dur="1" fill="hold">
+                                          <p:stCondLst>
+                                            <p:cond delay="0"/>
+                                          </p:stCondLst>
+                                        </p:cTn>
+                                        <p:tgtEl>
+                                          <p:spTgt spid="18"/>
+                                        </p:tgtEl>
+                                        <p:attrNameLst>
+                                          <p:attrName>style.visibility</p:attrName>
+                                        </p:attrNameLst>
+                                      </p:cBhvr>
+                                      <p:to>
+                                        <p:strVal val="visible"/>
+                                      </p:to>
+                                    </p:set>
+                                  </p:childTnLst>
+                                </p:cTn>
+                              </p:par>
+                              <p:par>
+                                <p:cTn id="13" presetID="1" presetClass="entr" presetSubtype="0" fill="hold" grpId="0" nodeType="withEffect">
+                                  <p:stCondLst>
+                                    <p:cond delay="0"/>
+                                  </p:stCondLst>
+                                  <p:childTnLst>
+                                    <p:set>
+                                      <p:cBhvr>
+                                        <p:cTn id="14" dur="1" fill="hold">
+                                          <p:stCondLst>
+                                            <p:cond delay="0"/>
+                                          </p:stCondLst>
+                                        </p:cTn>
+                                        <p:tgtEl>
+                                          <p:spTgt spid="19"/>
+                                        </p:tgtEl>
+                                        <p:attrNameLst>
+                                          <p:attrName>style.visibility</p:attrName>
+                                        </p:attrNameLst>
+                                      </p:cBhvr>
+                                      <p:to>
+                                        <p:strVal val="visible"/>
+                                      </p:to>
+                                    </p:set>
+                                  </p:childTnLst>
+                                </p:cTn>
+                              </p:par>
+                            </p:childTnLst>
+                          </p:cTn>
+                        </p:par>
+                      </p:childTnLst>
+                    </p:cTn>
+                  </p:par>
+                  <p:par>
+                    <p:cTn id="15" fill="hold">
+                      <p:stCondLst>
+                        <p:cond delay="indefinite"/>
+                      </p:stCondLst>
+                      <p:childTnLst>
+                        <p:par>
+                          <p:cTn id="16" fill="hold">
+                            <p:stCondLst>
+                              <p:cond delay="0"/>
+                            </p:stCondLst>
+                            <p:childTnLst>
+                              <p:par>
+                                <p:cTn id="17" presetID="1" presetClass="entr" presetSubtype="0" fill="hold" grpId="0" nodeType="clickEffect">
+                                  <p:stCondLst>
+                                    <p:cond delay="0"/>
+                                  </p:stCondLst>
+                                  <p:childTnLst>
+                                    <p:set>
+                                      <p:cBhvr>
+                                        <p:cTn id="18" dur="1" fill="hold">
+                                          <p:stCondLst>
+                                            <p:cond delay="0"/>
+                                          </p:stCondLst>
+                                        </p:cTn>
+                                        <p:tgtEl>
+                                          <p:spTgt spid="16"/>
+                                        </p:tgtEl>
+                                        <p:attrNameLst>
+                                          <p:attrName>style.visibility</p:attrName>
+                                        </p:attrNameLst>
+                                      </p:cBhvr>
+                                      <p:to>
+                                        <p:strVal val="visible"/>
+                                      </p:to>
+                                    </p:set>
+                                  </p:childTnLst>
+                                </p:cTn>
+                              </p:par>
+                              <p:par>
+                                <p:cTn id="19" presetID="1" presetClass="entr" presetSubtype="0" fill="hold" nodeType="withEffect">
+                                  <p:stCondLst>
+                                    <p:cond delay="0"/>
+                                  </p:stCondLst>
+                                  <p:childTnLst>
+                                    <p:set>
+                                      <p:cBhvr>
+                                        <p:cTn id="20" dur="1" fill="hold">
+                                          <p:stCondLst>
+                                            <p:cond delay="0"/>
+                                          </p:stCondLst>
+                                        </p:cTn>
+                                        <p:tgtEl>
+                                          <p:spTgt spid="7"/>
+                                        </p:tgtEl>
+                                        <p:attrNameLst>
+                                          <p:attrName>style.visibility</p:attrName>
+                                        </p:attrNameLst>
+                                      </p:cBhvr>
+                                      <p:to>
+                                        <p:strVal val="visible"/>
+                                      </p:to>
+                                    </p:set>
+                                  </p:childTnLst>
+                                </p:cTn>
+                              </p:par>
+                              <p:par>
+                                <p:cTn id="21" presetID="1" presetClass="entr" presetSubtype="0" fill="hold" grpId="0" nodeType="withEffect">
+                                  <p:stCondLst>
+                                    <p:cond delay="0"/>
+                                  </p:stCondLst>
+                                  <p:childTnLst>
+                                    <p:set>
+                                      <p:cBhvr>
+                                        <p:cTn id="22" dur="1" fill="hold">
+                                          <p:stCondLst>
+                                            <p:cond delay="0"/>
+                                          </p:stCondLst>
+                                        </p:cTn>
+                                        <p:tgtEl>
+                                          <p:spTgt spid="14"/>
+                                        </p:tgtEl>
+                                        <p:attrNameLst>
+                                          <p:attrName>style.visibility</p:attrName>
+                                        </p:attrNameLst>
+                                      </p:cBhvr>
+                                      <p:to>
+                                        <p:strVal val="visible"/>
+                                      </p:to>
+                                    </p:set>
+                                  </p:childTnLst>
+                                </p:cTn>
+                              </p:par>
+                            </p:childTnLst>
+                          </p:cTn>
+                        </p:par>
+                      </p:childTnLst>
+                    </p:cTn>
+                  </p:par>
+                  <p:par>
+                    <p:cTn id="23" fill="hold">
+                      <p:stCondLst>
+                        <p:cond delay="indefinite"/>
+                      </p:stCondLst>
+                      <p:childTnLst>
+                        <p:par>
+                          <p:cTn id="24" fill="hold">
+                            <p:stCondLst>
+                              <p:cond delay="0"/>
+                            </p:stCondLst>
+                            <p:childTnLst>
+                              <p:par>
+                                <p:cTn id="25" presetID="1" presetClass="entr" presetSubtype="0" fill="hold" grpId="0" nodeType="clickEffect">
+                                  <p:stCondLst>
+                                    <p:cond delay="0"/>
+                                  </p:stCondLst>
+                                  <p:childTnLst>
+                                    <p:set>
+                                      <p:cBhvr>
+                                        <p:cTn id="26" dur="1" fill="hold">
+                                          <p:stCondLst>
+                                            <p:cond delay="0"/>
+                                          </p:stCondLst>
+                                        </p:cTn>
+                                        <p:tgtEl>
+                                          <p:spTgt spid="23"/>
+                                        </p:tgtEl>
+                                        <p:attrNameLst>
+                                          <p:attrName>style.visibility</p:attrName>
+                                        </p:attrNameLst>
+                                      </p:cBhvr>
+                                      <p:to>
+                                        <p:strVal val="visible"/>
+                                      </p:to>
+                                    </p:set>
+                                  </p:childTnLst>
+                                </p:cTn>
+                              </p:par>
+                              <p:par>
+                                <p:cTn id="27" presetID="1" presetClass="entr" presetSubtype="0" fill="hold" grpId="0" nodeType="withEffect">
+                                  <p:stCondLst>
+                                    <p:cond delay="0"/>
+                                  </p:stCondLst>
+                                  <p:childTnLst>
+                                    <p:set>
+                                      <p:cBhvr>
+                                        <p:cTn id="28" dur="1" fill="hold">
+                                          <p:stCondLst>
+                                            <p:cond delay="0"/>
+                                          </p:stCondLst>
+                                        </p:cTn>
+                                        <p:tgtEl>
+                                          <p:spTgt spid="24"/>
+                                        </p:tgtEl>
+                                        <p:attrNameLst>
+                                          <p:attrName>style.visibility</p:attrName>
+                                        </p:attrNameLst>
+                                      </p:cBhvr>
+                                      <p:to>
+                                        <p:strVal val="visible"/>
+                                      </p:to>
+                                    </p:set>
+                                  </p:childTnLst>
+                                </p:cTn>
+                              </p:par>
+                              <p:par>
+                                <p:cTn id="29" presetID="1" presetClass="entr" presetSubtype="0" fill="hold" nodeType="withEffect">
+                                  <p:stCondLst>
+                                    <p:cond delay="0"/>
+                                  </p:stCondLst>
+                                  <p:childTnLst>
+                                    <p:set>
+                                      <p:cBhvr>
+                                        <p:cTn id="30" dur="1" fill="hold">
+                                          <p:stCondLst>
+                                            <p:cond delay="0"/>
+                                          </p:stCondLst>
+                                        </p:cTn>
+                                        <p:tgtEl>
+                                          <p:spTgt spid="9"/>
+                                        </p:tgtEl>
+                                        <p:attrNameLst>
+                                          <p:attrName>style.visibility</p:attrName>
+                                        </p:attrNameLst>
+                                      </p:cBhvr>
+                                      <p:to>
+                                        <p:strVal val="visible"/>
+                                      </p:to>
+                                    </p:set>
+                                  </p:childTnLst>
+                                </p:cTn>
+                              </p:par>
+                              <p:par>
+                                <p:cTn id="31" presetID="1" presetClass="entr" presetSubtype="0" fill="hold" grpId="0" nodeType="withEffect">
+                                  <p:stCondLst>
+                                    <p:cond delay="0"/>
+                                  </p:stCondLst>
+                                  <p:childTnLst>
+                                    <p:set>
+                                      <p:cBhvr>
+                                        <p:cTn id="32" dur="1" fill="hold">
+                                          <p:stCondLst>
+                                            <p:cond delay="0"/>
+                                          </p:stCondLst>
+                                        </p:cTn>
+                                        <p:tgtEl>
+                                          <p:spTgt spid="13"/>
+                                        </p:tgtEl>
+                                        <p:attrNameLst>
+                                          <p:attrName>style.visibility</p:attrName>
+                                        </p:attrNameLst>
+                                      </p:cBhvr>
+                                      <p:to>
+                                        <p:strVal val="visible"/>
+                                      </p:to>
+                                    </p:set>
+                                  </p:childTnLst>
+                                </p:cTn>
+                              </p:par>
+                              <p:par>
+                                <p:cTn id="33" presetID="1" presetClass="entr" presetSubtype="0" fill="hold" grpId="0" nodeType="withEffect">
+                                  <p:stCondLst>
+                                    <p:cond delay="0"/>
+                                  </p:stCondLst>
+                                  <p:childTnLst>
+                                    <p:set>
+                                      <p:cBhvr>
+                                        <p:cTn id="34" dur="1" fill="hold">
+                                          <p:stCondLst>
+                                            <p:cond delay="0"/>
+                                          </p:stCondLst>
+                                        </p:cTn>
+                                        <p:tgtEl>
+                                          <p:spTgt spid="20"/>
+                                        </p:tgtEl>
+                                        <p:attrNameLst>
+                                          <p:attrName>style.visibility</p:attrName>
+                                        </p:attrNameLst>
+                                      </p:cBhvr>
+                                      <p:to>
+                                        <p:strVal val="visible"/>
+                                      </p:to>
+                                    </p:set>
+                                  </p:childTnLst>
+                                </p:cTn>
+                              </p:par>
+                            </p:childTnLst>
+                          </p:cTn>
+                        </p:par>
+                      </p:childTnLst>
+                    </p:cTn>
+                  </p:par>
+                </p:childTnLst>
+              </p:cTn>
+              <p:prevCondLst>
+                <p:cond evt="onPrev" delay="0">
+                  <p:tgtEl>
+                    <p:sldTgt/>
+                  </p:tgtEl>
+                </p:cond>
+              </p:prevCondLst>
+              <p:nextCondLst>
+                <p:cond evt="onNext" delay="0">
+                  <p:tgtEl>
+                    <p:sldTgt/>
+                  </p:tgtEl>
+                </p:cond>
+              </p:nextCondLst>
+            </p:seq>
+          </p:childTnLst>
+        </p:cTn>
+      </p:par>
+    </p:tnLst>
+    <p:bldLst>
+      <p:bldP spid="13" grpId="0" animBg="1"/>
+      <p:bldP spid="20" grpId="0" animBg="1"/>
+      <p:bldP spid="14" grpId="0" animBg="1"/>
+      <p:bldP spid="16" grpId="0" animBg="1"/>
+      <p:bldP spid="18" grpId="0" animBg="1"/>
+      <p:bldP spid="19" grpId="0" animBg="1"/>
+      <p:bldP spid="21" grpId="0" animBg="1"/>
+      <p:bldP spid="23" grpId="0" animBg="1"/>
+      <p:bldP spid="24" grpId="0" animBg="1"/>
+    </p:bldLst>
+  </p:timing>
 </p:sld>
 </file>
 
@@ -12298,10 +18048,26 @@
           <a:lstStyle/>
           <a:p>
             <a:r>
-              <a:rPr lang="es-MX" dirty="0"/>
+              <a:rPr lang="es-MX" b="1" dirty="0">
+                <a:effectLst>
+                  <a:outerShdw blurRad="38100" dist="38100" dir="2700000" algn="tl">
+                    <a:srgbClr val="000000">
+                      <a:alpha val="43137"/>
+                    </a:srgbClr>
+                  </a:outerShdw>
+                </a:effectLst>
+              </a:rPr>
               <a:t>Software 2.0</a:t>
             </a:r>
-            <a:endParaRPr lang="es-CO" dirty="0"/>
+            <a:endParaRPr lang="es-CO" b="1" dirty="0">
+              <a:effectLst>
+                <a:outerShdw blurRad="38100" dist="38100" dir="2700000" algn="tl">
+                  <a:srgbClr val="000000">
+                    <a:alpha val="43137"/>
+                  </a:srgbClr>
+                </a:outerShdw>
+              </a:effectLst>
+            </a:endParaRPr>
           </a:p>
         </p:txBody>
       </p:sp>
@@ -12332,55 +18098,73 @@
               <a:buNone/>
             </a:pPr>
             <a:r>
-              <a:rPr lang="es-MX" dirty="0"/>
+              <a:rPr lang="es-MX" dirty="0">
+                <a:latin typeface="+mj-lt"/>
+              </a:rPr>
               <a:t>¿Cuando?</a:t>
             </a:r>
           </a:p>
           <a:p>
             <a:r>
-              <a:rPr lang="es-MX" dirty="0"/>
+              <a:rPr lang="es-MX" dirty="0">
+                <a:latin typeface="+mj-lt"/>
+              </a:rPr>
               <a:t>Tenemos acceso a cantidades considerables de datos</a:t>
             </a:r>
           </a:p>
           <a:p>
             <a:r>
-              <a:rPr lang="es-MX" dirty="0"/>
+              <a:rPr lang="es-MX" dirty="0">
+                <a:latin typeface="+mj-lt"/>
+              </a:rPr>
               <a:t>Las reglas son complejas o difíciles de definir</a:t>
             </a:r>
           </a:p>
           <a:p>
             <a:r>
-              <a:rPr lang="es-MX" dirty="0"/>
+              <a:rPr lang="es-MX" dirty="0">
+                <a:latin typeface="+mj-lt"/>
+              </a:rPr>
               <a:t>Se quiere una mejora continua</a:t>
             </a:r>
           </a:p>
           <a:p>
-            <a:endParaRPr lang="es-MX" dirty="0"/>
+            <a:endParaRPr lang="es-MX" dirty="0">
+              <a:latin typeface="+mj-lt"/>
+            </a:endParaRPr>
           </a:p>
           <a:p>
             <a:pPr marL="0" indent="0">
               <a:buNone/>
             </a:pPr>
             <a:r>
-              <a:rPr lang="es-MX" dirty="0"/>
+              <a:rPr lang="es-MX" dirty="0">
+                <a:latin typeface="+mj-lt"/>
+              </a:rPr>
               <a:t>Limitaciones</a:t>
             </a:r>
           </a:p>
           <a:p>
             <a:r>
-              <a:rPr lang="es-MX" dirty="0"/>
+              <a:rPr lang="es-MX" dirty="0">
+                <a:latin typeface="+mj-lt"/>
+              </a:rPr>
               <a:t>No sabemos cuando o que va a fallar</a:t>
             </a:r>
           </a:p>
           <a:p>
             <a:r>
-              <a:rPr lang="es-MX" dirty="0"/>
+              <a:rPr lang="es-MX" dirty="0">
+                <a:latin typeface="+mj-lt"/>
+              </a:rPr>
               <a:t>Es difícil realizar depuraciones</a:t>
             </a:r>
           </a:p>
           <a:p>
             <a:r>
-              <a:rPr lang="es-MX" dirty="0"/>
+              <a:rPr lang="es-MX" dirty="0">
+                <a:latin typeface="+mj-lt"/>
+              </a:rPr>
               <a:t>Sesgos, etc.</a:t>
             </a:r>
           </a:p>
@@ -12396,6 +18180,178 @@
   <p:clrMapOvr>
     <a:masterClrMapping/>
   </p:clrMapOvr>
+  <p:timing>
+    <p:tnLst>
+      <p:par>
+        <p:cTn id="1" dur="indefinite" restart="never" nodeType="tmRoot">
+          <p:childTnLst>
+            <p:seq concurrent="1" nextAc="seek">
+              <p:cTn id="2" dur="indefinite" nodeType="mainSeq">
+                <p:childTnLst>
+                  <p:par>
+                    <p:cTn id="3" fill="hold">
+                      <p:stCondLst>
+                        <p:cond delay="indefinite"/>
+                      </p:stCondLst>
+                      <p:childTnLst>
+                        <p:par>
+                          <p:cTn id="4" fill="hold">
+                            <p:stCondLst>
+                              <p:cond delay="0"/>
+                            </p:stCondLst>
+                            <p:childTnLst>
+                              <p:par>
+                                <p:cTn id="5" presetID="1" presetClass="entr" presetSubtype="0" fill="hold" nodeType="clickEffect">
+                                  <p:stCondLst>
+                                    <p:cond delay="0"/>
+                                  </p:stCondLst>
+                                  <p:childTnLst>
+                                    <p:set>
+                                      <p:cBhvr>
+                                        <p:cTn id="6" dur="1" fill="hold">
+                                          <p:stCondLst>
+                                            <p:cond delay="0"/>
+                                          </p:stCondLst>
+                                        </p:cTn>
+                                        <p:tgtEl>
+                                          <p:spTgt spid="3">
+                                            <p:txEl>
+                                              <p:pRg st="5" end="5"/>
+                                            </p:txEl>
+                                          </p:spTgt>
+                                        </p:tgtEl>
+                                        <p:attrNameLst>
+                                          <p:attrName>style.visibility</p:attrName>
+                                        </p:attrNameLst>
+                                      </p:cBhvr>
+                                      <p:to>
+                                        <p:strVal val="visible"/>
+                                      </p:to>
+                                    </p:set>
+                                  </p:childTnLst>
+                                </p:cTn>
+                              </p:par>
+                              <p:par>
+                                <p:cTn id="7" presetID="1" presetClass="entr" presetSubtype="0" fill="hold" nodeType="withEffect">
+                                  <p:stCondLst>
+                                    <p:cond delay="0"/>
+                                  </p:stCondLst>
+                                  <p:childTnLst>
+                                    <p:set>
+                                      <p:cBhvr>
+                                        <p:cTn id="8" dur="1" fill="hold">
+                                          <p:stCondLst>
+                                            <p:cond delay="0"/>
+                                          </p:stCondLst>
+                                        </p:cTn>
+                                        <p:tgtEl>
+                                          <p:spTgt spid="3">
+                                            <p:txEl>
+                                              <p:pRg st="6" end="6"/>
+                                            </p:txEl>
+                                          </p:spTgt>
+                                        </p:tgtEl>
+                                        <p:attrNameLst>
+                                          <p:attrName>style.visibility</p:attrName>
+                                        </p:attrNameLst>
+                                      </p:cBhvr>
+                                      <p:to>
+                                        <p:strVal val="visible"/>
+                                      </p:to>
+                                    </p:set>
+                                  </p:childTnLst>
+                                </p:cTn>
+                              </p:par>
+                              <p:par>
+                                <p:cTn id="9" presetID="1" presetClass="entr" presetSubtype="0" fill="hold" nodeType="withEffect">
+                                  <p:stCondLst>
+                                    <p:cond delay="0"/>
+                                  </p:stCondLst>
+                                  <p:childTnLst>
+                                    <p:set>
+                                      <p:cBhvr>
+                                        <p:cTn id="10" dur="1" fill="hold">
+                                          <p:stCondLst>
+                                            <p:cond delay="0"/>
+                                          </p:stCondLst>
+                                        </p:cTn>
+                                        <p:tgtEl>
+                                          <p:spTgt spid="3">
+                                            <p:txEl>
+                                              <p:pRg st="7" end="7"/>
+                                            </p:txEl>
+                                          </p:spTgt>
+                                        </p:tgtEl>
+                                        <p:attrNameLst>
+                                          <p:attrName>style.visibility</p:attrName>
+                                        </p:attrNameLst>
+                                      </p:cBhvr>
+                                      <p:to>
+                                        <p:strVal val="visible"/>
+                                      </p:to>
+                                    </p:set>
+                                  </p:childTnLst>
+                                </p:cTn>
+                              </p:par>
+                              <p:par>
+                                <p:cTn id="11" presetID="1" presetClass="entr" presetSubtype="0" fill="hold" nodeType="withEffect">
+                                  <p:stCondLst>
+                                    <p:cond delay="0"/>
+                                  </p:stCondLst>
+                                  <p:childTnLst>
+                                    <p:set>
+                                      <p:cBhvr>
+                                        <p:cTn id="12" dur="1" fill="hold">
+                                          <p:stCondLst>
+                                            <p:cond delay="0"/>
+                                          </p:stCondLst>
+                                        </p:cTn>
+                                        <p:tgtEl>
+                                          <p:spTgt spid="3">
+                                            <p:txEl>
+                                              <p:pRg st="8" end="8"/>
+                                            </p:txEl>
+                                          </p:spTgt>
+                                        </p:tgtEl>
+                                        <p:attrNameLst>
+                                          <p:attrName>style.visibility</p:attrName>
+                                        </p:attrNameLst>
+                                      </p:cBhvr>
+                                      <p:to>
+                                        <p:strVal val="visible"/>
+                                      </p:to>
+                                    </p:set>
+                                  </p:childTnLst>
+                                </p:cTn>
+                              </p:par>
+                            </p:childTnLst>
+                          </p:cTn>
+                        </p:par>
+                      </p:childTnLst>
+                    </p:cTn>
+                  </p:par>
+                </p:childTnLst>
+              </p:cTn>
+              <p:prevCondLst>
+                <p:cond evt="onPrev" delay="0">
+                  <p:tgtEl>
+                    <p:sldTgt/>
+                  </p:tgtEl>
+                </p:cond>
+              </p:prevCondLst>
+              <p:nextCondLst>
+                <p:cond evt="onNext" delay="0">
+                  <p:tgtEl>
+                    <p:sldTgt/>
+                  </p:tgtEl>
+                </p:cond>
+              </p:nextCondLst>
+            </p:seq>
+          </p:childTnLst>
+        </p:cTn>
+      </p:par>
+    </p:tnLst>
+  </p:timing>
 </p:sld>
 </file>
 
@@ -12434,23 +18390,48 @@
         </p:nvSpPr>
         <p:spPr>
           <a:xfrm>
-            <a:off x="838200" y="2285365"/>
-            <a:ext cx="10515600" cy="1325563"/>
+            <a:off x="548640" y="2285365"/>
+            <a:ext cx="10805160" cy="1325563"/>
           </a:xfrm>
         </p:spPr>
         <p:txBody>
           <a:bodyPr/>
           <a:lstStyle/>
           <a:p>
-            <a:r>
-              <a:rPr lang="es-MX" dirty="0"/>
+            <a:pPr algn="ctr"/>
+            <a:r>
+              <a:rPr lang="es-MX" b="1" dirty="0">
+                <a:effectLst>
+                  <a:outerShdw blurRad="38100" dist="38100" dir="2700000" algn="tl">
+                    <a:srgbClr val="000000">
+                      <a:alpha val="43137"/>
+                    </a:srgbClr>
+                  </a:outerShdw>
+                </a:effectLst>
+              </a:rPr>
               <a:t>Principio de Parsimonia – Navaja de </a:t>
             </a:r>
             <a:r>
-              <a:rPr lang="es-MX" dirty="0" err="1"/>
+              <a:rPr lang="es-MX" b="1" dirty="0" err="1">
+                <a:effectLst>
+                  <a:outerShdw blurRad="38100" dist="38100" dir="2700000" algn="tl">
+                    <a:srgbClr val="000000">
+                      <a:alpha val="43137"/>
+                    </a:srgbClr>
+                  </a:outerShdw>
+                </a:effectLst>
+              </a:rPr>
               <a:t>Occham</a:t>
             </a:r>
-            <a:endParaRPr lang="es-CO" dirty="0"/>
+            <a:endParaRPr lang="es-CO" b="1" dirty="0">
+              <a:effectLst>
+                <a:outerShdw blurRad="38100" dist="38100" dir="2700000" algn="tl">
+                  <a:srgbClr val="000000">
+                    <a:alpha val="43137"/>
+                  </a:srgbClr>
+                </a:outerShdw>
+              </a:effectLst>
+            </a:endParaRPr>
           </a:p>
         </p:txBody>
       </p:sp>
@@ -12472,19 +18453,26 @@
         </p:nvSpPr>
         <p:spPr>
           <a:xfrm>
-            <a:off x="838200" y="3610928"/>
-            <a:ext cx="10515600" cy="963295"/>
+            <a:off x="2294466" y="3588702"/>
+            <a:ext cx="7603067" cy="963295"/>
           </a:xfrm>
         </p:spPr>
         <p:txBody>
           <a:bodyPr/>
           <a:lstStyle/>
           <a:p>
-            <a:r>
-              <a:rPr lang="es-MX" dirty="0"/>
+            <a:pPr marL="0" indent="0" algn="ctr">
+              <a:buNone/>
+            </a:pPr>
+            <a:r>
+              <a:rPr lang="es-MX" dirty="0">
+                <a:latin typeface="+mj-lt"/>
+              </a:rPr>
               <a:t>Preferir explicaciones más simples a más complejas si explican de igual forma el fenómeno</a:t>
             </a:r>
-            <a:endParaRPr lang="es-CO" dirty="0"/>
+            <a:endParaRPr lang="es-CO" dirty="0">
+              <a:latin typeface="+mj-lt"/>
+            </a:endParaRPr>
           </a:p>
         </p:txBody>
       </p:sp>
@@ -12590,10 +18578,26 @@
           <a:lstStyle/>
           <a:p>
             <a:r>
-              <a:rPr lang="es-MX" dirty="0"/>
+              <a:rPr lang="es-MX" b="1" dirty="0">
+                <a:effectLst>
+                  <a:outerShdw blurRad="38100" dist="38100" dir="2700000" algn="tl">
+                    <a:srgbClr val="000000">
+                      <a:alpha val="43137"/>
+                    </a:srgbClr>
+                  </a:outerShdw>
+                </a:effectLst>
+              </a:rPr>
               <a:t>Conceptos clave</a:t>
             </a:r>
-            <a:endParaRPr lang="es-CO" dirty="0"/>
+            <a:endParaRPr lang="es-CO" b="1" dirty="0">
+              <a:effectLst>
+                <a:outerShdw blurRad="38100" dist="38100" dir="2700000" algn="tl">
+                  <a:srgbClr val="000000">
+                    <a:alpha val="43137"/>
+                  </a:srgbClr>
+                </a:outerShdw>
+              </a:effectLst>
+            </a:endParaRPr>
           </a:p>
         </p:txBody>
       </p:sp>
@@ -13003,10 +19007,14 @@
           <a:p>
             <a:pPr algn="ctr"/>
             <a:r>
-              <a:rPr lang="es-MX" dirty="0"/>
+              <a:rPr lang="es-MX" dirty="0">
+                <a:latin typeface="+mj-lt"/>
+              </a:rPr>
               <a:t>DATASET</a:t>
             </a:r>
-            <a:endParaRPr lang="es-CO" dirty="0"/>
+            <a:endParaRPr lang="es-CO" dirty="0">
+              <a:latin typeface="+mj-lt"/>
+            </a:endParaRPr>
           </a:p>
         </p:txBody>
       </p:sp>
@@ -13086,9 +19094,17 @@
           <a:bodyPr wrap="square" rtlCol="0">
             <a:spAutoFit/>
           </a:bodyPr>
-          <a:lstStyle/>
-          <a:p>
-            <a:pPr algn="ctr"/>
+          <a:lstStyle>
+            <a:defPPr>
+              <a:defRPr lang="es-CO"/>
+            </a:defPPr>
+            <a:lvl1pPr algn="ctr">
+              <a:defRPr>
+                <a:latin typeface="+mj-lt"/>
+              </a:defRPr>
+            </a:lvl1pPr>
+          </a:lstStyle>
+          <a:p>
             <a:r>
               <a:rPr lang="es-MX" dirty="0"/>
               <a:t>FEATURES</a:t>
@@ -13181,10 +19197,14 @@
           <a:p>
             <a:pPr algn="ctr"/>
             <a:r>
-              <a:rPr lang="es-MX" dirty="0"/>
+              <a:rPr lang="es-MX" dirty="0">
+                <a:latin typeface="+mj-lt"/>
+              </a:rPr>
               <a:t>LABELS</a:t>
             </a:r>
-            <a:endParaRPr lang="es-CO" dirty="0"/>
+            <a:endParaRPr lang="es-CO" dirty="0">
+              <a:latin typeface="+mj-lt"/>
+            </a:endParaRPr>
           </a:p>
         </p:txBody>
       </p:sp>
@@ -13272,10 +19292,14 @@
           <a:p>
             <a:pPr algn="ctr"/>
             <a:r>
-              <a:rPr lang="es-MX" dirty="0"/>
+              <a:rPr lang="es-MX" dirty="0">
+                <a:latin typeface="+mj-lt"/>
+              </a:rPr>
               <a:t>TARGET</a:t>
             </a:r>
-            <a:endParaRPr lang="es-CO" dirty="0"/>
+            <a:endParaRPr lang="es-CO" dirty="0">
+              <a:latin typeface="+mj-lt"/>
+            </a:endParaRPr>
           </a:p>
         </p:txBody>
       </p:sp>
@@ -13395,10 +19419,14 @@
           <a:p>
             <a:pPr algn="ctr"/>
             <a:r>
-              <a:rPr lang="es-MX" dirty="0"/>
+              <a:rPr lang="es-MX" dirty="0">
+                <a:latin typeface="+mj-lt"/>
+              </a:rPr>
               <a:t>MODEL</a:t>
             </a:r>
-            <a:endParaRPr lang="es-CO" dirty="0"/>
+            <a:endParaRPr lang="es-CO" dirty="0">
+              <a:latin typeface="+mj-lt"/>
+            </a:endParaRPr>
           </a:p>
         </p:txBody>
       </p:sp>
@@ -13512,6 +19540,7 @@
                 <a:solidFill>
                   <a:schemeClr val="tx1"/>
                 </a:solidFill>
+                <a:latin typeface="+mj-lt"/>
               </a:rPr>
               <a:t>Hiper-parámetros</a:t>
             </a:r>
@@ -13519,6 +19548,7 @@
               <a:solidFill>
                 <a:schemeClr val="tx1"/>
               </a:solidFill>
+              <a:latin typeface="+mj-lt"/>
             </a:endParaRPr>
           </a:p>
           <a:p>
@@ -13527,6 +19557,7 @@
               <a:solidFill>
                 <a:schemeClr val="tx1"/>
               </a:solidFill>
+              <a:latin typeface="+mj-lt"/>
             </a:endParaRPr>
           </a:p>
           <a:p>
@@ -13536,6 +19567,7 @@
                 <a:solidFill>
                   <a:schemeClr val="tx1"/>
                 </a:solidFill>
+                <a:latin typeface="+mj-lt"/>
               </a:rPr>
               <a:t>Función de</a:t>
             </a:r>
@@ -13547,6 +19579,7 @@
                 <a:solidFill>
                   <a:schemeClr val="tx1"/>
                 </a:solidFill>
+                <a:latin typeface="+mj-lt"/>
               </a:rPr>
               <a:t>perdida</a:t>
             </a:r>
@@ -13557,6 +19590,7 @@
               <a:solidFill>
                 <a:schemeClr val="tx1"/>
               </a:solidFill>
+              <a:latin typeface="+mj-lt"/>
             </a:endParaRPr>
           </a:p>
           <a:p>
@@ -13566,6 +19600,7 @@
                 <a:solidFill>
                   <a:schemeClr val="tx1"/>
                 </a:solidFill>
+                <a:latin typeface="+mj-lt"/>
               </a:rPr>
               <a:t>Métricas de evaluación</a:t>
             </a:r>
@@ -13582,6 +19617,435 @@
   <p:clrMapOvr>
     <a:masterClrMapping/>
   </p:clrMapOvr>
+  <p:timing>
+    <p:tnLst>
+      <p:par>
+        <p:cTn id="1" dur="indefinite" restart="never" nodeType="tmRoot">
+          <p:childTnLst>
+            <p:seq concurrent="1" nextAc="seek">
+              <p:cTn id="2" dur="indefinite" nodeType="mainSeq">
+                <p:childTnLst>
+                  <p:par>
+                    <p:cTn id="3" fill="hold">
+                      <p:stCondLst>
+                        <p:cond delay="indefinite"/>
+                      </p:stCondLst>
+                      <p:childTnLst>
+                        <p:par>
+                          <p:cTn id="4" fill="hold">
+                            <p:stCondLst>
+                              <p:cond delay="0"/>
+                            </p:stCondLst>
+                            <p:childTnLst>
+                              <p:par>
+                                <p:cTn id="5" presetID="1" presetClass="entr" presetSubtype="0" fill="hold" grpId="0" nodeType="clickEffect">
+                                  <p:stCondLst>
+                                    <p:cond delay="0"/>
+                                  </p:stCondLst>
+                                  <p:childTnLst>
+                                    <p:set>
+                                      <p:cBhvr>
+                                        <p:cTn id="6" dur="1" fill="hold">
+                                          <p:stCondLst>
+                                            <p:cond delay="0"/>
+                                          </p:stCondLst>
+                                        </p:cTn>
+                                        <p:tgtEl>
+                                          <p:spTgt spid="9"/>
+                                        </p:tgtEl>
+                                        <p:attrNameLst>
+                                          <p:attrName>style.visibility</p:attrName>
+                                        </p:attrNameLst>
+                                      </p:cBhvr>
+                                      <p:to>
+                                        <p:strVal val="visible"/>
+                                      </p:to>
+                                    </p:set>
+                                  </p:childTnLst>
+                                </p:cTn>
+                              </p:par>
+                              <p:par>
+                                <p:cTn id="7" presetID="1" presetClass="entr" presetSubtype="0" fill="hold" grpId="0" nodeType="withEffect">
+                                  <p:stCondLst>
+                                    <p:cond delay="0"/>
+                                  </p:stCondLst>
+                                  <p:childTnLst>
+                                    <p:set>
+                                      <p:cBhvr>
+                                        <p:cTn id="8" dur="1" fill="hold">
+                                          <p:stCondLst>
+                                            <p:cond delay="0"/>
+                                          </p:stCondLst>
+                                        </p:cTn>
+                                        <p:tgtEl>
+                                          <p:spTgt spid="10"/>
+                                        </p:tgtEl>
+                                        <p:attrNameLst>
+                                          <p:attrName>style.visibility</p:attrName>
+                                        </p:attrNameLst>
+                                      </p:cBhvr>
+                                      <p:to>
+                                        <p:strVal val="visible"/>
+                                      </p:to>
+                                    </p:set>
+                                  </p:childTnLst>
+                                </p:cTn>
+                              </p:par>
+                            </p:childTnLst>
+                          </p:cTn>
+                        </p:par>
+                      </p:childTnLst>
+                    </p:cTn>
+                  </p:par>
+                  <p:par>
+                    <p:cTn id="9" fill="hold">
+                      <p:stCondLst>
+                        <p:cond delay="indefinite"/>
+                      </p:stCondLst>
+                      <p:childTnLst>
+                        <p:par>
+                          <p:cTn id="10" fill="hold">
+                            <p:stCondLst>
+                              <p:cond delay="0"/>
+                            </p:stCondLst>
+                            <p:childTnLst>
+                              <p:par>
+                                <p:cTn id="11" presetID="1" presetClass="entr" presetSubtype="0" fill="hold" grpId="0" nodeType="clickEffect">
+                                  <p:stCondLst>
+                                    <p:cond delay="0"/>
+                                  </p:stCondLst>
+                                  <p:childTnLst>
+                                    <p:set>
+                                      <p:cBhvr>
+                                        <p:cTn id="12" dur="1" fill="hold">
+                                          <p:stCondLst>
+                                            <p:cond delay="0"/>
+                                          </p:stCondLst>
+                                        </p:cTn>
+                                        <p:tgtEl>
+                                          <p:spTgt spid="15"/>
+                                        </p:tgtEl>
+                                        <p:attrNameLst>
+                                          <p:attrName>style.visibility</p:attrName>
+                                        </p:attrNameLst>
+                                      </p:cBhvr>
+                                      <p:to>
+                                        <p:strVal val="visible"/>
+                                      </p:to>
+                                    </p:set>
+                                  </p:childTnLst>
+                                </p:cTn>
+                              </p:par>
+                              <p:par>
+                                <p:cTn id="13" presetID="1" presetClass="entr" presetSubtype="0" fill="hold" grpId="0" nodeType="withEffect">
+                                  <p:stCondLst>
+                                    <p:cond delay="0"/>
+                                  </p:stCondLst>
+                                  <p:childTnLst>
+                                    <p:set>
+                                      <p:cBhvr>
+                                        <p:cTn id="14" dur="1" fill="hold">
+                                          <p:stCondLst>
+                                            <p:cond delay="0"/>
+                                          </p:stCondLst>
+                                        </p:cTn>
+                                        <p:tgtEl>
+                                          <p:spTgt spid="16"/>
+                                        </p:tgtEl>
+                                        <p:attrNameLst>
+                                          <p:attrName>style.visibility</p:attrName>
+                                        </p:attrNameLst>
+                                      </p:cBhvr>
+                                      <p:to>
+                                        <p:strVal val="visible"/>
+                                      </p:to>
+                                    </p:set>
+                                  </p:childTnLst>
+                                </p:cTn>
+                              </p:par>
+                            </p:childTnLst>
+                          </p:cTn>
+                        </p:par>
+                      </p:childTnLst>
+                    </p:cTn>
+                  </p:par>
+                  <p:par>
+                    <p:cTn id="15" fill="hold">
+                      <p:stCondLst>
+                        <p:cond delay="indefinite"/>
+                      </p:stCondLst>
+                      <p:childTnLst>
+                        <p:par>
+                          <p:cTn id="16" fill="hold">
+                            <p:stCondLst>
+                              <p:cond delay="0"/>
+                            </p:stCondLst>
+                            <p:childTnLst>
+                              <p:par>
+                                <p:cTn id="17" presetID="1" presetClass="entr" presetSubtype="0" fill="hold" grpId="0" nodeType="clickEffect">
+                                  <p:stCondLst>
+                                    <p:cond delay="0"/>
+                                  </p:stCondLst>
+                                  <p:childTnLst>
+                                    <p:set>
+                                      <p:cBhvr>
+                                        <p:cTn id="18" dur="1" fill="hold">
+                                          <p:stCondLst>
+                                            <p:cond delay="0"/>
+                                          </p:stCondLst>
+                                        </p:cTn>
+                                        <p:tgtEl>
+                                          <p:spTgt spid="14"/>
+                                        </p:tgtEl>
+                                        <p:attrNameLst>
+                                          <p:attrName>style.visibility</p:attrName>
+                                        </p:attrNameLst>
+                                      </p:cBhvr>
+                                      <p:to>
+                                        <p:strVal val="visible"/>
+                                      </p:to>
+                                    </p:set>
+                                  </p:childTnLst>
+                                </p:cTn>
+                              </p:par>
+                              <p:par>
+                                <p:cTn id="19" presetID="1" presetClass="entr" presetSubtype="0" fill="hold" grpId="0" nodeType="withEffect">
+                                  <p:stCondLst>
+                                    <p:cond delay="0"/>
+                                  </p:stCondLst>
+                                  <p:childTnLst>
+                                    <p:set>
+                                      <p:cBhvr>
+                                        <p:cTn id="20" dur="1" fill="hold">
+                                          <p:stCondLst>
+                                            <p:cond delay="0"/>
+                                          </p:stCondLst>
+                                        </p:cTn>
+                                        <p:tgtEl>
+                                          <p:spTgt spid="13"/>
+                                        </p:tgtEl>
+                                        <p:attrNameLst>
+                                          <p:attrName>style.visibility</p:attrName>
+                                        </p:attrNameLst>
+                                      </p:cBhvr>
+                                      <p:to>
+                                        <p:strVal val="visible"/>
+                                      </p:to>
+                                    </p:set>
+                                  </p:childTnLst>
+                                </p:cTn>
+                              </p:par>
+                            </p:childTnLst>
+                          </p:cTn>
+                        </p:par>
+                      </p:childTnLst>
+                    </p:cTn>
+                  </p:par>
+                  <p:par>
+                    <p:cTn id="21" fill="hold">
+                      <p:stCondLst>
+                        <p:cond delay="indefinite"/>
+                      </p:stCondLst>
+                      <p:childTnLst>
+                        <p:par>
+                          <p:cTn id="22" fill="hold">
+                            <p:stCondLst>
+                              <p:cond delay="0"/>
+                            </p:stCondLst>
+                            <p:childTnLst>
+                              <p:par>
+                                <p:cTn id="23" presetID="1" presetClass="entr" presetSubtype="0" fill="hold" grpId="0" nodeType="clickEffect">
+                                  <p:stCondLst>
+                                    <p:cond delay="0"/>
+                                  </p:stCondLst>
+                                  <p:childTnLst>
+                                    <p:set>
+                                      <p:cBhvr>
+                                        <p:cTn id="24" dur="1" fill="hold">
+                                          <p:stCondLst>
+                                            <p:cond delay="0"/>
+                                          </p:stCondLst>
+                                        </p:cTn>
+                                        <p:tgtEl>
+                                          <p:spTgt spid="17"/>
+                                        </p:tgtEl>
+                                        <p:attrNameLst>
+                                          <p:attrName>style.visibility</p:attrName>
+                                        </p:attrNameLst>
+                                      </p:cBhvr>
+                                      <p:to>
+                                        <p:strVal val="visible"/>
+                                      </p:to>
+                                    </p:set>
+                                  </p:childTnLst>
+                                </p:cTn>
+                              </p:par>
+                              <p:par>
+                                <p:cTn id="25" presetID="1" presetClass="entr" presetSubtype="0" fill="hold" grpId="0" nodeType="withEffect">
+                                  <p:stCondLst>
+                                    <p:cond delay="0"/>
+                                  </p:stCondLst>
+                                  <p:childTnLst>
+                                    <p:set>
+                                      <p:cBhvr>
+                                        <p:cTn id="26" dur="1" fill="hold">
+                                          <p:stCondLst>
+                                            <p:cond delay="0"/>
+                                          </p:stCondLst>
+                                        </p:cTn>
+                                        <p:tgtEl>
+                                          <p:spTgt spid="20"/>
+                                        </p:tgtEl>
+                                        <p:attrNameLst>
+                                          <p:attrName>style.visibility</p:attrName>
+                                        </p:attrNameLst>
+                                      </p:cBhvr>
+                                      <p:to>
+                                        <p:strVal val="visible"/>
+                                      </p:to>
+                                    </p:set>
+                                  </p:childTnLst>
+                                </p:cTn>
+                              </p:par>
+                              <p:par>
+                                <p:cTn id="27" presetID="1" presetClass="entr" presetSubtype="0" fill="hold" nodeType="withEffect">
+                                  <p:stCondLst>
+                                    <p:cond delay="0"/>
+                                  </p:stCondLst>
+                                  <p:childTnLst>
+                                    <p:set>
+                                      <p:cBhvr>
+                                        <p:cTn id="28" dur="1" fill="hold">
+                                          <p:stCondLst>
+                                            <p:cond delay="0"/>
+                                          </p:stCondLst>
+                                        </p:cTn>
+                                        <p:tgtEl>
+                                          <p:spTgt spid="18"/>
+                                        </p:tgtEl>
+                                        <p:attrNameLst>
+                                          <p:attrName>style.visibility</p:attrName>
+                                        </p:attrNameLst>
+                                      </p:cBhvr>
+                                      <p:to>
+                                        <p:strVal val="visible"/>
+                                      </p:to>
+                                    </p:set>
+                                  </p:childTnLst>
+                                </p:cTn>
+                              </p:par>
+                              <p:par>
+                                <p:cTn id="29" presetID="1" presetClass="entr" presetSubtype="0" fill="hold" grpId="0" nodeType="withEffect">
+                                  <p:stCondLst>
+                                    <p:cond delay="0"/>
+                                  </p:stCondLst>
+                                  <p:childTnLst>
+                                    <p:set>
+                                      <p:cBhvr>
+                                        <p:cTn id="30" dur="1" fill="hold">
+                                          <p:stCondLst>
+                                            <p:cond delay="0"/>
+                                          </p:stCondLst>
+                                        </p:cTn>
+                                        <p:tgtEl>
+                                          <p:spTgt spid="19"/>
+                                        </p:tgtEl>
+                                        <p:attrNameLst>
+                                          <p:attrName>style.visibility</p:attrName>
+                                        </p:attrNameLst>
+                                      </p:cBhvr>
+                                      <p:to>
+                                        <p:strVal val="visible"/>
+                                      </p:to>
+                                    </p:set>
+                                  </p:childTnLst>
+                                </p:cTn>
+                              </p:par>
+                            </p:childTnLst>
+                          </p:cTn>
+                        </p:par>
+                      </p:childTnLst>
+                    </p:cTn>
+                  </p:par>
+                  <p:par>
+                    <p:cTn id="31" fill="hold">
+                      <p:stCondLst>
+                        <p:cond delay="indefinite"/>
+                      </p:stCondLst>
+                      <p:childTnLst>
+                        <p:par>
+                          <p:cTn id="32" fill="hold">
+                            <p:stCondLst>
+                              <p:cond delay="0"/>
+                            </p:stCondLst>
+                            <p:childTnLst>
+                              <p:par>
+                                <p:cTn id="33" presetID="1" presetClass="entr" presetSubtype="0" fill="hold" grpId="0" nodeType="clickEffect">
+                                  <p:stCondLst>
+                                    <p:cond delay="0"/>
+                                  </p:stCondLst>
+                                  <p:childTnLst>
+                                    <p:set>
+                                      <p:cBhvr>
+                                        <p:cTn id="34" dur="1" fill="hold">
+                                          <p:stCondLst>
+                                            <p:cond delay="0"/>
+                                          </p:stCondLst>
+                                        </p:cTn>
+                                        <p:tgtEl>
+                                          <p:spTgt spid="21"/>
+                                        </p:tgtEl>
+                                        <p:attrNameLst>
+                                          <p:attrName>style.visibility</p:attrName>
+                                        </p:attrNameLst>
+                                      </p:cBhvr>
+                                      <p:to>
+                                        <p:strVal val="visible"/>
+                                      </p:to>
+                                    </p:set>
+                                  </p:childTnLst>
+                                </p:cTn>
+                              </p:par>
+                            </p:childTnLst>
+                          </p:cTn>
+                        </p:par>
+                      </p:childTnLst>
+                    </p:cTn>
+                  </p:par>
+                </p:childTnLst>
+              </p:cTn>
+              <p:prevCondLst>
+                <p:cond evt="onPrev" delay="0">
+                  <p:tgtEl>
+                    <p:sldTgt/>
+                  </p:tgtEl>
+                </p:cond>
+              </p:prevCondLst>
+              <p:nextCondLst>
+                <p:cond evt="onNext" delay="0">
+                  <p:tgtEl>
+                    <p:sldTgt/>
+                  </p:tgtEl>
+                </p:cond>
+              </p:nextCondLst>
+            </p:seq>
+          </p:childTnLst>
+        </p:cTn>
+      </p:par>
+    </p:tnLst>
+    <p:bldLst>
+      <p:bldP spid="9" grpId="0" animBg="1"/>
+      <p:bldP spid="10" grpId="0"/>
+      <p:bldP spid="13" grpId="0" animBg="1"/>
+      <p:bldP spid="14" grpId="0"/>
+      <p:bldP spid="15" grpId="0" animBg="1"/>
+      <p:bldP spid="16" grpId="0"/>
+      <p:bldP spid="17" grpId="0" animBg="1"/>
+      <p:bldP spid="19" grpId="0"/>
+      <p:bldP spid="20" grpId="0" animBg="1"/>
+      <p:bldP spid="21" grpId="0" animBg="1"/>
+    </p:bldLst>
+  </p:timing>
 </p:sld>
 </file>
 
@@ -13629,10 +20093,26 @@
           <a:lstStyle/>
           <a:p>
             <a:r>
-              <a:rPr lang="es-MX" dirty="0"/>
+              <a:rPr lang="es-MX" b="1" dirty="0">
+                <a:effectLst>
+                  <a:outerShdw blurRad="38100" dist="38100" dir="2700000" algn="tl">
+                    <a:srgbClr val="000000">
+                      <a:alpha val="43137"/>
+                    </a:srgbClr>
+                  </a:outerShdw>
+                </a:effectLst>
+              </a:rPr>
               <a:t>Flujo de trabajo en Aprendizaje Supervisado</a:t>
             </a:r>
-            <a:endParaRPr lang="es-CO" dirty="0"/>
+            <a:endParaRPr lang="es-CO" b="1" dirty="0">
+              <a:effectLst>
+                <a:outerShdw blurRad="38100" dist="38100" dir="2700000" algn="tl">
+                  <a:srgbClr val="000000">
+                    <a:alpha val="43137"/>
+                  </a:srgbClr>
+                </a:outerShdw>
+              </a:effectLst>
+            </a:endParaRPr>
           </a:p>
         </p:txBody>
       </p:sp>
@@ -13652,7 +20132,7 @@
             <p:ph idx="1"/>
             <p:extLst>
               <p:ext uri="{D42A27DB-BD31-4B8C-83A1-F6EECF244321}">
-                <p14:modId xmlns:p14="http://schemas.microsoft.com/office/powerpoint/2010/main" val="2496610561"/>
+                <p14:modId xmlns:p14="http://schemas.microsoft.com/office/powerpoint/2010/main" val="2207344669"/>
               </p:ext>
             </p:extLst>
           </p:nvPr>
@@ -13724,10 +20204,26 @@
           <a:lstStyle/>
           <a:p>
             <a:r>
-              <a:rPr lang="es-MX" dirty="0"/>
+              <a:rPr lang="es-MX" b="1" dirty="0">
+                <a:effectLst>
+                  <a:outerShdw blurRad="38100" dist="38100" dir="2700000" algn="tl">
+                    <a:srgbClr val="000000">
+                      <a:alpha val="43137"/>
+                    </a:srgbClr>
+                  </a:outerShdw>
+                </a:effectLst>
+              </a:rPr>
               <a:t>Regresión Lineal</a:t>
             </a:r>
-            <a:endParaRPr lang="es-CO" dirty="0"/>
+            <a:endParaRPr lang="es-CO" b="1" dirty="0">
+              <a:effectLst>
+                <a:outerShdw blurRad="38100" dist="38100" dir="2700000" algn="tl">
+                  <a:srgbClr val="000000">
+                    <a:alpha val="43137"/>
+                  </a:srgbClr>
+                </a:outerShdw>
+              </a:effectLst>
+            </a:endParaRPr>
           </a:p>
         </p:txBody>
       </p:sp>
@@ -14040,6 +20536,227 @@
 </file>
 
 <file path=ppt/theme/theme2.xml><?xml version="1.0" encoding="utf-8"?>
+<a:theme xmlns:a="http://schemas.openxmlformats.org/drawingml/2006/main" name="Tema de Psimetría">
+  <a:themeElements>
+    <a:clrScheme name="Personalizado 1">
+      <a:dk1>
+        <a:srgbClr val="172637"/>
+      </a:dk1>
+      <a:lt1>
+        <a:sysClr val="window" lastClr="FFFFFF"/>
+      </a:lt1>
+      <a:dk2>
+        <a:srgbClr val="172637"/>
+      </a:dk2>
+      <a:lt2>
+        <a:srgbClr val="E8E8E8"/>
+      </a:lt2>
+      <a:accent1>
+        <a:srgbClr val="158DD5"/>
+      </a:accent1>
+      <a:accent2>
+        <a:srgbClr val="172637"/>
+      </a:accent2>
+      <a:accent3>
+        <a:srgbClr val="061E60"/>
+      </a:accent3>
+      <a:accent4>
+        <a:srgbClr val="12B9E8"/>
+      </a:accent4>
+      <a:accent5>
+        <a:srgbClr val="17629A"/>
+      </a:accent5>
+      <a:accent6>
+        <a:srgbClr val="FFFFFF"/>
+      </a:accent6>
+      <a:hlink>
+        <a:srgbClr val="467886"/>
+      </a:hlink>
+      <a:folHlink>
+        <a:srgbClr val="96607D"/>
+      </a:folHlink>
+    </a:clrScheme>
+    <a:fontScheme name="Personalizado 1">
+      <a:majorFont>
+        <a:latin typeface="Questrial"/>
+        <a:ea typeface=""/>
+        <a:cs typeface=""/>
+      </a:majorFont>
+      <a:minorFont>
+        <a:latin typeface="Questrial"/>
+        <a:ea typeface=""/>
+        <a:cs typeface=""/>
+      </a:minorFont>
+    </a:fontScheme>
+    <a:fmtScheme name="Office">
+      <a:fillStyleLst>
+        <a:solidFill>
+          <a:schemeClr val="phClr"/>
+        </a:solidFill>
+        <a:gradFill rotWithShape="1">
+          <a:gsLst>
+            <a:gs pos="0">
+              <a:schemeClr val="phClr">
+                <a:lumMod val="110000"/>
+                <a:satMod val="105000"/>
+                <a:tint val="67000"/>
+              </a:schemeClr>
+            </a:gs>
+            <a:gs pos="50000">
+              <a:schemeClr val="phClr">
+                <a:lumMod val="105000"/>
+                <a:satMod val="103000"/>
+                <a:tint val="73000"/>
+              </a:schemeClr>
+            </a:gs>
+            <a:gs pos="100000">
+              <a:schemeClr val="phClr">
+                <a:lumMod val="105000"/>
+                <a:satMod val="109000"/>
+                <a:tint val="81000"/>
+              </a:schemeClr>
+            </a:gs>
+          </a:gsLst>
+          <a:lin ang="5400000" scaled="0"/>
+        </a:gradFill>
+        <a:gradFill rotWithShape="1">
+          <a:gsLst>
+            <a:gs pos="0">
+              <a:schemeClr val="phClr">
+                <a:satMod val="103000"/>
+                <a:lumMod val="102000"/>
+                <a:tint val="94000"/>
+              </a:schemeClr>
+            </a:gs>
+            <a:gs pos="50000">
+              <a:schemeClr val="phClr">
+                <a:satMod val="110000"/>
+                <a:lumMod val="100000"/>
+                <a:shade val="100000"/>
+              </a:schemeClr>
+            </a:gs>
+            <a:gs pos="100000">
+              <a:schemeClr val="phClr">
+                <a:lumMod val="99000"/>
+                <a:satMod val="120000"/>
+                <a:shade val="78000"/>
+              </a:schemeClr>
+            </a:gs>
+          </a:gsLst>
+          <a:lin ang="5400000" scaled="0"/>
+        </a:gradFill>
+      </a:fillStyleLst>
+      <a:lnStyleLst>
+        <a:ln w="12700" cap="flat" cmpd="sng" algn="ctr">
+          <a:solidFill>
+            <a:schemeClr val="phClr"/>
+          </a:solidFill>
+          <a:prstDash val="solid"/>
+          <a:miter lim="800000"/>
+        </a:ln>
+        <a:ln w="19050" cap="flat" cmpd="sng" algn="ctr">
+          <a:solidFill>
+            <a:schemeClr val="phClr"/>
+          </a:solidFill>
+          <a:prstDash val="solid"/>
+          <a:miter lim="800000"/>
+        </a:ln>
+        <a:ln w="25400" cap="flat" cmpd="sng" algn="ctr">
+          <a:solidFill>
+            <a:schemeClr val="phClr"/>
+          </a:solidFill>
+          <a:prstDash val="solid"/>
+          <a:miter lim="800000"/>
+        </a:ln>
+      </a:lnStyleLst>
+      <a:effectStyleLst>
+        <a:effectStyle>
+          <a:effectLst/>
+        </a:effectStyle>
+        <a:effectStyle>
+          <a:effectLst/>
+        </a:effectStyle>
+        <a:effectStyle>
+          <a:effectLst>
+            <a:outerShdw blurRad="57150" dist="19050" dir="5400000" algn="ctr" rotWithShape="0">
+              <a:srgbClr val="000000">
+                <a:alpha val="63000"/>
+              </a:srgbClr>
+            </a:outerShdw>
+          </a:effectLst>
+        </a:effectStyle>
+      </a:effectStyleLst>
+      <a:bgFillStyleLst>
+        <a:solidFill>
+          <a:schemeClr val="phClr"/>
+        </a:solidFill>
+        <a:solidFill>
+          <a:schemeClr val="phClr">
+            <a:tint val="95000"/>
+            <a:satMod val="170000"/>
+          </a:schemeClr>
+        </a:solidFill>
+        <a:gradFill rotWithShape="1">
+          <a:gsLst>
+            <a:gs pos="0">
+              <a:schemeClr val="phClr">
+                <a:tint val="93000"/>
+                <a:satMod val="150000"/>
+                <a:shade val="98000"/>
+                <a:lumMod val="102000"/>
+              </a:schemeClr>
+            </a:gs>
+            <a:gs pos="50000">
+              <a:schemeClr val="phClr">
+                <a:tint val="98000"/>
+                <a:satMod val="130000"/>
+                <a:shade val="90000"/>
+                <a:lumMod val="103000"/>
+              </a:schemeClr>
+            </a:gs>
+            <a:gs pos="100000">
+              <a:schemeClr val="phClr">
+                <a:shade val="63000"/>
+                <a:satMod val="120000"/>
+              </a:schemeClr>
+            </a:gs>
+          </a:gsLst>
+          <a:lin ang="5400000" scaled="0"/>
+        </a:gradFill>
+      </a:bgFillStyleLst>
+    </a:fmtScheme>
+  </a:themeElements>
+  <a:objectDefaults>
+    <a:lnDef>
+      <a:spPr/>
+      <a:bodyPr/>
+      <a:lstStyle/>
+      <a:style>
+        <a:lnRef idx="2">
+          <a:schemeClr val="accent1"/>
+        </a:lnRef>
+        <a:fillRef idx="0">
+          <a:schemeClr val="accent1"/>
+        </a:fillRef>
+        <a:effectRef idx="1">
+          <a:schemeClr val="accent1"/>
+        </a:effectRef>
+        <a:fontRef idx="minor">
+          <a:schemeClr val="tx1"/>
+        </a:fontRef>
+      </a:style>
+    </a:lnDef>
+  </a:objectDefaults>
+  <a:extraClrSchemeLst/>
+  <a:extLst>
+    <a:ext uri="{05A4C25C-085E-4340-85A3-A5531E510DB2}">
+      <thm15:themeFamily xmlns:thm15="http://schemas.microsoft.com/office/thememl/2012/main" name="Presentación1" id="{560CF03C-EEBB-47A6-BF92-57707816D1A7}" vid="{1328C98E-3F35-4E16-AB6F-5F62253D8EF3}"/>
+    </a:ext>
+  </a:extLst>
+</a:theme>
+</file>
+
+<file path=ppt/theme/theme3.xml><?xml version="1.0" encoding="utf-8"?>
 <a:theme xmlns:a="http://schemas.openxmlformats.org/drawingml/2006/main" name="Tema de Office">
   <a:themeElements>
     <a:clrScheme name="Office">
